--- a/lec3/lec3.pptx
+++ b/lec3/lec3.pptx
@@ -5,7 +5,7 @@
     <p:sldMasterId id="2147483648" r:id="rId1"/>
   </p:sldMasterIdLst>
   <p:notesMasterIdLst>
-    <p:notesMasterId r:id="rId12"/>
+    <p:notesMasterId r:id="rId28"/>
   </p:notesMasterIdLst>
   <p:sldIdLst>
     <p:sldId id="295" r:id="rId2"/>
@@ -17,7 +17,23 @@
     <p:sldId id="313" r:id="rId8"/>
     <p:sldId id="312" r:id="rId9"/>
     <p:sldId id="315" r:id="rId10"/>
-    <p:sldId id="303" r:id="rId11"/>
+    <p:sldId id="327" r:id="rId11"/>
+    <p:sldId id="319" r:id="rId12"/>
+    <p:sldId id="326" r:id="rId13"/>
+    <p:sldId id="333" r:id="rId14"/>
+    <p:sldId id="322" r:id="rId15"/>
+    <p:sldId id="328" r:id="rId16"/>
+    <p:sldId id="321" r:id="rId17"/>
+    <p:sldId id="325" r:id="rId18"/>
+    <p:sldId id="324" r:id="rId19"/>
+    <p:sldId id="329" r:id="rId20"/>
+    <p:sldId id="330" r:id="rId21"/>
+    <p:sldId id="331" r:id="rId22"/>
+    <p:sldId id="320" r:id="rId23"/>
+    <p:sldId id="334" r:id="rId24"/>
+    <p:sldId id="335" r:id="rId25"/>
+    <p:sldId id="332" r:id="rId26"/>
+    <p:sldId id="303" r:id="rId27"/>
   </p:sldIdLst>
   <p:sldSz cx="12192000" cy="6858000"/>
   <p:notesSz cx="6858000" cy="9144000"/>
@@ -130,6 +146,22 @@
             <p14:sldId id="313"/>
             <p14:sldId id="312"/>
             <p14:sldId id="315"/>
+            <p14:sldId id="327"/>
+            <p14:sldId id="319"/>
+            <p14:sldId id="326"/>
+            <p14:sldId id="333"/>
+            <p14:sldId id="322"/>
+            <p14:sldId id="328"/>
+            <p14:sldId id="321"/>
+            <p14:sldId id="325"/>
+            <p14:sldId id="324"/>
+            <p14:sldId id="329"/>
+            <p14:sldId id="330"/>
+            <p14:sldId id="331"/>
+            <p14:sldId id="320"/>
+            <p14:sldId id="334"/>
+            <p14:sldId id="335"/>
+            <p14:sldId id="332"/>
             <p14:sldId id="303"/>
           </p14:sldIdLst>
         </p14:section>
@@ -227,7 +259,7 @@
           <a:p>
             <a:fld id="{583A7FF4-BA10-584F-BDF9-B94398A4CBAE}" type="datetimeFigureOut">
               <a:rPr lang="en-US" smtClean="0"/>
-              <a:t>9/2/16</a:t>
+              <a:t>9/24/16</a:t>
             </a:fld>
             <a:endParaRPr lang="en-US"/>
           </a:p>
@@ -644,7 +676,91 @@
           <a:p>
             <a:fld id="{359BC295-29C1-7F43-A430-DCB01AEEE727}" type="slidenum">
               <a:rPr lang="en-US" smtClean="0"/>
-              <a:t>10</a:t>
+              <a:t>25</a:t>
+            </a:fld>
+            <a:endParaRPr lang="en-US"/>
+          </a:p>
+        </p:txBody>
+      </p:sp>
+    </p:spTree>
+    <p:extLst>
+      <p:ext uri="{BB962C8B-B14F-4D97-AF65-F5344CB8AC3E}">
+        <p14:creationId xmlns:p14="http://schemas.microsoft.com/office/powerpoint/2010/main" val="379374953"/>
+      </p:ext>
+    </p:extLst>
+  </p:cSld>
+  <p:clrMapOvr>
+    <a:masterClrMapping/>
+  </p:clrMapOvr>
+</p:notes>
+</file>
+
+<file path=ppt/notesSlides/notesSlide3.xml><?xml version="1.0" encoding="utf-8"?>
+<p:notes xmlns:a="http://schemas.openxmlformats.org/drawingml/2006/main" xmlns:r="http://schemas.openxmlformats.org/officeDocument/2006/relationships" xmlns:p="http://schemas.openxmlformats.org/presentationml/2006/main">
+  <p:cSld>
+    <p:spTree>
+      <p:nvGrpSpPr>
+        <p:cNvPr id="1" name=""/>
+        <p:cNvGrpSpPr/>
+        <p:nvPr/>
+      </p:nvGrpSpPr>
+      <p:grpSpPr>
+        <a:xfrm>
+          <a:off x="0" y="0"/>
+          <a:ext cx="0" cy="0"/>
+          <a:chOff x="0" y="0"/>
+          <a:chExt cx="0" cy="0"/>
+        </a:xfrm>
+      </p:grpSpPr>
+      <p:sp>
+        <p:nvSpPr>
+          <p:cNvPr id="2" name="Slide Image Placeholder 1"/>
+          <p:cNvSpPr>
+            <a:spLocks noGrp="1" noRot="1" noChangeAspect="1"/>
+          </p:cNvSpPr>
+          <p:nvPr>
+            <p:ph type="sldImg"/>
+          </p:nvPr>
+        </p:nvSpPr>
+        <p:spPr/>
+      </p:sp>
+      <p:sp>
+        <p:nvSpPr>
+          <p:cNvPr id="3" name="Notes Placeholder 2"/>
+          <p:cNvSpPr>
+            <a:spLocks noGrp="1"/>
+          </p:cNvSpPr>
+          <p:nvPr>
+            <p:ph type="body" idx="1"/>
+          </p:nvPr>
+        </p:nvSpPr>
+        <p:spPr/>
+        <p:txBody>
+          <a:bodyPr/>
+          <a:lstStyle/>
+          <a:p>
+            <a:endParaRPr lang="en-US"/>
+          </a:p>
+        </p:txBody>
+      </p:sp>
+      <p:sp>
+        <p:nvSpPr>
+          <p:cNvPr id="4" name="Slide Number Placeholder 3"/>
+          <p:cNvSpPr>
+            <a:spLocks noGrp="1"/>
+          </p:cNvSpPr>
+          <p:nvPr>
+            <p:ph type="sldNum" sz="quarter" idx="10"/>
+          </p:nvPr>
+        </p:nvSpPr>
+        <p:spPr/>
+        <p:txBody>
+          <a:bodyPr/>
+          <a:lstStyle/>
+          <a:p>
+            <a:fld id="{359BC295-29C1-7F43-A430-DCB01AEEE727}" type="slidenum">
+              <a:rPr lang="en-US" smtClean="0"/>
+              <a:t>26</a:t>
             </a:fld>
             <a:endParaRPr lang="en-US"/>
           </a:p>
@@ -794,7 +910,7 @@
           <a:p>
             <a:fld id="{CB12401C-CFD5-B54A-B2A8-512DBFD35870}" type="datetimeFigureOut">
               <a:rPr lang="en-US" smtClean="0"/>
-              <a:t>9/2/16</a:t>
+              <a:t>9/24/16</a:t>
             </a:fld>
             <a:endParaRPr lang="en-US"/>
           </a:p>
@@ -964,7 +1080,7 @@
           <a:p>
             <a:fld id="{CB12401C-CFD5-B54A-B2A8-512DBFD35870}" type="datetimeFigureOut">
               <a:rPr lang="en-US" smtClean="0"/>
-              <a:t>9/2/16</a:t>
+              <a:t>9/24/16</a:t>
             </a:fld>
             <a:endParaRPr lang="en-US"/>
           </a:p>
@@ -1144,7 +1260,7 @@
           <a:p>
             <a:fld id="{CB12401C-CFD5-B54A-B2A8-512DBFD35870}" type="datetimeFigureOut">
               <a:rPr lang="en-US" smtClean="0"/>
-              <a:t>9/2/16</a:t>
+              <a:t>9/24/16</a:t>
             </a:fld>
             <a:endParaRPr lang="en-US"/>
           </a:p>
@@ -1314,7 +1430,7 @@
           <a:p>
             <a:fld id="{CB12401C-CFD5-B54A-B2A8-512DBFD35870}" type="datetimeFigureOut">
               <a:rPr lang="en-US" smtClean="0"/>
-              <a:t>9/2/16</a:t>
+              <a:t>9/24/16</a:t>
             </a:fld>
             <a:endParaRPr lang="en-US"/>
           </a:p>
@@ -1567,7 +1683,7 @@
           <a:p>
             <a:fld id="{CB12401C-CFD5-B54A-B2A8-512DBFD35870}" type="datetimeFigureOut">
               <a:rPr lang="en-US" smtClean="0"/>
-              <a:t>9/2/16</a:t>
+              <a:t>9/24/16</a:t>
             </a:fld>
             <a:endParaRPr lang="en-US"/>
           </a:p>
@@ -1799,7 +1915,7 @@
           <a:p>
             <a:fld id="{CB12401C-CFD5-B54A-B2A8-512DBFD35870}" type="datetimeFigureOut">
               <a:rPr lang="en-US" smtClean="0"/>
-              <a:t>9/2/16</a:t>
+              <a:t>9/24/16</a:t>
             </a:fld>
             <a:endParaRPr lang="en-US"/>
           </a:p>
@@ -2166,7 +2282,7 @@
           <a:p>
             <a:fld id="{CB12401C-CFD5-B54A-B2A8-512DBFD35870}" type="datetimeFigureOut">
               <a:rPr lang="en-US" smtClean="0"/>
-              <a:t>9/2/16</a:t>
+              <a:t>9/24/16</a:t>
             </a:fld>
             <a:endParaRPr lang="en-US"/>
           </a:p>
@@ -2284,7 +2400,7 @@
           <a:p>
             <a:fld id="{CB12401C-CFD5-B54A-B2A8-512DBFD35870}" type="datetimeFigureOut">
               <a:rPr lang="en-US" smtClean="0"/>
-              <a:t>9/2/16</a:t>
+              <a:t>9/24/16</a:t>
             </a:fld>
             <a:endParaRPr lang="en-US"/>
           </a:p>
@@ -2379,7 +2495,7 @@
           <a:p>
             <a:fld id="{CB12401C-CFD5-B54A-B2A8-512DBFD35870}" type="datetimeFigureOut">
               <a:rPr lang="en-US" smtClean="0"/>
-              <a:t>9/2/16</a:t>
+              <a:t>9/24/16</a:t>
             </a:fld>
             <a:endParaRPr lang="en-US"/>
           </a:p>
@@ -2656,7 +2772,7 @@
           <a:p>
             <a:fld id="{CB12401C-CFD5-B54A-B2A8-512DBFD35870}" type="datetimeFigureOut">
               <a:rPr lang="en-US" smtClean="0"/>
-              <a:t>9/2/16</a:t>
+              <a:t>9/24/16</a:t>
             </a:fld>
             <a:endParaRPr lang="en-US"/>
           </a:p>
@@ -2909,7 +3025,7 @@
           <a:p>
             <a:fld id="{CB12401C-CFD5-B54A-B2A8-512DBFD35870}" type="datetimeFigureOut">
               <a:rPr lang="en-US" smtClean="0"/>
-              <a:t>9/2/16</a:t>
+              <a:t>9/24/16</a:t>
             </a:fld>
             <a:endParaRPr lang="en-US"/>
           </a:p>
@@ -3122,7 +3238,7 @@
           <a:p>
             <a:fld id="{CB12401C-CFD5-B54A-B2A8-512DBFD35870}" type="datetimeFigureOut">
               <a:rPr lang="en-US" smtClean="0"/>
-              <a:t>9/2/16</a:t>
+              <a:t>9/24/16</a:t>
             </a:fld>
             <a:endParaRPr lang="en-US"/>
           </a:p>
@@ -3775,7 +3891,15 @@
           <a:p>
             <a:r>
               <a:rPr lang="ru-RU" dirty="0" smtClean="0"/>
-              <a:t>Задания</a:t>
+              <a:t>Указатель</a:t>
+            </a:r>
+            <a:r>
+              <a:rPr lang="en-US" dirty="0" smtClean="0"/>
+              <a:t>::</a:t>
+            </a:r>
+            <a:r>
+              <a:rPr lang="ru-RU" dirty="0" smtClean="0"/>
+              <a:t>Адресная арифметика</a:t>
             </a:r>
             <a:br>
               <a:rPr lang="ru-RU" dirty="0" smtClean="0"/>
@@ -3790,88 +3914,1099 @@
       </p:sp>
       <p:sp>
         <p:nvSpPr>
-          <p:cNvPr id="3" name="Content Placeholder 2"/>
+          <p:cNvPr id="4" name="TextBox 3"/>
+          <p:cNvSpPr txBox="1"/>
+          <p:nvPr/>
+        </p:nvSpPr>
+        <p:spPr>
+          <a:xfrm>
+            <a:off x="4609052" y="2690239"/>
+            <a:ext cx="2973891" cy="923330"/>
+          </a:xfrm>
+          <a:prstGeom prst="rect">
+            <a:avLst/>
+          </a:prstGeom>
+          <a:noFill/>
+        </p:spPr>
+        <p:txBody>
+          <a:bodyPr wrap="none" rtlCol="0">
+            <a:spAutoFit/>
+          </a:bodyPr>
+          <a:lstStyle/>
+          <a:p>
+            <a:r>
+              <a:rPr lang="en-US" dirty="0" smtClean="0">
+                <a:solidFill>
+                  <a:schemeClr val="accent2">
+                    <a:lumMod val="75000"/>
+                  </a:schemeClr>
+                </a:solidFill>
+                <a:latin typeface="Lucida Console" charset="0"/>
+                <a:ea typeface="Lucida Console" charset="0"/>
+                <a:cs typeface="Lucida Console" charset="0"/>
+              </a:rPr>
+              <a:t>short</a:t>
+            </a:r>
+            <a:r>
+              <a:rPr lang="ru-RU" dirty="0" smtClean="0">
+                <a:solidFill>
+                  <a:schemeClr val="accent2">
+                    <a:lumMod val="75000"/>
+                  </a:schemeClr>
+                </a:solidFill>
+                <a:latin typeface="Lucida Console" charset="0"/>
+                <a:ea typeface="Lucida Console" charset="0"/>
+                <a:cs typeface="Lucida Console" charset="0"/>
+              </a:rPr>
+              <a:t> </a:t>
+            </a:r>
+            <a:r>
+              <a:rPr lang="en-US" dirty="0" smtClean="0">
+                <a:latin typeface="Lucida Console" charset="0"/>
+                <a:ea typeface="Lucida Console" charset="0"/>
+                <a:cs typeface="Lucida Console" charset="0"/>
+              </a:rPr>
+              <a:t>*p </a:t>
+            </a:r>
+            <a:r>
+              <a:rPr lang="en-US" dirty="0" smtClean="0">
+                <a:latin typeface="Lucida Console" charset="0"/>
+                <a:ea typeface="Lucida Console" charset="0"/>
+                <a:cs typeface="Lucida Console" charset="0"/>
+              </a:rPr>
+              <a:t>= </a:t>
+            </a:r>
+            <a:r>
+              <a:rPr lang="en-US" dirty="0" smtClean="0">
+                <a:latin typeface="Lucida Console" charset="0"/>
+                <a:ea typeface="Lucida Console" charset="0"/>
+                <a:cs typeface="Lucida Console" charset="0"/>
+              </a:rPr>
+              <a:t>1024;</a:t>
+            </a:r>
+            <a:endParaRPr lang="ru-RU" dirty="0" smtClean="0">
+              <a:latin typeface="Lucida Console" charset="0"/>
+              <a:ea typeface="Lucida Console" charset="0"/>
+              <a:cs typeface="Lucida Console" charset="0"/>
+            </a:endParaRPr>
+          </a:p>
+          <a:p>
+            <a:r>
+              <a:rPr lang="en-US" dirty="0" err="1">
+                <a:latin typeface="Lucida Console" charset="0"/>
+                <a:ea typeface="Lucida Console" charset="0"/>
+                <a:cs typeface="Lucida Console" charset="0"/>
+              </a:rPr>
+              <a:t>p</a:t>
+            </a:r>
+            <a:r>
+              <a:rPr lang="en-US" dirty="0" err="1" smtClean="0">
+                <a:latin typeface="Lucida Console" charset="0"/>
+                <a:ea typeface="Lucida Console" charset="0"/>
+                <a:cs typeface="Lucida Console" charset="0"/>
+              </a:rPr>
+              <a:t>rintf</a:t>
+            </a:r>
+            <a:r>
+              <a:rPr lang="en-US" dirty="0" smtClean="0">
+                <a:latin typeface="Lucida Console" charset="0"/>
+                <a:ea typeface="Lucida Console" charset="0"/>
+                <a:cs typeface="Lucida Console" charset="0"/>
+              </a:rPr>
+              <a:t>(“%d\n”, p</a:t>
+            </a:r>
+            <a:r>
+              <a:rPr lang="ru-RU" dirty="0" smtClean="0">
+                <a:latin typeface="Lucida Console" charset="0"/>
+                <a:ea typeface="Lucida Console" charset="0"/>
+                <a:cs typeface="Lucida Console" charset="0"/>
+              </a:rPr>
+              <a:t>++</a:t>
+            </a:r>
+            <a:r>
+              <a:rPr lang="en-US" dirty="0" smtClean="0">
+                <a:latin typeface="Lucida Console" charset="0"/>
+                <a:ea typeface="Lucida Console" charset="0"/>
+                <a:cs typeface="Lucida Console" charset="0"/>
+              </a:rPr>
+              <a:t>);</a:t>
+            </a:r>
+            <a:endParaRPr lang="ru-RU" dirty="0" smtClean="0">
+              <a:latin typeface="Lucida Console" charset="0"/>
+              <a:ea typeface="Lucida Console" charset="0"/>
+              <a:cs typeface="Lucida Console" charset="0"/>
+            </a:endParaRPr>
+          </a:p>
+          <a:p>
+            <a:r>
+              <a:rPr lang="en-US" dirty="0" err="1" smtClean="0">
+                <a:latin typeface="Lucida Console" charset="0"/>
+                <a:ea typeface="Lucida Console" charset="0"/>
+                <a:cs typeface="Lucida Console" charset="0"/>
+              </a:rPr>
+              <a:t>Printf</a:t>
+            </a:r>
+            <a:r>
+              <a:rPr lang="en-US" dirty="0" smtClean="0">
+                <a:latin typeface="Lucida Console" charset="0"/>
+                <a:ea typeface="Lucida Console" charset="0"/>
+                <a:cs typeface="Lucida Console" charset="0"/>
+              </a:rPr>
+              <a:t>(“%d”, ++p);</a:t>
+            </a:r>
+          </a:p>
+        </p:txBody>
+      </p:sp>
+      <p:sp>
+        <p:nvSpPr>
+          <p:cNvPr id="6" name="TextBox 5"/>
+          <p:cNvSpPr txBox="1"/>
+          <p:nvPr/>
+        </p:nvSpPr>
+        <p:spPr>
+          <a:xfrm>
+            <a:off x="4368474" y="1907875"/>
+            <a:ext cx="3455048" cy="369332"/>
+          </a:xfrm>
+          <a:prstGeom prst="rect">
+            <a:avLst/>
+          </a:prstGeom>
+          <a:noFill/>
+        </p:spPr>
+        <p:txBody>
+          <a:bodyPr wrap="none" rtlCol="0">
+            <a:spAutoFit/>
+          </a:bodyPr>
+          <a:lstStyle/>
+          <a:p>
+            <a:r>
+              <a:rPr lang="ru-RU" dirty="0" smtClean="0"/>
+              <a:t>Что выведет </a:t>
+            </a:r>
+            <a:r>
+              <a:rPr lang="ru-RU" smtClean="0"/>
+              <a:t>этот фрагмент кода?</a:t>
+            </a:r>
+            <a:endParaRPr lang="en-US" dirty="0"/>
+          </a:p>
+        </p:txBody>
+      </p:sp>
+      <p:sp>
+        <p:nvSpPr>
+          <p:cNvPr id="7" name="TextBox 6"/>
+          <p:cNvSpPr txBox="1"/>
+          <p:nvPr/>
+        </p:nvSpPr>
+        <p:spPr>
+          <a:xfrm>
+            <a:off x="1658295" y="4287916"/>
+            <a:ext cx="1350819" cy="369332"/>
+          </a:xfrm>
+          <a:prstGeom prst="rect">
+            <a:avLst/>
+          </a:prstGeom>
+          <a:noFill/>
+        </p:spPr>
+        <p:txBody>
+          <a:bodyPr wrap="none" rtlCol="0">
+            <a:spAutoFit/>
+          </a:bodyPr>
+          <a:lstStyle/>
+          <a:p>
+            <a:r>
+              <a:rPr lang="en-US" dirty="0" smtClean="0"/>
+              <a:t>Hello, World</a:t>
+            </a:r>
+            <a:endParaRPr lang="en-US" dirty="0"/>
+          </a:p>
+        </p:txBody>
+      </p:sp>
+      <p:sp>
+        <p:nvSpPr>
+          <p:cNvPr id="9" name="TextBox 8"/>
+          <p:cNvSpPr txBox="1"/>
+          <p:nvPr/>
+        </p:nvSpPr>
+        <p:spPr>
+          <a:xfrm>
+            <a:off x="4139874" y="4866822"/>
+            <a:ext cx="2120249" cy="646331"/>
+          </a:xfrm>
+          <a:prstGeom prst="rect">
+            <a:avLst/>
+          </a:prstGeom>
+          <a:noFill/>
+        </p:spPr>
+        <p:txBody>
+          <a:bodyPr wrap="square" rtlCol="0">
+            <a:spAutoFit/>
+          </a:bodyPr>
+          <a:lstStyle/>
+          <a:p>
+            <a:r>
+              <a:rPr lang="ru-RU" dirty="0" smtClean="0"/>
+              <a:t>Ответ на главный вопрос вселенной</a:t>
+            </a:r>
+            <a:r>
+              <a:rPr lang="en-US" dirty="0" smtClean="0"/>
+              <a:t> </a:t>
+            </a:r>
+            <a:endParaRPr lang="en-US" dirty="0"/>
+          </a:p>
+        </p:txBody>
+      </p:sp>
+      <p:sp>
+        <p:nvSpPr>
+          <p:cNvPr id="8" name="TextBox 7"/>
+          <p:cNvSpPr txBox="1"/>
+          <p:nvPr/>
+        </p:nvSpPr>
+        <p:spPr>
+          <a:xfrm>
+            <a:off x="4873626" y="4149417"/>
+            <a:ext cx="652743" cy="646331"/>
+          </a:xfrm>
+          <a:prstGeom prst="rect">
+            <a:avLst/>
+          </a:prstGeom>
+          <a:noFill/>
+        </p:spPr>
+        <p:txBody>
+          <a:bodyPr wrap="none" rtlCol="0">
+            <a:spAutoFit/>
+          </a:bodyPr>
+          <a:lstStyle/>
+          <a:p>
+            <a:r>
+              <a:rPr lang="en-US" dirty="0" smtClean="0"/>
+              <a:t>1025</a:t>
+            </a:r>
+          </a:p>
+          <a:p>
+            <a:r>
+              <a:rPr lang="en-US" dirty="0" smtClean="0"/>
+              <a:t>1026</a:t>
+            </a:r>
+            <a:endParaRPr lang="en-US" dirty="0"/>
+          </a:p>
+        </p:txBody>
+      </p:sp>
+      <p:sp>
+        <p:nvSpPr>
+          <p:cNvPr id="10" name="TextBox 9"/>
+          <p:cNvSpPr txBox="1"/>
+          <p:nvPr/>
+        </p:nvSpPr>
+        <p:spPr>
+          <a:xfrm>
+            <a:off x="1916721" y="4866822"/>
+            <a:ext cx="652743" cy="646331"/>
+          </a:xfrm>
+          <a:prstGeom prst="rect">
+            <a:avLst/>
+          </a:prstGeom>
+          <a:noFill/>
+        </p:spPr>
+        <p:txBody>
+          <a:bodyPr wrap="none" rtlCol="0">
+            <a:spAutoFit/>
+          </a:bodyPr>
+          <a:lstStyle/>
+          <a:p>
+            <a:r>
+              <a:rPr lang="en-US" dirty="0" smtClean="0"/>
+              <a:t>1024</a:t>
+            </a:r>
+          </a:p>
+          <a:p>
+            <a:r>
+              <a:rPr lang="en-US" dirty="0" smtClean="0"/>
+              <a:t>1024</a:t>
+            </a:r>
+            <a:endParaRPr lang="en-US" dirty="0"/>
+          </a:p>
+        </p:txBody>
+      </p:sp>
+      <p:sp>
+        <p:nvSpPr>
+          <p:cNvPr id="11" name="TextBox 10"/>
+          <p:cNvSpPr txBox="1"/>
+          <p:nvPr/>
+        </p:nvSpPr>
+        <p:spPr>
+          <a:xfrm>
+            <a:off x="7649308" y="4519246"/>
+            <a:ext cx="1340432" cy="646331"/>
+          </a:xfrm>
+          <a:prstGeom prst="rect">
+            <a:avLst/>
+          </a:prstGeom>
+          <a:noFill/>
+        </p:spPr>
+        <p:txBody>
+          <a:bodyPr wrap="none" rtlCol="0">
+            <a:spAutoFit/>
+          </a:bodyPr>
+          <a:lstStyle/>
+          <a:p>
+            <a:r>
+              <a:rPr lang="ru-RU" dirty="0" smtClean="0">
+                <a:solidFill>
+                  <a:schemeClr val="accent2">
+                    <a:lumMod val="75000"/>
+                  </a:schemeClr>
+                </a:solidFill>
+              </a:rPr>
+              <a:t>Ответ</a:t>
+            </a:r>
+            <a:r>
+              <a:rPr lang="en-US" dirty="0" smtClean="0">
+                <a:solidFill>
+                  <a:schemeClr val="accent2">
+                    <a:lumMod val="75000"/>
+                  </a:schemeClr>
+                </a:solidFill>
+              </a:rPr>
+              <a:t>: </a:t>
+            </a:r>
+            <a:r>
+              <a:rPr lang="en-US" dirty="0" smtClean="0"/>
+              <a:t>1024</a:t>
+            </a:r>
+          </a:p>
+          <a:p>
+            <a:r>
+              <a:rPr lang="en-US" dirty="0">
+                <a:solidFill>
+                  <a:schemeClr val="accent2">
+                    <a:lumMod val="75000"/>
+                  </a:schemeClr>
+                </a:solidFill>
+              </a:rPr>
+              <a:t> </a:t>
+            </a:r>
+            <a:r>
+              <a:rPr lang="en-US" dirty="0" smtClean="0">
+                <a:solidFill>
+                  <a:schemeClr val="accent2">
+                    <a:lumMod val="75000"/>
+                  </a:schemeClr>
+                </a:solidFill>
+              </a:rPr>
+              <a:t>            </a:t>
+            </a:r>
+            <a:r>
+              <a:rPr lang="en-US" dirty="0" smtClean="0"/>
+              <a:t>1028</a:t>
+            </a:r>
+            <a:endParaRPr lang="en-US" dirty="0"/>
+          </a:p>
+        </p:txBody>
+      </p:sp>
+    </p:spTree>
+    <p:extLst>
+      <p:ext uri="{BB962C8B-B14F-4D97-AF65-F5344CB8AC3E}">
+        <p14:creationId xmlns:p14="http://schemas.microsoft.com/office/powerpoint/2010/main" val="169457541"/>
+      </p:ext>
+    </p:extLst>
+  </p:cSld>
+  <p:clrMapOvr>
+    <a:masterClrMapping/>
+  </p:clrMapOvr>
+  <p:timing>
+    <p:tnLst>
+      <p:par>
+        <p:cTn id="1" dur="indefinite" restart="never" nodeType="tmRoot">
+          <p:childTnLst>
+            <p:seq concurrent="1" nextAc="seek">
+              <p:cTn id="2" dur="indefinite" nodeType="mainSeq">
+                <p:childTnLst>
+                  <p:par>
+                    <p:cTn id="3" fill="hold">
+                      <p:stCondLst>
+                        <p:cond delay="indefinite"/>
+                      </p:stCondLst>
+                      <p:childTnLst>
+                        <p:par>
+                          <p:cTn id="4" fill="hold">
+                            <p:stCondLst>
+                              <p:cond delay="0"/>
+                            </p:stCondLst>
+                            <p:childTnLst>
+                              <p:par>
+                                <p:cTn id="5" presetID="10" presetClass="entr" presetSubtype="0" fill="hold" grpId="0" nodeType="clickEffect">
+                                  <p:stCondLst>
+                                    <p:cond delay="0"/>
+                                  </p:stCondLst>
+                                  <p:childTnLst>
+                                    <p:set>
+                                      <p:cBhvr>
+                                        <p:cTn id="6" dur="1" fill="hold">
+                                          <p:stCondLst>
+                                            <p:cond delay="0"/>
+                                          </p:stCondLst>
+                                        </p:cTn>
+                                        <p:tgtEl>
+                                          <p:spTgt spid="4"/>
+                                        </p:tgtEl>
+                                        <p:attrNameLst>
+                                          <p:attrName>style.visibility</p:attrName>
+                                        </p:attrNameLst>
+                                      </p:cBhvr>
+                                      <p:to>
+                                        <p:strVal val="visible"/>
+                                      </p:to>
+                                    </p:set>
+                                    <p:animEffect transition="in" filter="fade">
+                                      <p:cBhvr>
+                                        <p:cTn id="7" dur="500"/>
+                                        <p:tgtEl>
+                                          <p:spTgt spid="4"/>
+                                        </p:tgtEl>
+                                      </p:cBhvr>
+                                    </p:animEffect>
+                                  </p:childTnLst>
+                                </p:cTn>
+                              </p:par>
+                            </p:childTnLst>
+                          </p:cTn>
+                        </p:par>
+                      </p:childTnLst>
+                    </p:cTn>
+                  </p:par>
+                  <p:par>
+                    <p:cTn id="8" fill="hold">
+                      <p:stCondLst>
+                        <p:cond delay="indefinite"/>
+                      </p:stCondLst>
+                      <p:childTnLst>
+                        <p:par>
+                          <p:cTn id="9" fill="hold">
+                            <p:stCondLst>
+                              <p:cond delay="0"/>
+                            </p:stCondLst>
+                            <p:childTnLst>
+                              <p:par>
+                                <p:cTn id="10" presetID="10" presetClass="entr" presetSubtype="0" fill="hold" grpId="0" nodeType="clickEffect">
+                                  <p:stCondLst>
+                                    <p:cond delay="0"/>
+                                  </p:stCondLst>
+                                  <p:childTnLst>
+                                    <p:set>
+                                      <p:cBhvr>
+                                        <p:cTn id="11" dur="1" fill="hold">
+                                          <p:stCondLst>
+                                            <p:cond delay="0"/>
+                                          </p:stCondLst>
+                                        </p:cTn>
+                                        <p:tgtEl>
+                                          <p:spTgt spid="7"/>
+                                        </p:tgtEl>
+                                        <p:attrNameLst>
+                                          <p:attrName>style.visibility</p:attrName>
+                                        </p:attrNameLst>
+                                      </p:cBhvr>
+                                      <p:to>
+                                        <p:strVal val="visible"/>
+                                      </p:to>
+                                    </p:set>
+                                    <p:animEffect transition="in" filter="fade">
+                                      <p:cBhvr>
+                                        <p:cTn id="12" dur="500"/>
+                                        <p:tgtEl>
+                                          <p:spTgt spid="7"/>
+                                        </p:tgtEl>
+                                      </p:cBhvr>
+                                    </p:animEffect>
+                                  </p:childTnLst>
+                                </p:cTn>
+                              </p:par>
+                            </p:childTnLst>
+                          </p:cTn>
+                        </p:par>
+                        <p:par>
+                          <p:cTn id="13" fill="hold">
+                            <p:stCondLst>
+                              <p:cond delay="500"/>
+                            </p:stCondLst>
+                            <p:childTnLst>
+                              <p:par>
+                                <p:cTn id="14" presetID="10" presetClass="entr" presetSubtype="0" fill="hold" grpId="0" nodeType="afterEffect">
+                                  <p:stCondLst>
+                                    <p:cond delay="0"/>
+                                  </p:stCondLst>
+                                  <p:childTnLst>
+                                    <p:set>
+                                      <p:cBhvr>
+                                        <p:cTn id="15" dur="1" fill="hold">
+                                          <p:stCondLst>
+                                            <p:cond delay="0"/>
+                                          </p:stCondLst>
+                                        </p:cTn>
+                                        <p:tgtEl>
+                                          <p:spTgt spid="8"/>
+                                        </p:tgtEl>
+                                        <p:attrNameLst>
+                                          <p:attrName>style.visibility</p:attrName>
+                                        </p:attrNameLst>
+                                      </p:cBhvr>
+                                      <p:to>
+                                        <p:strVal val="visible"/>
+                                      </p:to>
+                                    </p:set>
+                                    <p:animEffect transition="in" filter="fade">
+                                      <p:cBhvr>
+                                        <p:cTn id="16" dur="500"/>
+                                        <p:tgtEl>
+                                          <p:spTgt spid="8"/>
+                                        </p:tgtEl>
+                                      </p:cBhvr>
+                                    </p:animEffect>
+                                  </p:childTnLst>
+                                </p:cTn>
+                              </p:par>
+                            </p:childTnLst>
+                          </p:cTn>
+                        </p:par>
+                        <p:par>
+                          <p:cTn id="17" fill="hold">
+                            <p:stCondLst>
+                              <p:cond delay="1000"/>
+                            </p:stCondLst>
+                            <p:childTnLst>
+                              <p:par>
+                                <p:cTn id="18" presetID="10" presetClass="entr" presetSubtype="0" fill="hold" grpId="0" nodeType="afterEffect">
+                                  <p:stCondLst>
+                                    <p:cond delay="0"/>
+                                  </p:stCondLst>
+                                  <p:childTnLst>
+                                    <p:set>
+                                      <p:cBhvr>
+                                        <p:cTn id="19" dur="1" fill="hold">
+                                          <p:stCondLst>
+                                            <p:cond delay="0"/>
+                                          </p:stCondLst>
+                                        </p:cTn>
+                                        <p:tgtEl>
+                                          <p:spTgt spid="10"/>
+                                        </p:tgtEl>
+                                        <p:attrNameLst>
+                                          <p:attrName>style.visibility</p:attrName>
+                                        </p:attrNameLst>
+                                      </p:cBhvr>
+                                      <p:to>
+                                        <p:strVal val="visible"/>
+                                      </p:to>
+                                    </p:set>
+                                    <p:animEffect transition="in" filter="fade">
+                                      <p:cBhvr>
+                                        <p:cTn id="20" dur="500"/>
+                                        <p:tgtEl>
+                                          <p:spTgt spid="10"/>
+                                        </p:tgtEl>
+                                      </p:cBhvr>
+                                    </p:animEffect>
+                                  </p:childTnLst>
+                                </p:cTn>
+                              </p:par>
+                            </p:childTnLst>
+                          </p:cTn>
+                        </p:par>
+                        <p:par>
+                          <p:cTn id="21" fill="hold">
+                            <p:stCondLst>
+                              <p:cond delay="1500"/>
+                            </p:stCondLst>
+                            <p:childTnLst>
+                              <p:par>
+                                <p:cTn id="22" presetID="10" presetClass="entr" presetSubtype="0" fill="hold" grpId="0" nodeType="afterEffect">
+                                  <p:stCondLst>
+                                    <p:cond delay="0"/>
+                                  </p:stCondLst>
+                                  <p:childTnLst>
+                                    <p:set>
+                                      <p:cBhvr>
+                                        <p:cTn id="23" dur="1" fill="hold">
+                                          <p:stCondLst>
+                                            <p:cond delay="0"/>
+                                          </p:stCondLst>
+                                        </p:cTn>
+                                        <p:tgtEl>
+                                          <p:spTgt spid="9"/>
+                                        </p:tgtEl>
+                                        <p:attrNameLst>
+                                          <p:attrName>style.visibility</p:attrName>
+                                        </p:attrNameLst>
+                                      </p:cBhvr>
+                                      <p:to>
+                                        <p:strVal val="visible"/>
+                                      </p:to>
+                                    </p:set>
+                                    <p:animEffect transition="in" filter="fade">
+                                      <p:cBhvr>
+                                        <p:cTn id="24" dur="500"/>
+                                        <p:tgtEl>
+                                          <p:spTgt spid="9"/>
+                                        </p:tgtEl>
+                                      </p:cBhvr>
+                                    </p:animEffect>
+                                  </p:childTnLst>
+                                </p:cTn>
+                              </p:par>
+                            </p:childTnLst>
+                          </p:cTn>
+                        </p:par>
+                      </p:childTnLst>
+                    </p:cTn>
+                  </p:par>
+                  <p:par>
+                    <p:cTn id="25" fill="hold">
+                      <p:stCondLst>
+                        <p:cond delay="indefinite"/>
+                      </p:stCondLst>
+                      <p:childTnLst>
+                        <p:par>
+                          <p:cTn id="26" fill="hold">
+                            <p:stCondLst>
+                              <p:cond delay="0"/>
+                            </p:stCondLst>
+                            <p:childTnLst>
+                              <p:par>
+                                <p:cTn id="27" presetID="10" presetClass="entr" presetSubtype="0" fill="hold" grpId="0" nodeType="clickEffect">
+                                  <p:stCondLst>
+                                    <p:cond delay="0"/>
+                                  </p:stCondLst>
+                                  <p:childTnLst>
+                                    <p:set>
+                                      <p:cBhvr>
+                                        <p:cTn id="28" dur="1" fill="hold">
+                                          <p:stCondLst>
+                                            <p:cond delay="0"/>
+                                          </p:stCondLst>
+                                        </p:cTn>
+                                        <p:tgtEl>
+                                          <p:spTgt spid="11"/>
+                                        </p:tgtEl>
+                                        <p:attrNameLst>
+                                          <p:attrName>style.visibility</p:attrName>
+                                        </p:attrNameLst>
+                                      </p:cBhvr>
+                                      <p:to>
+                                        <p:strVal val="visible"/>
+                                      </p:to>
+                                    </p:set>
+                                    <p:animEffect transition="in" filter="fade">
+                                      <p:cBhvr>
+                                        <p:cTn id="29" dur="500"/>
+                                        <p:tgtEl>
+                                          <p:spTgt spid="11"/>
+                                        </p:tgtEl>
+                                      </p:cBhvr>
+                                    </p:animEffect>
+                                  </p:childTnLst>
+                                </p:cTn>
+                              </p:par>
+                            </p:childTnLst>
+                          </p:cTn>
+                        </p:par>
+                      </p:childTnLst>
+                    </p:cTn>
+                  </p:par>
+                </p:childTnLst>
+              </p:cTn>
+              <p:prevCondLst>
+                <p:cond evt="onPrev" delay="0">
+                  <p:tgtEl>
+                    <p:sldTgt/>
+                  </p:tgtEl>
+                </p:cond>
+              </p:prevCondLst>
+              <p:nextCondLst>
+                <p:cond evt="onNext" delay="0">
+                  <p:tgtEl>
+                    <p:sldTgt/>
+                  </p:tgtEl>
+                </p:cond>
+              </p:nextCondLst>
+            </p:seq>
+          </p:childTnLst>
+        </p:cTn>
+      </p:par>
+    </p:tnLst>
+    <p:bldLst>
+      <p:bldP spid="4" grpId="0"/>
+      <p:bldP spid="7" grpId="0"/>
+      <p:bldP spid="9" grpId="0"/>
+      <p:bldP spid="8" grpId="0"/>
+      <p:bldP spid="10" grpId="0"/>
+      <p:bldP spid="11" grpId="0"/>
+    </p:bldLst>
+  </p:timing>
+</p:sld>
+</file>
+
+<file path=ppt/slides/slide11.xml><?xml version="1.0" encoding="utf-8"?>
+<p:sld xmlns:a="http://schemas.openxmlformats.org/drawingml/2006/main" xmlns:r="http://schemas.openxmlformats.org/officeDocument/2006/relationships" xmlns:p="http://schemas.openxmlformats.org/presentationml/2006/main">
+  <p:cSld>
+    <p:spTree>
+      <p:nvGrpSpPr>
+        <p:cNvPr id="1" name=""/>
+        <p:cNvGrpSpPr/>
+        <p:nvPr/>
+      </p:nvGrpSpPr>
+      <p:grpSpPr>
+        <a:xfrm>
+          <a:off x="0" y="0"/>
+          <a:ext cx="0" cy="0"/>
+          <a:chOff x="0" y="0"/>
+          <a:chExt cx="0" cy="0"/>
+        </a:xfrm>
+      </p:grpSpPr>
+      <p:sp>
+        <p:nvSpPr>
+          <p:cNvPr id="2" name="Title 1"/>
           <p:cNvSpPr>
             <a:spLocks noGrp="1"/>
           </p:cNvSpPr>
           <p:nvPr>
-            <p:ph idx="1"/>
+            <p:ph type="title"/>
           </p:nvPr>
         </p:nvSpPr>
-        <p:spPr>
-          <a:xfrm>
-            <a:off x="1835150" y="2735847"/>
-            <a:ext cx="8521700" cy="2171701"/>
-          </a:xfrm>
-        </p:spPr>
+        <p:spPr/>
         <p:txBody>
           <a:bodyPr>
             <a:normAutofit/>
           </a:bodyPr>
           <a:lstStyle/>
           <a:p>
-            <a:pPr>
-              <a:buFont typeface="Wingdings" charset="2"/>
-              <a:buChar char="§"/>
+            <a:r>
+              <a:rPr lang="ru-RU" dirty="0" smtClean="0"/>
+              <a:t>Указатель</a:t>
+            </a:r>
+            <a:br>
+              <a:rPr lang="ru-RU" dirty="0" smtClean="0"/>
+            </a:br>
+            <a:r>
+              <a:rPr lang="ru-RU" dirty="0" smtClean="0"/>
+              <a:t>------------------------------------------------------------</a:t>
+            </a:r>
+            <a:endParaRPr lang="en-US" dirty="0"/>
+          </a:p>
+        </p:txBody>
+      </p:sp>
+      <p:sp>
+        <p:nvSpPr>
+          <p:cNvPr id="4" name="Content Placeholder 2"/>
+          <p:cNvSpPr txBox="1">
+            <a:spLocks/>
+          </p:cNvSpPr>
+          <p:nvPr/>
+        </p:nvSpPr>
+        <p:spPr>
+          <a:xfrm>
+            <a:off x="838200" y="1825625"/>
+            <a:ext cx="10515600" cy="4351338"/>
+          </a:xfrm>
+          <a:prstGeom prst="rect">
+            <a:avLst/>
+          </a:prstGeom>
+        </p:spPr>
+        <p:txBody>
+          <a:bodyPr vert="horz" lIns="91440" tIns="45720" rIns="91440" bIns="45720" rtlCol="0" anchor="ctr">
+            <a:normAutofit/>
+          </a:bodyPr>
+          <a:lstStyle>
+            <a:lvl1pPr marL="228600" indent="-228600" algn="l" defTabSz="914400" rtl="0" eaLnBrk="1" latinLnBrk="0" hangingPunct="1">
+              <a:lnSpc>
+                <a:spcPct val="90000"/>
+              </a:lnSpc>
+              <a:spcBef>
+                <a:spcPts val="1000"/>
+              </a:spcBef>
+              <a:buFont typeface="Arial"/>
+              <a:buChar char="•"/>
+              <a:defRPr sz="2800" kern="1200">
+                <a:solidFill>
+                  <a:schemeClr val="tx1"/>
+                </a:solidFill>
+                <a:latin typeface="+mn-lt"/>
+                <a:ea typeface="+mn-ea"/>
+                <a:cs typeface="+mn-cs"/>
+              </a:defRPr>
+            </a:lvl1pPr>
+            <a:lvl2pPr marL="685800" indent="-228600" algn="l" defTabSz="914400" rtl="0" eaLnBrk="1" latinLnBrk="0" hangingPunct="1">
+              <a:lnSpc>
+                <a:spcPct val="90000"/>
+              </a:lnSpc>
+              <a:spcBef>
+                <a:spcPts val="500"/>
+              </a:spcBef>
+              <a:buFont typeface="Arial"/>
+              <a:buChar char="•"/>
+              <a:defRPr sz="2400" kern="1200">
+                <a:solidFill>
+                  <a:schemeClr val="tx1"/>
+                </a:solidFill>
+                <a:latin typeface="+mn-lt"/>
+                <a:ea typeface="+mn-ea"/>
+                <a:cs typeface="+mn-cs"/>
+              </a:defRPr>
+            </a:lvl2pPr>
+            <a:lvl3pPr marL="1143000" indent="-228600" algn="l" defTabSz="914400" rtl="0" eaLnBrk="1" latinLnBrk="0" hangingPunct="1">
+              <a:lnSpc>
+                <a:spcPct val="90000"/>
+              </a:lnSpc>
+              <a:spcBef>
+                <a:spcPts val="500"/>
+              </a:spcBef>
+              <a:buFont typeface="Arial"/>
+              <a:buChar char="•"/>
+              <a:defRPr sz="2000" kern="1200">
+                <a:solidFill>
+                  <a:schemeClr val="tx1"/>
+                </a:solidFill>
+                <a:latin typeface="+mn-lt"/>
+                <a:ea typeface="+mn-ea"/>
+                <a:cs typeface="+mn-cs"/>
+              </a:defRPr>
+            </a:lvl3pPr>
+            <a:lvl4pPr marL="1600200" indent="-228600" algn="l" defTabSz="914400" rtl="0" eaLnBrk="1" latinLnBrk="0" hangingPunct="1">
+              <a:lnSpc>
+                <a:spcPct val="90000"/>
+              </a:lnSpc>
+              <a:spcBef>
+                <a:spcPts val="500"/>
+              </a:spcBef>
+              <a:buFont typeface="Arial"/>
+              <a:buChar char="•"/>
+              <a:defRPr sz="1800" kern="1200">
+                <a:solidFill>
+                  <a:schemeClr val="tx1"/>
+                </a:solidFill>
+                <a:latin typeface="+mn-lt"/>
+                <a:ea typeface="+mn-ea"/>
+                <a:cs typeface="+mn-cs"/>
+              </a:defRPr>
+            </a:lvl4pPr>
+            <a:lvl5pPr marL="2057400" indent="-228600" algn="l" defTabSz="914400" rtl="0" eaLnBrk="1" latinLnBrk="0" hangingPunct="1">
+              <a:lnSpc>
+                <a:spcPct val="90000"/>
+              </a:lnSpc>
+              <a:spcBef>
+                <a:spcPts val="500"/>
+              </a:spcBef>
+              <a:buFont typeface="Arial"/>
+              <a:buChar char="•"/>
+              <a:defRPr sz="1800" kern="1200">
+                <a:solidFill>
+                  <a:schemeClr val="tx1"/>
+                </a:solidFill>
+                <a:latin typeface="+mn-lt"/>
+                <a:ea typeface="+mn-ea"/>
+                <a:cs typeface="+mn-cs"/>
+              </a:defRPr>
+            </a:lvl5pPr>
+            <a:lvl6pPr marL="2514600" indent="-228600" algn="l" defTabSz="914400" rtl="0" eaLnBrk="1" latinLnBrk="0" hangingPunct="1">
+              <a:lnSpc>
+                <a:spcPct val="90000"/>
+              </a:lnSpc>
+              <a:spcBef>
+                <a:spcPts val="500"/>
+              </a:spcBef>
+              <a:buFont typeface="Arial"/>
+              <a:buChar char="•"/>
+              <a:defRPr sz="1800" kern="1200">
+                <a:solidFill>
+                  <a:schemeClr val="tx1"/>
+                </a:solidFill>
+                <a:latin typeface="+mn-lt"/>
+                <a:ea typeface="+mn-ea"/>
+                <a:cs typeface="+mn-cs"/>
+              </a:defRPr>
+            </a:lvl6pPr>
+            <a:lvl7pPr marL="2971800" indent="-228600" algn="l" defTabSz="914400" rtl="0" eaLnBrk="1" latinLnBrk="0" hangingPunct="1">
+              <a:lnSpc>
+                <a:spcPct val="90000"/>
+              </a:lnSpc>
+              <a:spcBef>
+                <a:spcPts val="500"/>
+              </a:spcBef>
+              <a:buFont typeface="Arial"/>
+              <a:buChar char="•"/>
+              <a:defRPr sz="1800" kern="1200">
+                <a:solidFill>
+                  <a:schemeClr val="tx1"/>
+                </a:solidFill>
+                <a:latin typeface="+mn-lt"/>
+                <a:ea typeface="+mn-ea"/>
+                <a:cs typeface="+mn-cs"/>
+              </a:defRPr>
+            </a:lvl7pPr>
+            <a:lvl8pPr marL="3429000" indent="-228600" algn="l" defTabSz="914400" rtl="0" eaLnBrk="1" latinLnBrk="0" hangingPunct="1">
+              <a:lnSpc>
+                <a:spcPct val="90000"/>
+              </a:lnSpc>
+              <a:spcBef>
+                <a:spcPts val="500"/>
+              </a:spcBef>
+              <a:buFont typeface="Arial"/>
+              <a:buChar char="•"/>
+              <a:defRPr sz="1800" kern="1200">
+                <a:solidFill>
+                  <a:schemeClr val="tx1"/>
+                </a:solidFill>
+                <a:latin typeface="+mn-lt"/>
+                <a:ea typeface="+mn-ea"/>
+                <a:cs typeface="+mn-cs"/>
+              </a:defRPr>
+            </a:lvl8pPr>
+            <a:lvl9pPr marL="3886200" indent="-228600" algn="l" defTabSz="914400" rtl="0" eaLnBrk="1" latinLnBrk="0" hangingPunct="1">
+              <a:lnSpc>
+                <a:spcPct val="90000"/>
+              </a:lnSpc>
+              <a:spcBef>
+                <a:spcPts val="500"/>
+              </a:spcBef>
+              <a:buFont typeface="Arial"/>
+              <a:buChar char="•"/>
+              <a:defRPr sz="1800" kern="1200">
+                <a:solidFill>
+                  <a:schemeClr val="tx1"/>
+                </a:solidFill>
+                <a:latin typeface="+mn-lt"/>
+                <a:ea typeface="+mn-ea"/>
+                <a:cs typeface="+mn-cs"/>
+              </a:defRPr>
+            </a:lvl9pPr>
+          </a:lstStyle>
+          <a:p>
+            <a:pPr marL="0" indent="0" algn="ctr">
+              <a:buFont typeface="Arial"/>
+              <a:buNone/>
             </a:pPr>
             <a:r>
-              <a:rPr lang="ru-RU" sz="2000" dirty="0" smtClean="0"/>
-              <a:t>Реализовать программу, считающая количество введенных символов и по символу </a:t>
-            </a:r>
-            <a:r>
-              <a:rPr lang="en-US" sz="2000" dirty="0" smtClean="0"/>
-              <a:t>‘</a:t>
-            </a:r>
-            <a:r>
-              <a:rPr lang="ru-RU" sz="2000" dirty="0" smtClean="0"/>
-              <a:t> </a:t>
-            </a:r>
-            <a:r>
-              <a:rPr lang="en-US" sz="2000" dirty="0" smtClean="0"/>
-              <a:t>’</a:t>
-            </a:r>
-            <a:r>
-              <a:rPr lang="ru-RU" sz="2000" dirty="0" smtClean="0"/>
-              <a:t> выходила из программы, показывая результат</a:t>
-            </a:r>
-          </a:p>
-          <a:p>
-            <a:pPr>
-              <a:buFont typeface="Wingdings" charset="2"/>
-              <a:buChar char="§"/>
-            </a:pPr>
-            <a:r>
-              <a:rPr lang="ru-RU" sz="2000" dirty="0" smtClean="0"/>
-              <a:t>Написать программу, которая печатает на экран длину строки</a:t>
-            </a:r>
-          </a:p>
-          <a:p>
-            <a:pPr>
-              <a:buFont typeface="Wingdings" charset="2"/>
-              <a:buChar char="§"/>
-            </a:pPr>
-            <a:r>
-              <a:rPr lang="ru-RU" sz="2000" dirty="0" smtClean="0"/>
-              <a:t>Найти максимум числа в массиве</a:t>
-            </a:r>
-          </a:p>
-          <a:p>
-            <a:pPr>
-              <a:buFont typeface="Wingdings" charset="2"/>
-              <a:buChar char="§"/>
-            </a:pPr>
-            <a:r>
-              <a:rPr lang="ru-RU" sz="2000" dirty="0" smtClean="0"/>
-              <a:t>Реализовать пузырьковую сортировку</a:t>
-            </a:r>
-            <a:endParaRPr lang="en-US" sz="2000" dirty="0"/>
+              <a:rPr lang="ru-RU" sz="5400" smtClean="0"/>
+              <a:t>Демо</a:t>
+            </a:r>
+            <a:endParaRPr lang="en-US" dirty="0"/>
+          </a:p>
+        </p:txBody>
+      </p:sp>
+      <p:sp>
+        <p:nvSpPr>
+          <p:cNvPr id="5" name="TextBox 4"/>
+          <p:cNvSpPr txBox="1"/>
+          <p:nvPr/>
+        </p:nvSpPr>
+        <p:spPr>
+          <a:xfrm>
+            <a:off x="5154075" y="6365875"/>
+            <a:ext cx="2308645" cy="600164"/>
+          </a:xfrm>
+          <a:prstGeom prst="rect">
+            <a:avLst/>
+          </a:prstGeom>
+          <a:noFill/>
+        </p:spPr>
+        <p:txBody>
+          <a:bodyPr wrap="none" rtlCol="0">
+            <a:spAutoFit/>
+          </a:bodyPr>
+          <a:lstStyle/>
+          <a:p>
+            <a:r>
+              <a:rPr lang="en-US" sz="1100" dirty="0" err="1" smtClean="0">
+                <a:solidFill>
+                  <a:schemeClr val="accent2">
+                    <a:lumMod val="75000"/>
+                  </a:schemeClr>
+                </a:solidFill>
+                <a:latin typeface="Lucida Console" charset="0"/>
+                <a:ea typeface="Lucida Console" charset="0"/>
+                <a:cs typeface="Lucida Console" charset="0"/>
+              </a:rPr>
+              <a:t>Files:array_pointer.c</a:t>
+            </a:r>
+            <a:endParaRPr lang="en-US" sz="1100" dirty="0" smtClean="0">
+              <a:solidFill>
+                <a:schemeClr val="accent2">
+                  <a:lumMod val="75000"/>
+                </a:schemeClr>
+              </a:solidFill>
+              <a:latin typeface="Lucida Console" charset="0"/>
+              <a:ea typeface="Lucida Console" charset="0"/>
+              <a:cs typeface="Lucida Console" charset="0"/>
+            </a:endParaRPr>
+          </a:p>
+          <a:p>
+            <a:r>
+              <a:rPr lang="en-US" sz="1100" dirty="0" smtClean="0">
+                <a:solidFill>
+                  <a:schemeClr val="accent2">
+                    <a:lumMod val="75000"/>
+                  </a:schemeClr>
+                </a:solidFill>
+                <a:latin typeface="Lucida Console" charset="0"/>
+                <a:ea typeface="Lucida Console" charset="0"/>
+                <a:cs typeface="Lucida Console" charset="0"/>
+              </a:rPr>
+              <a:t>      </a:t>
+            </a:r>
+            <a:r>
+              <a:rPr lang="en-US" sz="1100" dirty="0" err="1" smtClean="0">
+                <a:solidFill>
+                  <a:schemeClr val="accent2">
+                    <a:lumMod val="75000"/>
+                  </a:schemeClr>
+                </a:solidFill>
+                <a:latin typeface="Lucida Console" charset="0"/>
+                <a:ea typeface="Lucida Console" charset="0"/>
+                <a:cs typeface="Lucida Console" charset="0"/>
+              </a:rPr>
+              <a:t>pointer_operation.c</a:t>
+            </a:r>
+            <a:endParaRPr lang="en-US" sz="1100" dirty="0" smtClean="0">
+              <a:solidFill>
+                <a:schemeClr val="accent2">
+                  <a:lumMod val="75000"/>
+                </a:schemeClr>
+              </a:solidFill>
+              <a:latin typeface="Lucida Console" charset="0"/>
+              <a:ea typeface="Lucida Console" charset="0"/>
+              <a:cs typeface="Lucida Console" charset="0"/>
+            </a:endParaRPr>
+          </a:p>
+          <a:p>
+            <a:r>
+              <a:rPr lang="en-US" sz="1100" dirty="0" smtClean="0">
+                <a:solidFill>
+                  <a:schemeClr val="accent2">
+                    <a:lumMod val="75000"/>
+                  </a:schemeClr>
+                </a:solidFill>
+                <a:latin typeface="Lucida Console" charset="0"/>
+                <a:ea typeface="Lucida Console" charset="0"/>
+                <a:cs typeface="Lucida Console" charset="0"/>
+              </a:rPr>
+              <a:t>       </a:t>
+            </a:r>
+            <a:endParaRPr lang="en-US" sz="1100" dirty="0">
+              <a:solidFill>
+                <a:schemeClr val="accent2">
+                  <a:lumMod val="75000"/>
+                </a:schemeClr>
+              </a:solidFill>
+              <a:latin typeface="Lucida Console" charset="0"/>
+              <a:ea typeface="Lucida Console" charset="0"/>
+              <a:cs typeface="Lucida Console" charset="0"/>
+            </a:endParaRPr>
           </a:p>
         </p:txBody>
       </p:sp>
     </p:spTree>
     <p:extLst>
       <p:ext uri="{BB962C8B-B14F-4D97-AF65-F5344CB8AC3E}">
-        <p14:creationId xmlns:p14="http://schemas.microsoft.com/office/powerpoint/2010/main" val="2073355834"/>
+        <p14:creationId xmlns:p14="http://schemas.microsoft.com/office/powerpoint/2010/main" val="1512646153"/>
       </p:ext>
     </p:extLst>
   </p:cSld>
@@ -3884,6 +5019,3656 @@
         <p:cTn id="1" dur="indefinite" restart="never" nodeType="tmRoot"/>
       </p:par>
     </p:tnLst>
+  </p:timing>
+</p:sld>
+</file>
+
+<file path=ppt/slides/slide12.xml><?xml version="1.0" encoding="utf-8"?>
+<p:sld xmlns:a="http://schemas.openxmlformats.org/drawingml/2006/main" xmlns:r="http://schemas.openxmlformats.org/officeDocument/2006/relationships" xmlns:p="http://schemas.openxmlformats.org/presentationml/2006/main">
+  <p:cSld>
+    <p:spTree>
+      <p:nvGrpSpPr>
+        <p:cNvPr id="1" name=""/>
+        <p:cNvGrpSpPr/>
+        <p:nvPr/>
+      </p:nvGrpSpPr>
+      <p:grpSpPr>
+        <a:xfrm>
+          <a:off x="0" y="0"/>
+          <a:ext cx="0" cy="0"/>
+          <a:chOff x="0" y="0"/>
+          <a:chExt cx="0" cy="0"/>
+        </a:xfrm>
+      </p:grpSpPr>
+      <p:sp>
+        <p:nvSpPr>
+          <p:cNvPr id="2" name="Title 1"/>
+          <p:cNvSpPr>
+            <a:spLocks noGrp="1"/>
+          </p:cNvSpPr>
+          <p:nvPr>
+            <p:ph type="title"/>
+          </p:nvPr>
+        </p:nvSpPr>
+        <p:spPr/>
+        <p:txBody>
+          <a:bodyPr>
+            <a:normAutofit/>
+          </a:bodyPr>
+          <a:lstStyle/>
+          <a:p>
+            <a:r>
+              <a:rPr lang="ru-RU" dirty="0" smtClean="0"/>
+              <a:t>Указатель</a:t>
+            </a:r>
+            <a:r>
+              <a:rPr lang="en-US" dirty="0" smtClean="0"/>
+              <a:t>::void</a:t>
+            </a:r>
+            <a:r>
+              <a:rPr lang="ru-RU" dirty="0" smtClean="0"/>
+              <a:t/>
+            </a:r>
+            <a:br>
+              <a:rPr lang="ru-RU" dirty="0" smtClean="0"/>
+            </a:br>
+            <a:r>
+              <a:rPr lang="ru-RU" dirty="0" smtClean="0"/>
+              <a:t>------------------------------------------------------------</a:t>
+            </a:r>
+            <a:endParaRPr lang="en-US" dirty="0"/>
+          </a:p>
+        </p:txBody>
+      </p:sp>
+      <p:sp>
+        <p:nvSpPr>
+          <p:cNvPr id="3" name="TextBox 2"/>
+          <p:cNvSpPr txBox="1"/>
+          <p:nvPr/>
+        </p:nvSpPr>
+        <p:spPr>
+          <a:xfrm>
+            <a:off x="1883139" y="2108782"/>
+            <a:ext cx="8430289" cy="892552"/>
+          </a:xfrm>
+          <a:prstGeom prst="rect">
+            <a:avLst/>
+          </a:prstGeom>
+          <a:noFill/>
+        </p:spPr>
+        <p:txBody>
+          <a:bodyPr wrap="square" rtlCol="0">
+            <a:spAutoFit/>
+          </a:bodyPr>
+          <a:lstStyle/>
+          <a:p>
+            <a:pPr algn="ctr"/>
+            <a:r>
+              <a:rPr lang="en-US" sz="1600" dirty="0" smtClean="0">
+                <a:solidFill>
+                  <a:schemeClr val="accent2">
+                    <a:lumMod val="75000"/>
+                  </a:schemeClr>
+                </a:solidFill>
+                <a:latin typeface="Lucida Console" charset="0"/>
+                <a:ea typeface="Lucida Console" charset="0"/>
+                <a:cs typeface="Lucida Console" charset="0"/>
+              </a:rPr>
+              <a:t>void</a:t>
+            </a:r>
+            <a:r>
+              <a:rPr lang="ru-RU" sz="1600" dirty="0" smtClean="0">
+                <a:solidFill>
+                  <a:schemeClr val="accent2">
+                    <a:lumMod val="75000"/>
+                  </a:schemeClr>
+                </a:solidFill>
+                <a:latin typeface="Lucida Console" charset="0"/>
+                <a:ea typeface="Lucida Console" charset="0"/>
+                <a:cs typeface="Lucida Console" charset="0"/>
+              </a:rPr>
+              <a:t> </a:t>
+            </a:r>
+            <a:r>
+              <a:rPr lang="en-US" sz="1600" dirty="0" smtClean="0">
+                <a:solidFill>
+                  <a:schemeClr val="accent2">
+                    <a:lumMod val="75000"/>
+                  </a:schemeClr>
+                </a:solidFill>
+              </a:rPr>
+              <a:t> </a:t>
+            </a:r>
+            <a:r>
+              <a:rPr lang="mr-IN" dirty="0" smtClean="0"/>
+              <a:t>–</a:t>
+            </a:r>
+            <a:r>
+              <a:rPr lang="ru-RU" dirty="0" smtClean="0"/>
+              <a:t> </a:t>
+            </a:r>
+            <a:r>
+              <a:rPr lang="ru-RU" dirty="0" smtClean="0"/>
+              <a:t> тип для обозначения отсутствия </a:t>
+            </a:r>
+            <a:r>
+              <a:rPr lang="ru-RU" dirty="0" smtClean="0"/>
+              <a:t>значения</a:t>
+            </a:r>
+            <a:r>
+              <a:rPr lang="ru-RU" dirty="0" smtClean="0"/>
+              <a:t>.</a:t>
+            </a:r>
+          </a:p>
+          <a:p>
+            <a:pPr algn="ctr"/>
+            <a:endParaRPr lang="en-US" dirty="0" smtClean="0"/>
+          </a:p>
+          <a:p>
+            <a:pPr algn="ctr"/>
+            <a:r>
+              <a:rPr lang="en-US" sz="1600" dirty="0" smtClean="0">
+                <a:solidFill>
+                  <a:schemeClr val="accent2">
+                    <a:lumMod val="75000"/>
+                  </a:schemeClr>
+                </a:solidFill>
+                <a:latin typeface="Lucida Console" charset="0"/>
+                <a:ea typeface="Lucida Console" charset="0"/>
+                <a:cs typeface="Lucida Console" charset="0"/>
+              </a:rPr>
+              <a:t>void* </a:t>
+            </a:r>
+            <a:r>
+              <a:rPr lang="ru-RU" sz="1600" dirty="0" smtClean="0">
+                <a:latin typeface="Lucida Console" charset="0"/>
+                <a:ea typeface="Lucida Console" charset="0"/>
+                <a:cs typeface="Lucida Console" charset="0"/>
+              </a:rPr>
+              <a:t>- тип, совместимый с указателями других типов</a:t>
+            </a:r>
+            <a:endParaRPr lang="ru-RU" dirty="0" smtClean="0">
+              <a:latin typeface="Lucida Console" charset="0"/>
+              <a:ea typeface="Lucida Console" charset="0"/>
+              <a:cs typeface="Lucida Console" charset="0"/>
+            </a:endParaRPr>
+          </a:p>
+        </p:txBody>
+      </p:sp>
+      <p:sp>
+        <p:nvSpPr>
+          <p:cNvPr id="4" name="TextBox 3"/>
+          <p:cNvSpPr txBox="1"/>
+          <p:nvPr/>
+        </p:nvSpPr>
+        <p:spPr>
+          <a:xfrm>
+            <a:off x="3527670" y="3766658"/>
+            <a:ext cx="1031051" cy="369332"/>
+          </a:xfrm>
+          <a:prstGeom prst="rect">
+            <a:avLst/>
+          </a:prstGeom>
+          <a:noFill/>
+        </p:spPr>
+        <p:txBody>
+          <a:bodyPr wrap="none" rtlCol="0">
+            <a:spAutoFit/>
+          </a:bodyPr>
+          <a:lstStyle/>
+          <a:p>
+            <a:r>
+              <a:rPr lang="ru-RU" dirty="0" smtClean="0"/>
+              <a:t>Пример:</a:t>
+            </a:r>
+          </a:p>
+        </p:txBody>
+      </p:sp>
+      <p:sp>
+        <p:nvSpPr>
+          <p:cNvPr id="5" name="TextBox 4"/>
+          <p:cNvSpPr txBox="1"/>
+          <p:nvPr/>
+        </p:nvSpPr>
+        <p:spPr>
+          <a:xfrm>
+            <a:off x="4545373" y="4208283"/>
+            <a:ext cx="3950120" cy="923330"/>
+          </a:xfrm>
+          <a:prstGeom prst="rect">
+            <a:avLst/>
+          </a:prstGeom>
+          <a:noFill/>
+        </p:spPr>
+        <p:txBody>
+          <a:bodyPr wrap="none" rtlCol="0">
+            <a:spAutoFit/>
+          </a:bodyPr>
+          <a:lstStyle/>
+          <a:p>
+            <a:r>
+              <a:rPr lang="en-US" dirty="0" err="1">
+                <a:solidFill>
+                  <a:schemeClr val="accent2">
+                    <a:lumMod val="75000"/>
+                  </a:schemeClr>
+                </a:solidFill>
+                <a:latin typeface="Lucida Console" charset="0"/>
+                <a:ea typeface="Lucida Console" charset="0"/>
+                <a:cs typeface="Lucida Console" charset="0"/>
+              </a:rPr>
+              <a:t>i</a:t>
+            </a:r>
+            <a:r>
+              <a:rPr lang="en-US" dirty="0" err="1" smtClean="0">
+                <a:solidFill>
+                  <a:schemeClr val="accent2">
+                    <a:lumMod val="75000"/>
+                  </a:schemeClr>
+                </a:solidFill>
+                <a:latin typeface="Lucida Console" charset="0"/>
+                <a:ea typeface="Lucida Console" charset="0"/>
+                <a:cs typeface="Lucida Console" charset="0"/>
+              </a:rPr>
+              <a:t>nt</a:t>
+            </a:r>
+            <a:r>
+              <a:rPr lang="en-US" dirty="0" smtClean="0">
+                <a:solidFill>
+                  <a:schemeClr val="accent2">
+                    <a:lumMod val="75000"/>
+                  </a:schemeClr>
+                </a:solidFill>
+                <a:latin typeface="Lucida Console" charset="0"/>
+                <a:ea typeface="Lucida Console" charset="0"/>
+                <a:cs typeface="Lucida Console" charset="0"/>
+              </a:rPr>
+              <a:t> </a:t>
+            </a:r>
+            <a:r>
+              <a:rPr lang="en-US" dirty="0" err="1" smtClean="0">
+                <a:latin typeface="Lucida Console" charset="0"/>
+                <a:ea typeface="Lucida Console" charset="0"/>
+                <a:cs typeface="Lucida Console" charset="0"/>
+              </a:rPr>
+              <a:t>num</a:t>
+            </a:r>
+            <a:r>
+              <a:rPr lang="en-US" dirty="0" smtClean="0">
+                <a:latin typeface="Lucida Console" charset="0"/>
+                <a:ea typeface="Lucida Console" charset="0"/>
+                <a:cs typeface="Lucida Console" charset="0"/>
+              </a:rPr>
+              <a:t> = 5;</a:t>
+            </a:r>
+          </a:p>
+          <a:p>
+            <a:r>
+              <a:rPr lang="en-US" dirty="0">
+                <a:solidFill>
+                  <a:schemeClr val="accent2">
+                    <a:lumMod val="75000"/>
+                  </a:schemeClr>
+                </a:solidFill>
+                <a:latin typeface="Lucida Console" charset="0"/>
+                <a:ea typeface="Lucida Console" charset="0"/>
+                <a:cs typeface="Lucida Console" charset="0"/>
+              </a:rPr>
+              <a:t>v</a:t>
+            </a:r>
+            <a:r>
+              <a:rPr lang="en-US" dirty="0" smtClean="0">
+                <a:solidFill>
+                  <a:schemeClr val="accent2">
+                    <a:lumMod val="75000"/>
+                  </a:schemeClr>
+                </a:solidFill>
+                <a:latin typeface="Lucida Console" charset="0"/>
+                <a:ea typeface="Lucida Console" charset="0"/>
+                <a:cs typeface="Lucida Console" charset="0"/>
+              </a:rPr>
+              <a:t>oid </a:t>
+            </a:r>
+            <a:r>
+              <a:rPr lang="en-US" dirty="0" smtClean="0">
+                <a:latin typeface="Lucida Console" charset="0"/>
+                <a:ea typeface="Lucida Console" charset="0"/>
+                <a:cs typeface="Lucida Console" charset="0"/>
+              </a:rPr>
+              <a:t>*p1 = &amp;</a:t>
+            </a:r>
+            <a:r>
+              <a:rPr lang="en-US" dirty="0" err="1" smtClean="0">
+                <a:latin typeface="Lucida Console" charset="0"/>
+                <a:ea typeface="Lucida Console" charset="0"/>
+                <a:cs typeface="Lucida Console" charset="0"/>
+              </a:rPr>
+              <a:t>num</a:t>
+            </a:r>
+            <a:r>
+              <a:rPr lang="en-US" dirty="0" smtClean="0">
+                <a:latin typeface="Lucida Console" charset="0"/>
+                <a:ea typeface="Lucida Console" charset="0"/>
+                <a:cs typeface="Lucida Console" charset="0"/>
+              </a:rPr>
+              <a:t>; // ok</a:t>
+            </a:r>
+          </a:p>
+          <a:p>
+            <a:r>
+              <a:rPr lang="en-US" dirty="0">
+                <a:solidFill>
+                  <a:schemeClr val="accent2">
+                    <a:lumMod val="75000"/>
+                  </a:schemeClr>
+                </a:solidFill>
+                <a:latin typeface="Lucida Console" charset="0"/>
+                <a:ea typeface="Lucida Console" charset="0"/>
+                <a:cs typeface="Lucida Console" charset="0"/>
+              </a:rPr>
+              <a:t>c</a:t>
+            </a:r>
+            <a:r>
+              <a:rPr lang="en-US" dirty="0" smtClean="0">
+                <a:solidFill>
+                  <a:schemeClr val="accent2">
+                    <a:lumMod val="75000"/>
+                  </a:schemeClr>
+                </a:solidFill>
+                <a:latin typeface="Lucida Console" charset="0"/>
+                <a:ea typeface="Lucida Console" charset="0"/>
+                <a:cs typeface="Lucida Console" charset="0"/>
+              </a:rPr>
+              <a:t>har </a:t>
+            </a:r>
+            <a:r>
+              <a:rPr lang="en-US" dirty="0" smtClean="0">
+                <a:latin typeface="Lucida Console" charset="0"/>
+                <a:ea typeface="Lucida Console" charset="0"/>
+                <a:cs typeface="Lucida Console" charset="0"/>
+              </a:rPr>
+              <a:t>*p2 = &amp;</a:t>
+            </a:r>
+            <a:r>
+              <a:rPr lang="en-US" dirty="0" err="1" smtClean="0">
+                <a:latin typeface="Lucida Console" charset="0"/>
+                <a:ea typeface="Lucida Console" charset="0"/>
+                <a:cs typeface="Lucida Console" charset="0"/>
+              </a:rPr>
+              <a:t>num</a:t>
+            </a:r>
+            <a:r>
+              <a:rPr lang="en-US" dirty="0" smtClean="0">
+                <a:latin typeface="Lucida Console" charset="0"/>
+                <a:ea typeface="Lucida Console" charset="0"/>
+                <a:cs typeface="Lucida Console" charset="0"/>
+              </a:rPr>
+              <a:t>; // warning</a:t>
+            </a:r>
+            <a:endParaRPr lang="en-US" dirty="0">
+              <a:latin typeface="Lucida Console" charset="0"/>
+              <a:ea typeface="Lucida Console" charset="0"/>
+              <a:cs typeface="Lucida Console" charset="0"/>
+            </a:endParaRPr>
+          </a:p>
+        </p:txBody>
+      </p:sp>
+    </p:spTree>
+    <p:extLst>
+      <p:ext uri="{BB962C8B-B14F-4D97-AF65-F5344CB8AC3E}">
+        <p14:creationId xmlns:p14="http://schemas.microsoft.com/office/powerpoint/2010/main" val="2138169373"/>
+      </p:ext>
+    </p:extLst>
+  </p:cSld>
+  <p:clrMapOvr>
+    <a:masterClrMapping/>
+  </p:clrMapOvr>
+  <p:timing>
+    <p:tnLst>
+      <p:par>
+        <p:cTn id="1" dur="indefinite" restart="never" nodeType="tmRoot">
+          <p:childTnLst>
+            <p:seq concurrent="1" nextAc="seek">
+              <p:cTn id="2" dur="indefinite" nodeType="mainSeq">
+                <p:childTnLst>
+                  <p:par>
+                    <p:cTn id="3" fill="hold">
+                      <p:stCondLst>
+                        <p:cond delay="indefinite"/>
+                      </p:stCondLst>
+                      <p:childTnLst>
+                        <p:par>
+                          <p:cTn id="4" fill="hold">
+                            <p:stCondLst>
+                              <p:cond delay="0"/>
+                            </p:stCondLst>
+                            <p:childTnLst>
+                              <p:par>
+                                <p:cTn id="5" presetID="10" presetClass="entr" presetSubtype="0" fill="hold" grpId="0" nodeType="clickEffect">
+                                  <p:stCondLst>
+                                    <p:cond delay="0"/>
+                                  </p:stCondLst>
+                                  <p:childTnLst>
+                                    <p:set>
+                                      <p:cBhvr>
+                                        <p:cTn id="6" dur="1" fill="hold">
+                                          <p:stCondLst>
+                                            <p:cond delay="0"/>
+                                          </p:stCondLst>
+                                        </p:cTn>
+                                        <p:tgtEl>
+                                          <p:spTgt spid="4"/>
+                                        </p:tgtEl>
+                                        <p:attrNameLst>
+                                          <p:attrName>style.visibility</p:attrName>
+                                        </p:attrNameLst>
+                                      </p:cBhvr>
+                                      <p:to>
+                                        <p:strVal val="visible"/>
+                                      </p:to>
+                                    </p:set>
+                                    <p:animEffect transition="in" filter="fade">
+                                      <p:cBhvr>
+                                        <p:cTn id="7" dur="500"/>
+                                        <p:tgtEl>
+                                          <p:spTgt spid="4"/>
+                                        </p:tgtEl>
+                                      </p:cBhvr>
+                                    </p:animEffect>
+                                  </p:childTnLst>
+                                </p:cTn>
+                              </p:par>
+                              <p:par>
+                                <p:cTn id="8" presetID="10" presetClass="entr" presetSubtype="0" fill="hold" grpId="0" nodeType="withEffect">
+                                  <p:stCondLst>
+                                    <p:cond delay="0"/>
+                                  </p:stCondLst>
+                                  <p:childTnLst>
+                                    <p:set>
+                                      <p:cBhvr>
+                                        <p:cTn id="9" dur="1" fill="hold">
+                                          <p:stCondLst>
+                                            <p:cond delay="0"/>
+                                          </p:stCondLst>
+                                        </p:cTn>
+                                        <p:tgtEl>
+                                          <p:spTgt spid="5"/>
+                                        </p:tgtEl>
+                                        <p:attrNameLst>
+                                          <p:attrName>style.visibility</p:attrName>
+                                        </p:attrNameLst>
+                                      </p:cBhvr>
+                                      <p:to>
+                                        <p:strVal val="visible"/>
+                                      </p:to>
+                                    </p:set>
+                                    <p:animEffect transition="in" filter="fade">
+                                      <p:cBhvr>
+                                        <p:cTn id="10" dur="500"/>
+                                        <p:tgtEl>
+                                          <p:spTgt spid="5"/>
+                                        </p:tgtEl>
+                                      </p:cBhvr>
+                                    </p:animEffect>
+                                  </p:childTnLst>
+                                </p:cTn>
+                              </p:par>
+                            </p:childTnLst>
+                          </p:cTn>
+                        </p:par>
+                      </p:childTnLst>
+                    </p:cTn>
+                  </p:par>
+                </p:childTnLst>
+              </p:cTn>
+              <p:prevCondLst>
+                <p:cond evt="onPrev" delay="0">
+                  <p:tgtEl>
+                    <p:sldTgt/>
+                  </p:tgtEl>
+                </p:cond>
+              </p:prevCondLst>
+              <p:nextCondLst>
+                <p:cond evt="onNext" delay="0">
+                  <p:tgtEl>
+                    <p:sldTgt/>
+                  </p:tgtEl>
+                </p:cond>
+              </p:nextCondLst>
+            </p:seq>
+          </p:childTnLst>
+        </p:cTn>
+      </p:par>
+    </p:tnLst>
+    <p:bldLst>
+      <p:bldP spid="4" grpId="0"/>
+      <p:bldP spid="5" grpId="0"/>
+    </p:bldLst>
+  </p:timing>
+</p:sld>
+</file>
+
+<file path=ppt/slides/slide13.xml><?xml version="1.0" encoding="utf-8"?>
+<p:sld xmlns:a="http://schemas.openxmlformats.org/drawingml/2006/main" xmlns:r="http://schemas.openxmlformats.org/officeDocument/2006/relationships" xmlns:p="http://schemas.openxmlformats.org/presentationml/2006/main">
+  <p:cSld>
+    <p:spTree>
+      <p:nvGrpSpPr>
+        <p:cNvPr id="1" name=""/>
+        <p:cNvGrpSpPr/>
+        <p:nvPr/>
+      </p:nvGrpSpPr>
+      <p:grpSpPr>
+        <a:xfrm>
+          <a:off x="0" y="0"/>
+          <a:ext cx="0" cy="0"/>
+          <a:chOff x="0" y="0"/>
+          <a:chExt cx="0" cy="0"/>
+        </a:xfrm>
+      </p:grpSpPr>
+      <p:sp>
+        <p:nvSpPr>
+          <p:cNvPr id="2" name="Title 1"/>
+          <p:cNvSpPr>
+            <a:spLocks noGrp="1"/>
+          </p:cNvSpPr>
+          <p:nvPr>
+            <p:ph type="title"/>
+          </p:nvPr>
+        </p:nvSpPr>
+        <p:spPr/>
+        <p:txBody>
+          <a:bodyPr>
+            <a:normAutofit/>
+          </a:bodyPr>
+          <a:lstStyle/>
+          <a:p>
+            <a:r>
+              <a:rPr lang="ru-RU" dirty="0" smtClean="0"/>
+              <a:t>Указатель</a:t>
+            </a:r>
+            <a:r>
+              <a:rPr lang="en-US" dirty="0" smtClean="0"/>
+              <a:t>::</a:t>
+            </a:r>
+            <a:r>
+              <a:rPr lang="en-US" dirty="0" smtClean="0"/>
+              <a:t>NULL</a:t>
+            </a:r>
+            <a:r>
+              <a:rPr lang="ru-RU" dirty="0" smtClean="0"/>
+              <a:t/>
+            </a:r>
+            <a:br>
+              <a:rPr lang="ru-RU" dirty="0" smtClean="0"/>
+            </a:br>
+            <a:r>
+              <a:rPr lang="ru-RU" dirty="0" smtClean="0"/>
+              <a:t>------------------------------------------------------------</a:t>
+            </a:r>
+            <a:endParaRPr lang="en-US" dirty="0"/>
+          </a:p>
+        </p:txBody>
+      </p:sp>
+      <p:sp>
+        <p:nvSpPr>
+          <p:cNvPr id="6" name="TextBox 5"/>
+          <p:cNvSpPr txBox="1"/>
+          <p:nvPr/>
+        </p:nvSpPr>
+        <p:spPr>
+          <a:xfrm>
+            <a:off x="2808548" y="2882900"/>
+            <a:ext cx="6879704" cy="369332"/>
+          </a:xfrm>
+          <a:prstGeom prst="rect">
+            <a:avLst/>
+          </a:prstGeom>
+          <a:noFill/>
+        </p:spPr>
+        <p:txBody>
+          <a:bodyPr wrap="none" rtlCol="0">
+            <a:spAutoFit/>
+          </a:bodyPr>
+          <a:lstStyle/>
+          <a:p>
+            <a:r>
+              <a:rPr lang="ru-RU" dirty="0" smtClean="0"/>
+              <a:t>Для указания, что указатель никуда не указывает используют </a:t>
+            </a:r>
+            <a:r>
+              <a:rPr lang="en-US" dirty="0" smtClean="0"/>
+              <a:t>NULL</a:t>
+            </a:r>
+            <a:endParaRPr lang="en-US" dirty="0"/>
+          </a:p>
+        </p:txBody>
+      </p:sp>
+      <p:sp>
+        <p:nvSpPr>
+          <p:cNvPr id="7" name="TextBox 6"/>
+          <p:cNvSpPr txBox="1"/>
+          <p:nvPr/>
+        </p:nvSpPr>
+        <p:spPr>
+          <a:xfrm>
+            <a:off x="3263900" y="3745944"/>
+            <a:ext cx="968535" cy="369332"/>
+          </a:xfrm>
+          <a:prstGeom prst="rect">
+            <a:avLst/>
+          </a:prstGeom>
+          <a:noFill/>
+        </p:spPr>
+        <p:txBody>
+          <a:bodyPr wrap="none" rtlCol="0">
+            <a:spAutoFit/>
+          </a:bodyPr>
+          <a:lstStyle/>
+          <a:p>
+            <a:r>
+              <a:rPr lang="ru-RU" i="1" dirty="0" smtClean="0"/>
+              <a:t>Пример</a:t>
+            </a:r>
+            <a:endParaRPr lang="en-US" i="1" dirty="0"/>
+          </a:p>
+        </p:txBody>
+      </p:sp>
+      <p:sp>
+        <p:nvSpPr>
+          <p:cNvPr id="8" name="TextBox 7"/>
+          <p:cNvSpPr txBox="1"/>
+          <p:nvPr/>
+        </p:nvSpPr>
+        <p:spPr>
+          <a:xfrm>
+            <a:off x="4887977" y="4293076"/>
+            <a:ext cx="2555508" cy="646331"/>
+          </a:xfrm>
+          <a:prstGeom prst="rect">
+            <a:avLst/>
+          </a:prstGeom>
+          <a:noFill/>
+        </p:spPr>
+        <p:txBody>
+          <a:bodyPr wrap="none" rtlCol="0">
+            <a:spAutoFit/>
+          </a:bodyPr>
+          <a:lstStyle/>
+          <a:p>
+            <a:r>
+              <a:rPr lang="en-US" dirty="0" smtClean="0">
+                <a:solidFill>
+                  <a:schemeClr val="accent2">
+                    <a:lumMod val="75000"/>
+                  </a:schemeClr>
+                </a:solidFill>
+                <a:latin typeface="Lucida Console" charset="0"/>
+                <a:ea typeface="Lucida Console" charset="0"/>
+                <a:cs typeface="Lucida Console" charset="0"/>
+              </a:rPr>
+              <a:t>char</a:t>
+            </a:r>
+            <a:r>
+              <a:rPr lang="en-US" dirty="0" smtClean="0">
+                <a:latin typeface="Lucida Console" charset="0"/>
+                <a:ea typeface="Lucida Console" charset="0"/>
+                <a:cs typeface="Lucida Console" charset="0"/>
+              </a:rPr>
+              <a:t> *</a:t>
+            </a:r>
+            <a:r>
+              <a:rPr lang="en-US" dirty="0" err="1" smtClean="0">
+                <a:latin typeface="Lucida Console" charset="0"/>
+                <a:ea typeface="Lucida Console" charset="0"/>
+                <a:cs typeface="Lucida Console" charset="0"/>
+              </a:rPr>
+              <a:t>str</a:t>
+            </a:r>
+            <a:r>
+              <a:rPr lang="en-US" dirty="0" smtClean="0">
+                <a:latin typeface="Lucida Console" charset="0"/>
+                <a:ea typeface="Lucida Console" charset="0"/>
+                <a:cs typeface="Lucida Console" charset="0"/>
+              </a:rPr>
+              <a:t> = NULL;</a:t>
+            </a:r>
+          </a:p>
+          <a:p>
+            <a:r>
+              <a:rPr lang="en-US" dirty="0">
+                <a:solidFill>
+                  <a:schemeClr val="accent2">
+                    <a:lumMod val="75000"/>
+                  </a:schemeClr>
+                </a:solidFill>
+                <a:latin typeface="Lucida Console" charset="0"/>
+                <a:ea typeface="Lucida Console" charset="0"/>
+                <a:cs typeface="Lucida Console" charset="0"/>
+              </a:rPr>
+              <a:t>v</a:t>
+            </a:r>
+            <a:r>
+              <a:rPr lang="en-US" dirty="0" smtClean="0">
+                <a:solidFill>
+                  <a:schemeClr val="accent2">
+                    <a:lumMod val="75000"/>
+                  </a:schemeClr>
+                </a:solidFill>
+                <a:latin typeface="Lucida Console" charset="0"/>
+                <a:ea typeface="Lucida Console" charset="0"/>
+                <a:cs typeface="Lucida Console" charset="0"/>
+              </a:rPr>
+              <a:t>oid</a:t>
+            </a:r>
+            <a:r>
+              <a:rPr lang="en-US" dirty="0" smtClean="0">
+                <a:latin typeface="Lucida Console" charset="0"/>
+                <a:ea typeface="Lucida Console" charset="0"/>
+                <a:cs typeface="Lucida Console" charset="0"/>
+              </a:rPr>
+              <a:t> *</a:t>
+            </a:r>
+            <a:r>
+              <a:rPr lang="en-US" dirty="0" err="1" smtClean="0">
+                <a:latin typeface="Lucida Console" charset="0"/>
+                <a:ea typeface="Lucida Console" charset="0"/>
+                <a:cs typeface="Lucida Console" charset="0"/>
+              </a:rPr>
+              <a:t>num</a:t>
+            </a:r>
+            <a:r>
+              <a:rPr lang="en-US" dirty="0" smtClean="0">
+                <a:latin typeface="Lucida Console" charset="0"/>
+                <a:ea typeface="Lucida Console" charset="0"/>
+                <a:cs typeface="Lucida Console" charset="0"/>
+              </a:rPr>
+              <a:t> = NULL;</a:t>
+            </a:r>
+          </a:p>
+        </p:txBody>
+      </p:sp>
+    </p:spTree>
+    <p:extLst>
+      <p:ext uri="{BB962C8B-B14F-4D97-AF65-F5344CB8AC3E}">
+        <p14:creationId xmlns:p14="http://schemas.microsoft.com/office/powerpoint/2010/main" val="1913272996"/>
+      </p:ext>
+    </p:extLst>
+  </p:cSld>
+  <p:clrMapOvr>
+    <a:masterClrMapping/>
+  </p:clrMapOvr>
+  <p:timing>
+    <p:tnLst>
+      <p:par>
+        <p:cTn id="1" dur="indefinite" restart="never" nodeType="tmRoot"/>
+      </p:par>
+    </p:tnLst>
+  </p:timing>
+</p:sld>
+</file>
+
+<file path=ppt/slides/slide14.xml><?xml version="1.0" encoding="utf-8"?>
+<p:sld xmlns:a="http://schemas.openxmlformats.org/drawingml/2006/main" xmlns:r="http://schemas.openxmlformats.org/officeDocument/2006/relationships" xmlns:p="http://schemas.openxmlformats.org/presentationml/2006/main">
+  <p:cSld>
+    <p:spTree>
+      <p:nvGrpSpPr>
+        <p:cNvPr id="1" name=""/>
+        <p:cNvGrpSpPr/>
+        <p:nvPr/>
+      </p:nvGrpSpPr>
+      <p:grpSpPr>
+        <a:xfrm>
+          <a:off x="0" y="0"/>
+          <a:ext cx="0" cy="0"/>
+          <a:chOff x="0" y="0"/>
+          <a:chExt cx="0" cy="0"/>
+        </a:xfrm>
+      </p:grpSpPr>
+      <p:sp>
+        <p:nvSpPr>
+          <p:cNvPr id="2" name="Title 1"/>
+          <p:cNvSpPr>
+            <a:spLocks noGrp="1"/>
+          </p:cNvSpPr>
+          <p:nvPr>
+            <p:ph type="title"/>
+          </p:nvPr>
+        </p:nvSpPr>
+        <p:spPr/>
+        <p:txBody>
+          <a:bodyPr>
+            <a:normAutofit/>
+          </a:bodyPr>
+          <a:lstStyle/>
+          <a:p>
+            <a:r>
+              <a:rPr lang="ru-RU" dirty="0" smtClean="0"/>
+              <a:t>Функции</a:t>
+            </a:r>
+            <a:br>
+              <a:rPr lang="ru-RU" dirty="0" smtClean="0"/>
+            </a:br>
+            <a:r>
+              <a:rPr lang="ru-RU" dirty="0" smtClean="0"/>
+              <a:t>------------------------------------------------------------</a:t>
+            </a:r>
+            <a:endParaRPr lang="en-US" dirty="0"/>
+          </a:p>
+        </p:txBody>
+      </p:sp>
+      <p:sp>
+        <p:nvSpPr>
+          <p:cNvPr id="13" name="Content Placeholder 2"/>
+          <p:cNvSpPr>
+            <a:spLocks noGrp="1"/>
+          </p:cNvSpPr>
+          <p:nvPr>
+            <p:ph idx="1"/>
+          </p:nvPr>
+        </p:nvSpPr>
+        <p:spPr>
+          <a:xfrm>
+            <a:off x="3176002" y="2420187"/>
+            <a:ext cx="5839995" cy="3147177"/>
+          </a:xfrm>
+        </p:spPr>
+        <p:txBody>
+          <a:bodyPr>
+            <a:normAutofit/>
+          </a:bodyPr>
+          <a:lstStyle/>
+          <a:p>
+            <a:pPr marL="0" indent="0">
+              <a:buNone/>
+            </a:pPr>
+            <a:r>
+              <a:rPr lang="en-US" sz="2400" dirty="0" smtClean="0">
+                <a:latin typeface="Lucida Console" charset="0"/>
+                <a:ea typeface="Lucida Console" charset="0"/>
+                <a:cs typeface="Lucida Console" charset="0"/>
+              </a:rPr>
+              <a:t>#include &lt;</a:t>
+            </a:r>
+            <a:r>
+              <a:rPr lang="en-US" sz="2400" dirty="0" err="1" smtClean="0">
+                <a:latin typeface="Lucida Console" charset="0"/>
+                <a:ea typeface="Lucida Console" charset="0"/>
+                <a:cs typeface="Lucida Console" charset="0"/>
+              </a:rPr>
+              <a:t>stdio.h</a:t>
+            </a:r>
+            <a:r>
+              <a:rPr lang="en-US" sz="2400" dirty="0" smtClean="0">
+                <a:latin typeface="Lucida Console" charset="0"/>
+                <a:ea typeface="Lucida Console" charset="0"/>
+                <a:cs typeface="Lucida Console" charset="0"/>
+              </a:rPr>
+              <a:t>&gt;</a:t>
+            </a:r>
+            <a:r>
+              <a:rPr lang="ru-RU" sz="2400" dirty="0" smtClean="0">
+                <a:latin typeface="Lucida Console" charset="0"/>
+                <a:ea typeface="Lucida Console" charset="0"/>
+                <a:cs typeface="Lucida Console" charset="0"/>
+              </a:rPr>
+              <a:t> </a:t>
+            </a:r>
+            <a:endParaRPr lang="en-US" sz="2400" dirty="0" smtClean="0">
+              <a:latin typeface="Lucida Console" charset="0"/>
+              <a:ea typeface="Lucida Console" charset="0"/>
+              <a:cs typeface="Lucida Console" charset="0"/>
+            </a:endParaRPr>
+          </a:p>
+          <a:p>
+            <a:pPr marL="0" indent="0">
+              <a:buNone/>
+            </a:pPr>
+            <a:endParaRPr lang="en-US" sz="2400" dirty="0" smtClean="0">
+              <a:latin typeface="Lucida Console" charset="0"/>
+              <a:ea typeface="Lucida Console" charset="0"/>
+              <a:cs typeface="Lucida Console" charset="0"/>
+            </a:endParaRPr>
+          </a:p>
+          <a:p>
+            <a:pPr marL="0" indent="0">
+              <a:buNone/>
+            </a:pPr>
+            <a:r>
+              <a:rPr lang="en-US" sz="2400" dirty="0" err="1" smtClean="0">
+                <a:solidFill>
+                  <a:schemeClr val="accent2">
+                    <a:lumMod val="75000"/>
+                  </a:schemeClr>
+                </a:solidFill>
+                <a:latin typeface="Lucida Console" charset="0"/>
+                <a:ea typeface="Lucida Console" charset="0"/>
+                <a:cs typeface="Lucida Console" charset="0"/>
+              </a:rPr>
+              <a:t>int</a:t>
+            </a:r>
+            <a:r>
+              <a:rPr lang="en-US" sz="2400" dirty="0" smtClean="0">
+                <a:solidFill>
+                  <a:schemeClr val="accent2">
+                    <a:lumMod val="75000"/>
+                  </a:schemeClr>
+                </a:solidFill>
+                <a:latin typeface="Lucida Console" charset="0"/>
+                <a:ea typeface="Lucida Console" charset="0"/>
+                <a:cs typeface="Lucida Console" charset="0"/>
+              </a:rPr>
+              <a:t> </a:t>
+            </a:r>
+            <a:r>
+              <a:rPr lang="en-US" sz="2400" dirty="0" smtClean="0">
+                <a:latin typeface="Lucida Console" charset="0"/>
+                <a:ea typeface="Lucida Console" charset="0"/>
+                <a:cs typeface="Lucida Console" charset="0"/>
+              </a:rPr>
+              <a:t>main</a:t>
+            </a:r>
+            <a:r>
+              <a:rPr lang="en-US" sz="2400" dirty="0" smtClean="0">
+                <a:latin typeface="Lucida Console" charset="0"/>
+                <a:ea typeface="Lucida Console" charset="0"/>
+                <a:cs typeface="Lucida Console" charset="0"/>
+              </a:rPr>
+              <a:t>()</a:t>
+            </a:r>
+          </a:p>
+          <a:p>
+            <a:pPr marL="0" indent="0">
+              <a:buNone/>
+            </a:pPr>
+            <a:r>
+              <a:rPr lang="en-US" sz="2400" dirty="0" smtClean="0">
+                <a:latin typeface="Lucida Console" charset="0"/>
+                <a:ea typeface="Lucida Console" charset="0"/>
+                <a:cs typeface="Lucida Console" charset="0"/>
+              </a:rPr>
+              <a:t>{</a:t>
+            </a:r>
+          </a:p>
+          <a:p>
+            <a:pPr marL="0" indent="0">
+              <a:buNone/>
+            </a:pPr>
+            <a:r>
+              <a:rPr lang="en-US" sz="2400" dirty="0" smtClean="0">
+                <a:latin typeface="Lucida Console" charset="0"/>
+                <a:ea typeface="Lucida Console" charset="0"/>
+                <a:cs typeface="Lucida Console" charset="0"/>
+              </a:rPr>
+              <a:t>	</a:t>
+            </a:r>
+            <a:r>
+              <a:rPr lang="en-US" sz="2400" dirty="0" err="1" smtClean="0">
+                <a:latin typeface="Lucida Console" charset="0"/>
+                <a:ea typeface="Lucida Console" charset="0"/>
+                <a:cs typeface="Lucida Console" charset="0"/>
+              </a:rPr>
+              <a:t>printf</a:t>
+            </a:r>
+            <a:r>
+              <a:rPr lang="en-US" sz="2400" dirty="0" smtClean="0">
+                <a:latin typeface="Lucida Console" charset="0"/>
+                <a:ea typeface="Lucida Console" charset="0"/>
+                <a:cs typeface="Lucida Console" charset="0"/>
+              </a:rPr>
+              <a:t>(”Hello, World\n”);</a:t>
+            </a:r>
+          </a:p>
+          <a:p>
+            <a:pPr marL="0" indent="0">
+              <a:buNone/>
+            </a:pPr>
+            <a:r>
+              <a:rPr lang="en-US" sz="2400" dirty="0" smtClean="0">
+                <a:latin typeface="Lucida Console" charset="0"/>
+                <a:ea typeface="Lucida Console" charset="0"/>
+                <a:cs typeface="Lucida Console" charset="0"/>
+              </a:rPr>
+              <a:t>}</a:t>
+            </a:r>
+            <a:endParaRPr lang="en-US" sz="2400" dirty="0">
+              <a:latin typeface="Lucida Console" charset="0"/>
+              <a:ea typeface="Lucida Console" charset="0"/>
+              <a:cs typeface="Lucida Console" charset="0"/>
+            </a:endParaRPr>
+          </a:p>
+        </p:txBody>
+      </p:sp>
+      <p:sp>
+        <p:nvSpPr>
+          <p:cNvPr id="6" name="Left Brace 5"/>
+          <p:cNvSpPr/>
+          <p:nvPr/>
+        </p:nvSpPr>
+        <p:spPr>
+          <a:xfrm rot="10800000">
+            <a:off x="8788399" y="3403600"/>
+            <a:ext cx="227597" cy="1714500"/>
+          </a:xfrm>
+          <a:prstGeom prst="leftBrace">
+            <a:avLst/>
+          </a:prstGeom>
+        </p:spPr>
+        <p:style>
+          <a:lnRef idx="1">
+            <a:schemeClr val="accent2"/>
+          </a:lnRef>
+          <a:fillRef idx="0">
+            <a:schemeClr val="accent2"/>
+          </a:fillRef>
+          <a:effectRef idx="0">
+            <a:schemeClr val="accent2"/>
+          </a:effectRef>
+          <a:fontRef idx="minor">
+            <a:schemeClr val="tx1"/>
+          </a:fontRef>
+        </p:style>
+        <p:txBody>
+          <a:bodyPr rtlCol="0" anchor="ctr"/>
+          <a:lstStyle/>
+          <a:p>
+            <a:pPr algn="ctr"/>
+            <a:endParaRPr lang="en-US"/>
+          </a:p>
+        </p:txBody>
+      </p:sp>
+      <p:sp>
+        <p:nvSpPr>
+          <p:cNvPr id="8" name="TextBox 7"/>
+          <p:cNvSpPr txBox="1"/>
+          <p:nvPr/>
+        </p:nvSpPr>
+        <p:spPr>
+          <a:xfrm>
+            <a:off x="9144000" y="4057275"/>
+            <a:ext cx="1384803" cy="369332"/>
+          </a:xfrm>
+          <a:prstGeom prst="rect">
+            <a:avLst/>
+          </a:prstGeom>
+          <a:noFill/>
+        </p:spPr>
+        <p:txBody>
+          <a:bodyPr wrap="none" rtlCol="0">
+            <a:spAutoFit/>
+          </a:bodyPr>
+          <a:lstStyle/>
+          <a:p>
+            <a:r>
+              <a:rPr lang="ru-RU" dirty="0" smtClean="0"/>
+              <a:t>это функция</a:t>
+            </a:r>
+            <a:endParaRPr lang="en-US" dirty="0"/>
+          </a:p>
+        </p:txBody>
+      </p:sp>
+    </p:spTree>
+    <p:extLst>
+      <p:ext uri="{BB962C8B-B14F-4D97-AF65-F5344CB8AC3E}">
+        <p14:creationId xmlns:p14="http://schemas.microsoft.com/office/powerpoint/2010/main" val="1123313083"/>
+      </p:ext>
+    </p:extLst>
+  </p:cSld>
+  <p:clrMapOvr>
+    <a:masterClrMapping/>
+  </p:clrMapOvr>
+  <p:timing>
+    <p:tnLst>
+      <p:par>
+        <p:cTn id="1" dur="indefinite" restart="never" nodeType="tmRoot">
+          <p:childTnLst>
+            <p:seq concurrent="1" nextAc="seek">
+              <p:cTn id="2" dur="indefinite" nodeType="mainSeq">
+                <p:childTnLst>
+                  <p:par>
+                    <p:cTn id="3" fill="hold">
+                      <p:stCondLst>
+                        <p:cond delay="indefinite"/>
+                      </p:stCondLst>
+                      <p:childTnLst>
+                        <p:par>
+                          <p:cTn id="4" fill="hold">
+                            <p:stCondLst>
+                              <p:cond delay="0"/>
+                            </p:stCondLst>
+                            <p:childTnLst>
+                              <p:par>
+                                <p:cTn id="5" presetID="10" presetClass="entr" presetSubtype="0" fill="hold" grpId="0" nodeType="clickEffect">
+                                  <p:stCondLst>
+                                    <p:cond delay="0"/>
+                                  </p:stCondLst>
+                                  <p:childTnLst>
+                                    <p:set>
+                                      <p:cBhvr>
+                                        <p:cTn id="6" dur="1" fill="hold">
+                                          <p:stCondLst>
+                                            <p:cond delay="0"/>
+                                          </p:stCondLst>
+                                        </p:cTn>
+                                        <p:tgtEl>
+                                          <p:spTgt spid="6"/>
+                                        </p:tgtEl>
+                                        <p:attrNameLst>
+                                          <p:attrName>style.visibility</p:attrName>
+                                        </p:attrNameLst>
+                                      </p:cBhvr>
+                                      <p:to>
+                                        <p:strVal val="visible"/>
+                                      </p:to>
+                                    </p:set>
+                                    <p:animEffect transition="in" filter="fade">
+                                      <p:cBhvr>
+                                        <p:cTn id="7" dur="500"/>
+                                        <p:tgtEl>
+                                          <p:spTgt spid="6"/>
+                                        </p:tgtEl>
+                                      </p:cBhvr>
+                                    </p:animEffect>
+                                  </p:childTnLst>
+                                </p:cTn>
+                              </p:par>
+                              <p:par>
+                                <p:cTn id="8" presetID="10" presetClass="entr" presetSubtype="0" fill="hold" grpId="0" nodeType="withEffect">
+                                  <p:stCondLst>
+                                    <p:cond delay="0"/>
+                                  </p:stCondLst>
+                                  <p:childTnLst>
+                                    <p:set>
+                                      <p:cBhvr>
+                                        <p:cTn id="9" dur="1" fill="hold">
+                                          <p:stCondLst>
+                                            <p:cond delay="0"/>
+                                          </p:stCondLst>
+                                        </p:cTn>
+                                        <p:tgtEl>
+                                          <p:spTgt spid="8"/>
+                                        </p:tgtEl>
+                                        <p:attrNameLst>
+                                          <p:attrName>style.visibility</p:attrName>
+                                        </p:attrNameLst>
+                                      </p:cBhvr>
+                                      <p:to>
+                                        <p:strVal val="visible"/>
+                                      </p:to>
+                                    </p:set>
+                                    <p:animEffect transition="in" filter="fade">
+                                      <p:cBhvr>
+                                        <p:cTn id="10" dur="500"/>
+                                        <p:tgtEl>
+                                          <p:spTgt spid="8"/>
+                                        </p:tgtEl>
+                                      </p:cBhvr>
+                                    </p:animEffect>
+                                  </p:childTnLst>
+                                </p:cTn>
+                              </p:par>
+                            </p:childTnLst>
+                          </p:cTn>
+                        </p:par>
+                      </p:childTnLst>
+                    </p:cTn>
+                  </p:par>
+                </p:childTnLst>
+              </p:cTn>
+              <p:prevCondLst>
+                <p:cond evt="onPrev" delay="0">
+                  <p:tgtEl>
+                    <p:sldTgt/>
+                  </p:tgtEl>
+                </p:cond>
+              </p:prevCondLst>
+              <p:nextCondLst>
+                <p:cond evt="onNext" delay="0">
+                  <p:tgtEl>
+                    <p:sldTgt/>
+                  </p:tgtEl>
+                </p:cond>
+              </p:nextCondLst>
+            </p:seq>
+          </p:childTnLst>
+        </p:cTn>
+      </p:par>
+    </p:tnLst>
+    <p:bldLst>
+      <p:bldP spid="6" grpId="0" animBg="1"/>
+      <p:bldP spid="8" grpId="0"/>
+    </p:bldLst>
+  </p:timing>
+</p:sld>
+</file>
+
+<file path=ppt/slides/slide15.xml><?xml version="1.0" encoding="utf-8"?>
+<p:sld xmlns:a="http://schemas.openxmlformats.org/drawingml/2006/main" xmlns:r="http://schemas.openxmlformats.org/officeDocument/2006/relationships" xmlns:p="http://schemas.openxmlformats.org/presentationml/2006/main">
+  <p:cSld>
+    <p:spTree>
+      <p:nvGrpSpPr>
+        <p:cNvPr id="1" name=""/>
+        <p:cNvGrpSpPr/>
+        <p:nvPr/>
+      </p:nvGrpSpPr>
+      <p:grpSpPr>
+        <a:xfrm>
+          <a:off x="0" y="0"/>
+          <a:ext cx="0" cy="0"/>
+          <a:chOff x="0" y="0"/>
+          <a:chExt cx="0" cy="0"/>
+        </a:xfrm>
+      </p:grpSpPr>
+      <p:sp>
+        <p:nvSpPr>
+          <p:cNvPr id="2" name="Title 1"/>
+          <p:cNvSpPr>
+            <a:spLocks noGrp="1"/>
+          </p:cNvSpPr>
+          <p:nvPr>
+            <p:ph type="title"/>
+          </p:nvPr>
+        </p:nvSpPr>
+        <p:spPr/>
+        <p:txBody>
+          <a:bodyPr>
+            <a:normAutofit/>
+          </a:bodyPr>
+          <a:lstStyle/>
+          <a:p>
+            <a:r>
+              <a:rPr lang="ru-RU" dirty="0" smtClean="0"/>
+              <a:t>Функции</a:t>
+            </a:r>
+            <a:br>
+              <a:rPr lang="ru-RU" dirty="0" smtClean="0"/>
+            </a:br>
+            <a:r>
+              <a:rPr lang="ru-RU" dirty="0" smtClean="0"/>
+              <a:t>------------------------------------------------------------</a:t>
+            </a:r>
+            <a:endParaRPr lang="en-US" dirty="0"/>
+          </a:p>
+        </p:txBody>
+      </p:sp>
+      <p:sp>
+        <p:nvSpPr>
+          <p:cNvPr id="4" name="TextBox 3"/>
+          <p:cNvSpPr txBox="1"/>
+          <p:nvPr/>
+        </p:nvSpPr>
+        <p:spPr>
+          <a:xfrm>
+            <a:off x="4527540" y="3556000"/>
+            <a:ext cx="3416320" cy="400110"/>
+          </a:xfrm>
+          <a:prstGeom prst="rect">
+            <a:avLst/>
+          </a:prstGeom>
+          <a:noFill/>
+        </p:spPr>
+        <p:txBody>
+          <a:bodyPr wrap="none" rtlCol="0">
+            <a:spAutoFit/>
+          </a:bodyPr>
+          <a:lstStyle/>
+          <a:p>
+            <a:r>
+              <a:rPr lang="en-US" sz="2000" dirty="0" err="1" smtClean="0">
+                <a:solidFill>
+                  <a:schemeClr val="accent2">
+                    <a:lumMod val="75000"/>
+                  </a:schemeClr>
+                </a:solidFill>
+                <a:latin typeface="Lucida Console" charset="0"/>
+                <a:ea typeface="Lucida Console" charset="0"/>
+                <a:cs typeface="Lucida Console" charset="0"/>
+              </a:rPr>
+              <a:t>int</a:t>
+            </a:r>
+            <a:r>
+              <a:rPr lang="en-US" sz="2000" dirty="0" smtClean="0">
+                <a:solidFill>
+                  <a:schemeClr val="accent2">
+                    <a:lumMod val="75000"/>
+                  </a:schemeClr>
+                </a:solidFill>
+                <a:latin typeface="Lucida Console" charset="0"/>
+                <a:ea typeface="Lucida Console" charset="0"/>
+                <a:cs typeface="Lucida Console" charset="0"/>
+              </a:rPr>
+              <a:t> </a:t>
+            </a:r>
+            <a:r>
+              <a:rPr lang="en-US" sz="2000" dirty="0" smtClean="0">
+                <a:latin typeface="Lucida Console" charset="0"/>
+                <a:ea typeface="Lucida Console" charset="0"/>
+                <a:cs typeface="Lucida Console" charset="0"/>
+              </a:rPr>
+              <a:t>factorial(</a:t>
+            </a:r>
+            <a:r>
+              <a:rPr lang="en-US" sz="2000" dirty="0" err="1" smtClean="0">
+                <a:solidFill>
+                  <a:schemeClr val="accent2">
+                    <a:lumMod val="75000"/>
+                  </a:schemeClr>
+                </a:solidFill>
+                <a:latin typeface="Lucida Console" charset="0"/>
+                <a:ea typeface="Lucida Console" charset="0"/>
+                <a:cs typeface="Lucida Console" charset="0"/>
+              </a:rPr>
+              <a:t>int</a:t>
+            </a:r>
+            <a:r>
+              <a:rPr lang="en-US" sz="2000" dirty="0" smtClean="0">
+                <a:latin typeface="Lucida Console" charset="0"/>
+                <a:ea typeface="Lucida Console" charset="0"/>
+                <a:cs typeface="Lucida Console" charset="0"/>
+              </a:rPr>
+              <a:t> n);</a:t>
+            </a:r>
+            <a:endParaRPr lang="en-US" sz="2000" dirty="0">
+              <a:latin typeface="Lucida Console" charset="0"/>
+              <a:ea typeface="Lucida Console" charset="0"/>
+              <a:cs typeface="Lucida Console" charset="0"/>
+            </a:endParaRPr>
+          </a:p>
+        </p:txBody>
+      </p:sp>
+      <p:sp>
+        <p:nvSpPr>
+          <p:cNvPr id="7" name="TextBox 6"/>
+          <p:cNvSpPr txBox="1"/>
+          <p:nvPr/>
+        </p:nvSpPr>
+        <p:spPr>
+          <a:xfrm>
+            <a:off x="1854200" y="2605435"/>
+            <a:ext cx="3161250" cy="369332"/>
+          </a:xfrm>
+          <a:prstGeom prst="rect">
+            <a:avLst/>
+          </a:prstGeom>
+        </p:spPr>
+        <p:style>
+          <a:lnRef idx="2">
+            <a:schemeClr val="accent2"/>
+          </a:lnRef>
+          <a:fillRef idx="1">
+            <a:schemeClr val="lt1"/>
+          </a:fillRef>
+          <a:effectRef idx="0">
+            <a:schemeClr val="accent2"/>
+          </a:effectRef>
+          <a:fontRef idx="minor">
+            <a:schemeClr val="dk1"/>
+          </a:fontRef>
+        </p:style>
+        <p:txBody>
+          <a:bodyPr wrap="none" rtlCol="0">
+            <a:spAutoFit/>
+          </a:bodyPr>
+          <a:lstStyle/>
+          <a:p>
+            <a:r>
+              <a:rPr lang="ru-RU" dirty="0"/>
+              <a:t>т</a:t>
+            </a:r>
+            <a:r>
+              <a:rPr lang="ru-RU" dirty="0" smtClean="0"/>
+              <a:t>ип возвращающего значения</a:t>
+            </a:r>
+            <a:endParaRPr lang="en-US" dirty="0"/>
+          </a:p>
+        </p:txBody>
+      </p:sp>
+      <p:cxnSp>
+        <p:nvCxnSpPr>
+          <p:cNvPr id="11" name="Curved Connector 10"/>
+          <p:cNvCxnSpPr>
+            <a:stCxn id="7" idx="2"/>
+            <a:endCxn id="4" idx="1"/>
+          </p:cNvCxnSpPr>
+          <p:nvPr/>
+        </p:nvCxnSpPr>
+        <p:spPr>
+          <a:xfrm rot="16200000" flipH="1">
+            <a:off x="3590538" y="2819053"/>
+            <a:ext cx="781288" cy="1092715"/>
+          </a:xfrm>
+          <a:prstGeom prst="curvedConnector2">
+            <a:avLst/>
+          </a:prstGeom>
+          <a:ln>
+            <a:tailEnd type="triangle"/>
+          </a:ln>
+        </p:spPr>
+        <p:style>
+          <a:lnRef idx="1">
+            <a:schemeClr val="accent2"/>
+          </a:lnRef>
+          <a:fillRef idx="0">
+            <a:schemeClr val="accent2"/>
+          </a:fillRef>
+          <a:effectRef idx="0">
+            <a:schemeClr val="accent2"/>
+          </a:effectRef>
+          <a:fontRef idx="minor">
+            <a:schemeClr val="tx1"/>
+          </a:fontRef>
+        </p:style>
+      </p:cxnSp>
+      <p:sp>
+        <p:nvSpPr>
+          <p:cNvPr id="12" name="TextBox 11"/>
+          <p:cNvSpPr txBox="1"/>
+          <p:nvPr/>
+        </p:nvSpPr>
+        <p:spPr>
+          <a:xfrm>
+            <a:off x="3930382" y="4749244"/>
+            <a:ext cx="1480342" cy="369332"/>
+          </a:xfrm>
+          <a:prstGeom prst="rect">
+            <a:avLst/>
+          </a:prstGeom>
+        </p:spPr>
+        <p:style>
+          <a:lnRef idx="2">
+            <a:schemeClr val="accent2"/>
+          </a:lnRef>
+          <a:fillRef idx="1">
+            <a:schemeClr val="lt1"/>
+          </a:fillRef>
+          <a:effectRef idx="0">
+            <a:schemeClr val="accent2"/>
+          </a:effectRef>
+          <a:fontRef idx="minor">
+            <a:schemeClr val="dk1"/>
+          </a:fontRef>
+        </p:style>
+        <p:txBody>
+          <a:bodyPr wrap="none" rtlCol="0">
+            <a:spAutoFit/>
+          </a:bodyPr>
+          <a:lstStyle/>
+          <a:p>
+            <a:r>
+              <a:rPr lang="ru-RU" dirty="0" smtClean="0"/>
+              <a:t>имя функции</a:t>
+            </a:r>
+            <a:endParaRPr lang="en-US" dirty="0"/>
+          </a:p>
+        </p:txBody>
+      </p:sp>
+      <p:cxnSp>
+        <p:nvCxnSpPr>
+          <p:cNvPr id="14" name="Curved Connector 13"/>
+          <p:cNvCxnSpPr>
+            <a:stCxn id="12" idx="0"/>
+            <a:endCxn id="4" idx="2"/>
+          </p:cNvCxnSpPr>
+          <p:nvPr/>
+        </p:nvCxnSpPr>
+        <p:spPr>
+          <a:xfrm rot="5400000" flipH="1" flipV="1">
+            <a:off x="5056559" y="3570104"/>
+            <a:ext cx="793134" cy="1565147"/>
+          </a:xfrm>
+          <a:prstGeom prst="curvedConnector3">
+            <a:avLst/>
+          </a:prstGeom>
+          <a:ln>
+            <a:tailEnd type="triangle"/>
+          </a:ln>
+        </p:spPr>
+        <p:style>
+          <a:lnRef idx="1">
+            <a:schemeClr val="accent2"/>
+          </a:lnRef>
+          <a:fillRef idx="0">
+            <a:schemeClr val="accent2"/>
+          </a:fillRef>
+          <a:effectRef idx="0">
+            <a:schemeClr val="accent2"/>
+          </a:effectRef>
+          <a:fontRef idx="minor">
+            <a:schemeClr val="tx1"/>
+          </a:fontRef>
+        </p:style>
+      </p:cxnSp>
+      <p:sp>
+        <p:nvSpPr>
+          <p:cNvPr id="18" name="TextBox 17"/>
+          <p:cNvSpPr txBox="1"/>
+          <p:nvPr/>
+        </p:nvSpPr>
+        <p:spPr>
+          <a:xfrm>
+            <a:off x="7569200" y="2590800"/>
+            <a:ext cx="1084143" cy="369332"/>
+          </a:xfrm>
+          <a:prstGeom prst="rect">
+            <a:avLst/>
+          </a:prstGeom>
+        </p:spPr>
+        <p:style>
+          <a:lnRef idx="2">
+            <a:schemeClr val="accent2"/>
+          </a:lnRef>
+          <a:fillRef idx="1">
+            <a:schemeClr val="lt1"/>
+          </a:fillRef>
+          <a:effectRef idx="0">
+            <a:schemeClr val="accent2"/>
+          </a:effectRef>
+          <a:fontRef idx="minor">
+            <a:schemeClr val="dk1"/>
+          </a:fontRef>
+        </p:style>
+        <p:txBody>
+          <a:bodyPr wrap="none" rtlCol="0">
+            <a:spAutoFit/>
+          </a:bodyPr>
+          <a:lstStyle/>
+          <a:p>
+            <a:r>
+              <a:rPr lang="ru-RU" dirty="0" smtClean="0"/>
+              <a:t>аргумент</a:t>
+            </a:r>
+            <a:endParaRPr lang="en-US" dirty="0"/>
+          </a:p>
+        </p:txBody>
+      </p:sp>
+      <p:cxnSp>
+        <p:nvCxnSpPr>
+          <p:cNvPr id="26" name="Curved Connector 25"/>
+          <p:cNvCxnSpPr>
+            <a:stCxn id="18" idx="1"/>
+          </p:cNvCxnSpPr>
+          <p:nvPr/>
+        </p:nvCxnSpPr>
+        <p:spPr>
+          <a:xfrm rot="10800000" flipV="1">
+            <a:off x="7162800" y="2775466"/>
+            <a:ext cx="406400" cy="780534"/>
+          </a:xfrm>
+          <a:prstGeom prst="curvedConnector2">
+            <a:avLst/>
+          </a:prstGeom>
+          <a:ln>
+            <a:tailEnd type="triangle"/>
+          </a:ln>
+        </p:spPr>
+        <p:style>
+          <a:lnRef idx="1">
+            <a:schemeClr val="accent2"/>
+          </a:lnRef>
+          <a:fillRef idx="0">
+            <a:schemeClr val="accent2"/>
+          </a:fillRef>
+          <a:effectRef idx="0">
+            <a:schemeClr val="accent2"/>
+          </a:effectRef>
+          <a:fontRef idx="minor">
+            <a:schemeClr val="tx1"/>
+          </a:fontRef>
+        </p:style>
+      </p:cxnSp>
+    </p:spTree>
+    <p:extLst>
+      <p:ext uri="{BB962C8B-B14F-4D97-AF65-F5344CB8AC3E}">
+        <p14:creationId xmlns:p14="http://schemas.microsoft.com/office/powerpoint/2010/main" val="1748858220"/>
+      </p:ext>
+    </p:extLst>
+  </p:cSld>
+  <p:clrMapOvr>
+    <a:masterClrMapping/>
+  </p:clrMapOvr>
+  <p:timing>
+    <p:tnLst>
+      <p:par>
+        <p:cTn id="1" dur="indefinite" restart="never" nodeType="tmRoot">
+          <p:childTnLst>
+            <p:seq concurrent="1" nextAc="seek">
+              <p:cTn id="2" dur="indefinite" nodeType="mainSeq">
+                <p:childTnLst>
+                  <p:par>
+                    <p:cTn id="3" fill="hold">
+                      <p:stCondLst>
+                        <p:cond delay="indefinite"/>
+                      </p:stCondLst>
+                      <p:childTnLst>
+                        <p:par>
+                          <p:cTn id="4" fill="hold">
+                            <p:stCondLst>
+                              <p:cond delay="0"/>
+                            </p:stCondLst>
+                            <p:childTnLst>
+                              <p:par>
+                                <p:cTn id="5" presetID="10" presetClass="entr" presetSubtype="0" fill="hold" grpId="0" nodeType="clickEffect">
+                                  <p:stCondLst>
+                                    <p:cond delay="0"/>
+                                  </p:stCondLst>
+                                  <p:childTnLst>
+                                    <p:set>
+                                      <p:cBhvr>
+                                        <p:cTn id="6" dur="1" fill="hold">
+                                          <p:stCondLst>
+                                            <p:cond delay="0"/>
+                                          </p:stCondLst>
+                                        </p:cTn>
+                                        <p:tgtEl>
+                                          <p:spTgt spid="7"/>
+                                        </p:tgtEl>
+                                        <p:attrNameLst>
+                                          <p:attrName>style.visibility</p:attrName>
+                                        </p:attrNameLst>
+                                      </p:cBhvr>
+                                      <p:to>
+                                        <p:strVal val="visible"/>
+                                      </p:to>
+                                    </p:set>
+                                    <p:animEffect transition="in" filter="fade">
+                                      <p:cBhvr>
+                                        <p:cTn id="7" dur="500"/>
+                                        <p:tgtEl>
+                                          <p:spTgt spid="7"/>
+                                        </p:tgtEl>
+                                      </p:cBhvr>
+                                    </p:animEffect>
+                                  </p:childTnLst>
+                                </p:cTn>
+                              </p:par>
+                              <p:par>
+                                <p:cTn id="8" presetID="10" presetClass="entr" presetSubtype="0" fill="hold" grpId="0" nodeType="withEffect">
+                                  <p:stCondLst>
+                                    <p:cond delay="0"/>
+                                  </p:stCondLst>
+                                  <p:childTnLst>
+                                    <p:set>
+                                      <p:cBhvr>
+                                        <p:cTn id="9" dur="1" fill="hold">
+                                          <p:stCondLst>
+                                            <p:cond delay="0"/>
+                                          </p:stCondLst>
+                                        </p:cTn>
+                                        <p:tgtEl>
+                                          <p:spTgt spid="18"/>
+                                        </p:tgtEl>
+                                        <p:attrNameLst>
+                                          <p:attrName>style.visibility</p:attrName>
+                                        </p:attrNameLst>
+                                      </p:cBhvr>
+                                      <p:to>
+                                        <p:strVal val="visible"/>
+                                      </p:to>
+                                    </p:set>
+                                    <p:animEffect transition="in" filter="fade">
+                                      <p:cBhvr>
+                                        <p:cTn id="10" dur="500"/>
+                                        <p:tgtEl>
+                                          <p:spTgt spid="18"/>
+                                        </p:tgtEl>
+                                      </p:cBhvr>
+                                    </p:animEffect>
+                                  </p:childTnLst>
+                                </p:cTn>
+                              </p:par>
+                              <p:par>
+                                <p:cTn id="11" presetID="10" presetClass="entr" presetSubtype="0" fill="hold" nodeType="withEffect">
+                                  <p:stCondLst>
+                                    <p:cond delay="0"/>
+                                  </p:stCondLst>
+                                  <p:childTnLst>
+                                    <p:set>
+                                      <p:cBhvr>
+                                        <p:cTn id="12" dur="1" fill="hold">
+                                          <p:stCondLst>
+                                            <p:cond delay="0"/>
+                                          </p:stCondLst>
+                                        </p:cTn>
+                                        <p:tgtEl>
+                                          <p:spTgt spid="26"/>
+                                        </p:tgtEl>
+                                        <p:attrNameLst>
+                                          <p:attrName>style.visibility</p:attrName>
+                                        </p:attrNameLst>
+                                      </p:cBhvr>
+                                      <p:to>
+                                        <p:strVal val="visible"/>
+                                      </p:to>
+                                    </p:set>
+                                    <p:animEffect transition="in" filter="fade">
+                                      <p:cBhvr>
+                                        <p:cTn id="13" dur="500"/>
+                                        <p:tgtEl>
+                                          <p:spTgt spid="26"/>
+                                        </p:tgtEl>
+                                      </p:cBhvr>
+                                    </p:animEffect>
+                                  </p:childTnLst>
+                                </p:cTn>
+                              </p:par>
+                              <p:par>
+                                <p:cTn id="14" presetID="10" presetClass="entr" presetSubtype="0" fill="hold" nodeType="withEffect">
+                                  <p:stCondLst>
+                                    <p:cond delay="0"/>
+                                  </p:stCondLst>
+                                  <p:childTnLst>
+                                    <p:set>
+                                      <p:cBhvr>
+                                        <p:cTn id="15" dur="1" fill="hold">
+                                          <p:stCondLst>
+                                            <p:cond delay="0"/>
+                                          </p:stCondLst>
+                                        </p:cTn>
+                                        <p:tgtEl>
+                                          <p:spTgt spid="11"/>
+                                        </p:tgtEl>
+                                        <p:attrNameLst>
+                                          <p:attrName>style.visibility</p:attrName>
+                                        </p:attrNameLst>
+                                      </p:cBhvr>
+                                      <p:to>
+                                        <p:strVal val="visible"/>
+                                      </p:to>
+                                    </p:set>
+                                    <p:animEffect transition="in" filter="fade">
+                                      <p:cBhvr>
+                                        <p:cTn id="16" dur="500"/>
+                                        <p:tgtEl>
+                                          <p:spTgt spid="11"/>
+                                        </p:tgtEl>
+                                      </p:cBhvr>
+                                    </p:animEffect>
+                                  </p:childTnLst>
+                                </p:cTn>
+                              </p:par>
+                              <p:par>
+                                <p:cTn id="17" presetID="10" presetClass="entr" presetSubtype="0" fill="hold" nodeType="withEffect">
+                                  <p:stCondLst>
+                                    <p:cond delay="0"/>
+                                  </p:stCondLst>
+                                  <p:childTnLst>
+                                    <p:set>
+                                      <p:cBhvr>
+                                        <p:cTn id="18" dur="1" fill="hold">
+                                          <p:stCondLst>
+                                            <p:cond delay="0"/>
+                                          </p:stCondLst>
+                                        </p:cTn>
+                                        <p:tgtEl>
+                                          <p:spTgt spid="14"/>
+                                        </p:tgtEl>
+                                        <p:attrNameLst>
+                                          <p:attrName>style.visibility</p:attrName>
+                                        </p:attrNameLst>
+                                      </p:cBhvr>
+                                      <p:to>
+                                        <p:strVal val="visible"/>
+                                      </p:to>
+                                    </p:set>
+                                    <p:animEffect transition="in" filter="fade">
+                                      <p:cBhvr>
+                                        <p:cTn id="19" dur="500"/>
+                                        <p:tgtEl>
+                                          <p:spTgt spid="14"/>
+                                        </p:tgtEl>
+                                      </p:cBhvr>
+                                    </p:animEffect>
+                                  </p:childTnLst>
+                                </p:cTn>
+                              </p:par>
+                              <p:par>
+                                <p:cTn id="20" presetID="10" presetClass="entr" presetSubtype="0" fill="hold" grpId="0" nodeType="withEffect">
+                                  <p:stCondLst>
+                                    <p:cond delay="0"/>
+                                  </p:stCondLst>
+                                  <p:childTnLst>
+                                    <p:set>
+                                      <p:cBhvr>
+                                        <p:cTn id="21" dur="1" fill="hold">
+                                          <p:stCondLst>
+                                            <p:cond delay="0"/>
+                                          </p:stCondLst>
+                                        </p:cTn>
+                                        <p:tgtEl>
+                                          <p:spTgt spid="12"/>
+                                        </p:tgtEl>
+                                        <p:attrNameLst>
+                                          <p:attrName>style.visibility</p:attrName>
+                                        </p:attrNameLst>
+                                      </p:cBhvr>
+                                      <p:to>
+                                        <p:strVal val="visible"/>
+                                      </p:to>
+                                    </p:set>
+                                    <p:animEffect transition="in" filter="fade">
+                                      <p:cBhvr>
+                                        <p:cTn id="22" dur="500"/>
+                                        <p:tgtEl>
+                                          <p:spTgt spid="12"/>
+                                        </p:tgtEl>
+                                      </p:cBhvr>
+                                    </p:animEffect>
+                                  </p:childTnLst>
+                                </p:cTn>
+                              </p:par>
+                            </p:childTnLst>
+                          </p:cTn>
+                        </p:par>
+                      </p:childTnLst>
+                    </p:cTn>
+                  </p:par>
+                </p:childTnLst>
+              </p:cTn>
+              <p:prevCondLst>
+                <p:cond evt="onPrev" delay="0">
+                  <p:tgtEl>
+                    <p:sldTgt/>
+                  </p:tgtEl>
+                </p:cond>
+              </p:prevCondLst>
+              <p:nextCondLst>
+                <p:cond evt="onNext" delay="0">
+                  <p:tgtEl>
+                    <p:sldTgt/>
+                  </p:tgtEl>
+                </p:cond>
+              </p:nextCondLst>
+            </p:seq>
+          </p:childTnLst>
+        </p:cTn>
+      </p:par>
+    </p:tnLst>
+    <p:bldLst>
+      <p:bldP spid="7" grpId="0" animBg="1"/>
+      <p:bldP spid="12" grpId="0" animBg="1"/>
+      <p:bldP spid="18" grpId="0" animBg="1"/>
+    </p:bldLst>
+  </p:timing>
+</p:sld>
+</file>
+
+<file path=ppt/slides/slide16.xml><?xml version="1.0" encoding="utf-8"?>
+<p:sld xmlns:a="http://schemas.openxmlformats.org/drawingml/2006/main" xmlns:r="http://schemas.openxmlformats.org/officeDocument/2006/relationships" xmlns:p="http://schemas.openxmlformats.org/presentationml/2006/main">
+  <p:cSld>
+    <p:spTree>
+      <p:nvGrpSpPr>
+        <p:cNvPr id="1" name=""/>
+        <p:cNvGrpSpPr/>
+        <p:nvPr/>
+      </p:nvGrpSpPr>
+      <p:grpSpPr>
+        <a:xfrm>
+          <a:off x="0" y="0"/>
+          <a:ext cx="0" cy="0"/>
+          <a:chOff x="0" y="0"/>
+          <a:chExt cx="0" cy="0"/>
+        </a:xfrm>
+      </p:grpSpPr>
+      <p:sp>
+        <p:nvSpPr>
+          <p:cNvPr id="2" name="Title 1"/>
+          <p:cNvSpPr>
+            <a:spLocks noGrp="1"/>
+          </p:cNvSpPr>
+          <p:nvPr>
+            <p:ph type="title"/>
+          </p:nvPr>
+        </p:nvSpPr>
+        <p:spPr/>
+        <p:txBody>
+          <a:bodyPr>
+            <a:normAutofit/>
+          </a:bodyPr>
+          <a:lstStyle/>
+          <a:p>
+            <a:r>
+              <a:rPr lang="ru-RU" dirty="0" smtClean="0"/>
+              <a:t>Функции</a:t>
+            </a:r>
+            <a:br>
+              <a:rPr lang="ru-RU" dirty="0" smtClean="0"/>
+            </a:br>
+            <a:r>
+              <a:rPr lang="ru-RU" dirty="0" smtClean="0"/>
+              <a:t>------------------------------------------------------------</a:t>
+            </a:r>
+            <a:endParaRPr lang="en-US" dirty="0"/>
+          </a:p>
+        </p:txBody>
+      </p:sp>
+      <p:sp>
+        <p:nvSpPr>
+          <p:cNvPr id="5" name="TextBox 4"/>
+          <p:cNvSpPr txBox="1"/>
+          <p:nvPr/>
+        </p:nvSpPr>
+        <p:spPr>
+          <a:xfrm>
+            <a:off x="3115697" y="3378200"/>
+            <a:ext cx="5960606" cy="1200329"/>
+          </a:xfrm>
+          <a:prstGeom prst="rect">
+            <a:avLst/>
+          </a:prstGeom>
+          <a:noFill/>
+        </p:spPr>
+        <p:txBody>
+          <a:bodyPr wrap="none" rtlCol="0">
+            <a:spAutoFit/>
+          </a:bodyPr>
+          <a:lstStyle/>
+          <a:p>
+            <a:pPr marL="285750" indent="-285750">
+              <a:buFont typeface="Wingdings" charset="2"/>
+              <a:buChar char="§"/>
+            </a:pPr>
+            <a:r>
+              <a:rPr lang="ru-RU" sz="2400" dirty="0" smtClean="0"/>
+              <a:t>Делят большую программу на подзадачи</a:t>
+            </a:r>
+          </a:p>
+          <a:p>
+            <a:pPr marL="285750" indent="-285750">
+              <a:buFont typeface="Wingdings" charset="2"/>
+              <a:buChar char="§"/>
+            </a:pPr>
+            <a:r>
+              <a:rPr lang="ru-RU" sz="2400" dirty="0" smtClean="0"/>
+              <a:t>Дают возможность </a:t>
+            </a:r>
+            <a:r>
+              <a:rPr lang="ru-RU" sz="2400" dirty="0" err="1" smtClean="0"/>
+              <a:t>переиспользовать</a:t>
+            </a:r>
+            <a:r>
+              <a:rPr lang="ru-RU" sz="2400" dirty="0" smtClean="0"/>
+              <a:t> код</a:t>
+            </a:r>
+          </a:p>
+          <a:p>
+            <a:pPr marL="285750" indent="-285750">
+              <a:buFont typeface="Wingdings" charset="2"/>
+              <a:buChar char="§"/>
+            </a:pPr>
+            <a:r>
+              <a:rPr lang="ru-RU" sz="2400" dirty="0" smtClean="0"/>
+              <a:t>Делают программу более читаемой</a:t>
+            </a:r>
+            <a:endParaRPr lang="en-US" sz="2400" dirty="0"/>
+          </a:p>
+        </p:txBody>
+      </p:sp>
+      <p:sp>
+        <p:nvSpPr>
+          <p:cNvPr id="6" name="TextBox 5"/>
+          <p:cNvSpPr txBox="1"/>
+          <p:nvPr/>
+        </p:nvSpPr>
+        <p:spPr>
+          <a:xfrm>
+            <a:off x="5096897" y="2272834"/>
+            <a:ext cx="1633781" cy="523220"/>
+          </a:xfrm>
+          <a:prstGeom prst="rect">
+            <a:avLst/>
+          </a:prstGeom>
+          <a:noFill/>
+        </p:spPr>
+        <p:txBody>
+          <a:bodyPr wrap="none" rtlCol="0">
+            <a:spAutoFit/>
+          </a:bodyPr>
+          <a:lstStyle/>
+          <a:p>
+            <a:r>
+              <a:rPr lang="ru-RU" sz="2800" smtClean="0"/>
+              <a:t>Функции:</a:t>
+            </a:r>
+            <a:endParaRPr lang="en-US" sz="2800" dirty="0"/>
+          </a:p>
+        </p:txBody>
+      </p:sp>
+    </p:spTree>
+    <p:extLst>
+      <p:ext uri="{BB962C8B-B14F-4D97-AF65-F5344CB8AC3E}">
+        <p14:creationId xmlns:p14="http://schemas.microsoft.com/office/powerpoint/2010/main" val="13255090"/>
+      </p:ext>
+    </p:extLst>
+  </p:cSld>
+  <p:clrMapOvr>
+    <a:masterClrMapping/>
+  </p:clrMapOvr>
+  <p:timing>
+    <p:tnLst>
+      <p:par>
+        <p:cTn id="1" dur="indefinite" restart="never" nodeType="tmRoot">
+          <p:childTnLst>
+            <p:seq concurrent="1" nextAc="seek">
+              <p:cTn id="2" dur="indefinite" nodeType="mainSeq">
+                <p:childTnLst>
+                  <p:par>
+                    <p:cTn id="3" fill="hold">
+                      <p:stCondLst>
+                        <p:cond delay="indefinite"/>
+                      </p:stCondLst>
+                      <p:childTnLst>
+                        <p:par>
+                          <p:cTn id="4" fill="hold">
+                            <p:stCondLst>
+                              <p:cond delay="0"/>
+                            </p:stCondLst>
+                            <p:childTnLst>
+                              <p:par>
+                                <p:cTn id="5" presetID="10" presetClass="entr" presetSubtype="0" fill="hold" grpId="0" nodeType="clickEffect">
+                                  <p:stCondLst>
+                                    <p:cond delay="0"/>
+                                  </p:stCondLst>
+                                  <p:childTnLst>
+                                    <p:set>
+                                      <p:cBhvr>
+                                        <p:cTn id="6" dur="1" fill="hold">
+                                          <p:stCondLst>
+                                            <p:cond delay="0"/>
+                                          </p:stCondLst>
+                                        </p:cTn>
+                                        <p:tgtEl>
+                                          <p:spTgt spid="5">
+                                            <p:txEl>
+                                              <p:pRg st="0" end="0"/>
+                                            </p:txEl>
+                                          </p:spTgt>
+                                        </p:tgtEl>
+                                        <p:attrNameLst>
+                                          <p:attrName>style.visibility</p:attrName>
+                                        </p:attrNameLst>
+                                      </p:cBhvr>
+                                      <p:to>
+                                        <p:strVal val="visible"/>
+                                      </p:to>
+                                    </p:set>
+                                    <p:animEffect transition="in" filter="fade">
+                                      <p:cBhvr>
+                                        <p:cTn id="7" dur="500"/>
+                                        <p:tgtEl>
+                                          <p:spTgt spid="5">
+                                            <p:txEl>
+                                              <p:pRg st="0" end="0"/>
+                                            </p:txEl>
+                                          </p:spTgt>
+                                        </p:tgtEl>
+                                      </p:cBhvr>
+                                    </p:animEffect>
+                                  </p:childTnLst>
+                                </p:cTn>
+                              </p:par>
+                            </p:childTnLst>
+                          </p:cTn>
+                        </p:par>
+                      </p:childTnLst>
+                    </p:cTn>
+                  </p:par>
+                  <p:par>
+                    <p:cTn id="8" fill="hold">
+                      <p:stCondLst>
+                        <p:cond delay="indefinite"/>
+                      </p:stCondLst>
+                      <p:childTnLst>
+                        <p:par>
+                          <p:cTn id="9" fill="hold">
+                            <p:stCondLst>
+                              <p:cond delay="0"/>
+                            </p:stCondLst>
+                            <p:childTnLst>
+                              <p:par>
+                                <p:cTn id="10" presetID="10" presetClass="entr" presetSubtype="0" fill="hold" grpId="0" nodeType="clickEffect">
+                                  <p:stCondLst>
+                                    <p:cond delay="0"/>
+                                  </p:stCondLst>
+                                  <p:childTnLst>
+                                    <p:set>
+                                      <p:cBhvr>
+                                        <p:cTn id="11" dur="1" fill="hold">
+                                          <p:stCondLst>
+                                            <p:cond delay="0"/>
+                                          </p:stCondLst>
+                                        </p:cTn>
+                                        <p:tgtEl>
+                                          <p:spTgt spid="5">
+                                            <p:txEl>
+                                              <p:pRg st="1" end="1"/>
+                                            </p:txEl>
+                                          </p:spTgt>
+                                        </p:tgtEl>
+                                        <p:attrNameLst>
+                                          <p:attrName>style.visibility</p:attrName>
+                                        </p:attrNameLst>
+                                      </p:cBhvr>
+                                      <p:to>
+                                        <p:strVal val="visible"/>
+                                      </p:to>
+                                    </p:set>
+                                    <p:animEffect transition="in" filter="fade">
+                                      <p:cBhvr>
+                                        <p:cTn id="12" dur="500"/>
+                                        <p:tgtEl>
+                                          <p:spTgt spid="5">
+                                            <p:txEl>
+                                              <p:pRg st="1" end="1"/>
+                                            </p:txEl>
+                                          </p:spTgt>
+                                        </p:tgtEl>
+                                      </p:cBhvr>
+                                    </p:animEffect>
+                                  </p:childTnLst>
+                                </p:cTn>
+                              </p:par>
+                            </p:childTnLst>
+                          </p:cTn>
+                        </p:par>
+                      </p:childTnLst>
+                    </p:cTn>
+                  </p:par>
+                  <p:par>
+                    <p:cTn id="13" fill="hold">
+                      <p:stCondLst>
+                        <p:cond delay="indefinite"/>
+                      </p:stCondLst>
+                      <p:childTnLst>
+                        <p:par>
+                          <p:cTn id="14" fill="hold">
+                            <p:stCondLst>
+                              <p:cond delay="0"/>
+                            </p:stCondLst>
+                            <p:childTnLst>
+                              <p:par>
+                                <p:cTn id="15" presetID="10" presetClass="entr" presetSubtype="0" fill="hold" grpId="0" nodeType="clickEffect">
+                                  <p:stCondLst>
+                                    <p:cond delay="0"/>
+                                  </p:stCondLst>
+                                  <p:childTnLst>
+                                    <p:set>
+                                      <p:cBhvr>
+                                        <p:cTn id="16" dur="1" fill="hold">
+                                          <p:stCondLst>
+                                            <p:cond delay="0"/>
+                                          </p:stCondLst>
+                                        </p:cTn>
+                                        <p:tgtEl>
+                                          <p:spTgt spid="5">
+                                            <p:txEl>
+                                              <p:pRg st="2" end="2"/>
+                                            </p:txEl>
+                                          </p:spTgt>
+                                        </p:tgtEl>
+                                        <p:attrNameLst>
+                                          <p:attrName>style.visibility</p:attrName>
+                                        </p:attrNameLst>
+                                      </p:cBhvr>
+                                      <p:to>
+                                        <p:strVal val="visible"/>
+                                      </p:to>
+                                    </p:set>
+                                    <p:animEffect transition="in" filter="fade">
+                                      <p:cBhvr>
+                                        <p:cTn id="17" dur="500"/>
+                                        <p:tgtEl>
+                                          <p:spTgt spid="5">
+                                            <p:txEl>
+                                              <p:pRg st="2" end="2"/>
+                                            </p:txEl>
+                                          </p:spTgt>
+                                        </p:tgtEl>
+                                      </p:cBhvr>
+                                    </p:animEffect>
+                                  </p:childTnLst>
+                                </p:cTn>
+                              </p:par>
+                            </p:childTnLst>
+                          </p:cTn>
+                        </p:par>
+                      </p:childTnLst>
+                    </p:cTn>
+                  </p:par>
+                </p:childTnLst>
+              </p:cTn>
+              <p:prevCondLst>
+                <p:cond evt="onPrev" delay="0">
+                  <p:tgtEl>
+                    <p:sldTgt/>
+                  </p:tgtEl>
+                </p:cond>
+              </p:prevCondLst>
+              <p:nextCondLst>
+                <p:cond evt="onNext" delay="0">
+                  <p:tgtEl>
+                    <p:sldTgt/>
+                  </p:tgtEl>
+                </p:cond>
+              </p:nextCondLst>
+            </p:seq>
+          </p:childTnLst>
+        </p:cTn>
+      </p:par>
+    </p:tnLst>
+    <p:bldLst>
+      <p:bldP spid="5" grpId="0" build="p"/>
+    </p:bldLst>
+  </p:timing>
+</p:sld>
+</file>
+
+<file path=ppt/slides/slide17.xml><?xml version="1.0" encoding="utf-8"?>
+<p:sld xmlns:a="http://schemas.openxmlformats.org/drawingml/2006/main" xmlns:r="http://schemas.openxmlformats.org/officeDocument/2006/relationships" xmlns:p="http://schemas.openxmlformats.org/presentationml/2006/main">
+  <p:cSld>
+    <p:spTree>
+      <p:nvGrpSpPr>
+        <p:cNvPr id="1" name=""/>
+        <p:cNvGrpSpPr/>
+        <p:nvPr/>
+      </p:nvGrpSpPr>
+      <p:grpSpPr>
+        <a:xfrm>
+          <a:off x="0" y="0"/>
+          <a:ext cx="0" cy="0"/>
+          <a:chOff x="0" y="0"/>
+          <a:chExt cx="0" cy="0"/>
+        </a:xfrm>
+      </p:grpSpPr>
+      <p:sp>
+        <p:nvSpPr>
+          <p:cNvPr id="2" name="Title 1"/>
+          <p:cNvSpPr>
+            <a:spLocks noGrp="1"/>
+          </p:cNvSpPr>
+          <p:nvPr>
+            <p:ph type="title"/>
+          </p:nvPr>
+        </p:nvSpPr>
+        <p:spPr/>
+        <p:txBody>
+          <a:bodyPr>
+            <a:normAutofit/>
+          </a:bodyPr>
+          <a:lstStyle/>
+          <a:p>
+            <a:r>
+              <a:rPr lang="ru-RU" dirty="0" smtClean="0"/>
+              <a:t>Функции</a:t>
+            </a:r>
+            <a:br>
+              <a:rPr lang="ru-RU" dirty="0" smtClean="0"/>
+            </a:br>
+            <a:r>
+              <a:rPr lang="ru-RU" dirty="0" smtClean="0"/>
+              <a:t>------------------------------------------------------------</a:t>
+            </a:r>
+            <a:endParaRPr lang="en-US" dirty="0"/>
+          </a:p>
+        </p:txBody>
+      </p:sp>
+      <p:sp>
+        <p:nvSpPr>
+          <p:cNvPr id="23" name="Content Placeholder 2"/>
+          <p:cNvSpPr txBox="1">
+            <a:spLocks/>
+          </p:cNvSpPr>
+          <p:nvPr/>
+        </p:nvSpPr>
+        <p:spPr>
+          <a:xfrm>
+            <a:off x="838200" y="1825625"/>
+            <a:ext cx="10515600" cy="4351338"/>
+          </a:xfrm>
+          <a:prstGeom prst="rect">
+            <a:avLst/>
+          </a:prstGeom>
+        </p:spPr>
+        <p:txBody>
+          <a:bodyPr vert="horz" lIns="91440" tIns="45720" rIns="91440" bIns="45720" rtlCol="0" anchor="ctr">
+            <a:normAutofit/>
+          </a:bodyPr>
+          <a:lstStyle>
+            <a:lvl1pPr marL="228600" indent="-228600" algn="l" defTabSz="914400" rtl="0" eaLnBrk="1" latinLnBrk="0" hangingPunct="1">
+              <a:lnSpc>
+                <a:spcPct val="90000"/>
+              </a:lnSpc>
+              <a:spcBef>
+                <a:spcPts val="1000"/>
+              </a:spcBef>
+              <a:buFont typeface="Arial"/>
+              <a:buChar char="•"/>
+              <a:defRPr sz="2800" kern="1200">
+                <a:solidFill>
+                  <a:schemeClr val="tx1"/>
+                </a:solidFill>
+                <a:latin typeface="+mn-lt"/>
+                <a:ea typeface="+mn-ea"/>
+                <a:cs typeface="+mn-cs"/>
+              </a:defRPr>
+            </a:lvl1pPr>
+            <a:lvl2pPr marL="685800" indent="-228600" algn="l" defTabSz="914400" rtl="0" eaLnBrk="1" latinLnBrk="0" hangingPunct="1">
+              <a:lnSpc>
+                <a:spcPct val="90000"/>
+              </a:lnSpc>
+              <a:spcBef>
+                <a:spcPts val="500"/>
+              </a:spcBef>
+              <a:buFont typeface="Arial"/>
+              <a:buChar char="•"/>
+              <a:defRPr sz="2400" kern="1200">
+                <a:solidFill>
+                  <a:schemeClr val="tx1"/>
+                </a:solidFill>
+                <a:latin typeface="+mn-lt"/>
+                <a:ea typeface="+mn-ea"/>
+                <a:cs typeface="+mn-cs"/>
+              </a:defRPr>
+            </a:lvl2pPr>
+            <a:lvl3pPr marL="1143000" indent="-228600" algn="l" defTabSz="914400" rtl="0" eaLnBrk="1" latinLnBrk="0" hangingPunct="1">
+              <a:lnSpc>
+                <a:spcPct val="90000"/>
+              </a:lnSpc>
+              <a:spcBef>
+                <a:spcPts val="500"/>
+              </a:spcBef>
+              <a:buFont typeface="Arial"/>
+              <a:buChar char="•"/>
+              <a:defRPr sz="2000" kern="1200">
+                <a:solidFill>
+                  <a:schemeClr val="tx1"/>
+                </a:solidFill>
+                <a:latin typeface="+mn-lt"/>
+                <a:ea typeface="+mn-ea"/>
+                <a:cs typeface="+mn-cs"/>
+              </a:defRPr>
+            </a:lvl3pPr>
+            <a:lvl4pPr marL="1600200" indent="-228600" algn="l" defTabSz="914400" rtl="0" eaLnBrk="1" latinLnBrk="0" hangingPunct="1">
+              <a:lnSpc>
+                <a:spcPct val="90000"/>
+              </a:lnSpc>
+              <a:spcBef>
+                <a:spcPts val="500"/>
+              </a:spcBef>
+              <a:buFont typeface="Arial"/>
+              <a:buChar char="•"/>
+              <a:defRPr sz="1800" kern="1200">
+                <a:solidFill>
+                  <a:schemeClr val="tx1"/>
+                </a:solidFill>
+                <a:latin typeface="+mn-lt"/>
+                <a:ea typeface="+mn-ea"/>
+                <a:cs typeface="+mn-cs"/>
+              </a:defRPr>
+            </a:lvl4pPr>
+            <a:lvl5pPr marL="2057400" indent="-228600" algn="l" defTabSz="914400" rtl="0" eaLnBrk="1" latinLnBrk="0" hangingPunct="1">
+              <a:lnSpc>
+                <a:spcPct val="90000"/>
+              </a:lnSpc>
+              <a:spcBef>
+                <a:spcPts val="500"/>
+              </a:spcBef>
+              <a:buFont typeface="Arial"/>
+              <a:buChar char="•"/>
+              <a:defRPr sz="1800" kern="1200">
+                <a:solidFill>
+                  <a:schemeClr val="tx1"/>
+                </a:solidFill>
+                <a:latin typeface="+mn-lt"/>
+                <a:ea typeface="+mn-ea"/>
+                <a:cs typeface="+mn-cs"/>
+              </a:defRPr>
+            </a:lvl5pPr>
+            <a:lvl6pPr marL="2514600" indent="-228600" algn="l" defTabSz="914400" rtl="0" eaLnBrk="1" latinLnBrk="0" hangingPunct="1">
+              <a:lnSpc>
+                <a:spcPct val="90000"/>
+              </a:lnSpc>
+              <a:spcBef>
+                <a:spcPts val="500"/>
+              </a:spcBef>
+              <a:buFont typeface="Arial"/>
+              <a:buChar char="•"/>
+              <a:defRPr sz="1800" kern="1200">
+                <a:solidFill>
+                  <a:schemeClr val="tx1"/>
+                </a:solidFill>
+                <a:latin typeface="+mn-lt"/>
+                <a:ea typeface="+mn-ea"/>
+                <a:cs typeface="+mn-cs"/>
+              </a:defRPr>
+            </a:lvl6pPr>
+            <a:lvl7pPr marL="2971800" indent="-228600" algn="l" defTabSz="914400" rtl="0" eaLnBrk="1" latinLnBrk="0" hangingPunct="1">
+              <a:lnSpc>
+                <a:spcPct val="90000"/>
+              </a:lnSpc>
+              <a:spcBef>
+                <a:spcPts val="500"/>
+              </a:spcBef>
+              <a:buFont typeface="Arial"/>
+              <a:buChar char="•"/>
+              <a:defRPr sz="1800" kern="1200">
+                <a:solidFill>
+                  <a:schemeClr val="tx1"/>
+                </a:solidFill>
+                <a:latin typeface="+mn-lt"/>
+                <a:ea typeface="+mn-ea"/>
+                <a:cs typeface="+mn-cs"/>
+              </a:defRPr>
+            </a:lvl7pPr>
+            <a:lvl8pPr marL="3429000" indent="-228600" algn="l" defTabSz="914400" rtl="0" eaLnBrk="1" latinLnBrk="0" hangingPunct="1">
+              <a:lnSpc>
+                <a:spcPct val="90000"/>
+              </a:lnSpc>
+              <a:spcBef>
+                <a:spcPts val="500"/>
+              </a:spcBef>
+              <a:buFont typeface="Arial"/>
+              <a:buChar char="•"/>
+              <a:defRPr sz="1800" kern="1200">
+                <a:solidFill>
+                  <a:schemeClr val="tx1"/>
+                </a:solidFill>
+                <a:latin typeface="+mn-lt"/>
+                <a:ea typeface="+mn-ea"/>
+                <a:cs typeface="+mn-cs"/>
+              </a:defRPr>
+            </a:lvl8pPr>
+            <a:lvl9pPr marL="3886200" indent="-228600" algn="l" defTabSz="914400" rtl="0" eaLnBrk="1" latinLnBrk="0" hangingPunct="1">
+              <a:lnSpc>
+                <a:spcPct val="90000"/>
+              </a:lnSpc>
+              <a:spcBef>
+                <a:spcPts val="500"/>
+              </a:spcBef>
+              <a:buFont typeface="Arial"/>
+              <a:buChar char="•"/>
+              <a:defRPr sz="1800" kern="1200">
+                <a:solidFill>
+                  <a:schemeClr val="tx1"/>
+                </a:solidFill>
+                <a:latin typeface="+mn-lt"/>
+                <a:ea typeface="+mn-ea"/>
+                <a:cs typeface="+mn-cs"/>
+              </a:defRPr>
+            </a:lvl9pPr>
+          </a:lstStyle>
+          <a:p>
+            <a:pPr marL="0" indent="0" algn="ctr">
+              <a:buFont typeface="Arial"/>
+              <a:buNone/>
+            </a:pPr>
+            <a:r>
+              <a:rPr lang="ru-RU" sz="5400" dirty="0" err="1" smtClean="0"/>
+              <a:t>Демо</a:t>
+            </a:r>
+            <a:endParaRPr lang="en-US" dirty="0"/>
+          </a:p>
+        </p:txBody>
+      </p:sp>
+      <p:sp>
+        <p:nvSpPr>
+          <p:cNvPr id="24" name="TextBox 23"/>
+          <p:cNvSpPr txBox="1"/>
+          <p:nvPr/>
+        </p:nvSpPr>
+        <p:spPr>
+          <a:xfrm>
+            <a:off x="5154075" y="6365875"/>
+            <a:ext cx="2053767" cy="430887"/>
+          </a:xfrm>
+          <a:prstGeom prst="rect">
+            <a:avLst/>
+          </a:prstGeom>
+          <a:noFill/>
+        </p:spPr>
+        <p:txBody>
+          <a:bodyPr wrap="none" rtlCol="0">
+            <a:spAutoFit/>
+          </a:bodyPr>
+          <a:lstStyle/>
+          <a:p>
+            <a:r>
+              <a:rPr lang="en-US" sz="1100" dirty="0" smtClean="0">
+                <a:solidFill>
+                  <a:schemeClr val="accent2">
+                    <a:lumMod val="75000"/>
+                  </a:schemeClr>
+                </a:solidFill>
+                <a:latin typeface="Lucida Console" charset="0"/>
+                <a:ea typeface="Lucida Console" charset="0"/>
+                <a:cs typeface="Lucida Console" charset="0"/>
+              </a:rPr>
+              <a:t>Files:</a:t>
+            </a:r>
+            <a:r>
+              <a:rPr lang="ru-RU" sz="1100" dirty="0" smtClean="0">
+                <a:solidFill>
+                  <a:schemeClr val="accent2">
+                    <a:lumMod val="75000"/>
+                  </a:schemeClr>
+                </a:solidFill>
+                <a:latin typeface="Lucida Console" charset="0"/>
+                <a:ea typeface="Lucida Console" charset="0"/>
+                <a:cs typeface="Lucida Console" charset="0"/>
+              </a:rPr>
+              <a:t> </a:t>
+            </a:r>
+            <a:r>
+              <a:rPr lang="en-US" sz="1100" dirty="0" err="1" smtClean="0">
+                <a:solidFill>
+                  <a:schemeClr val="accent2">
+                    <a:lumMod val="75000"/>
+                  </a:schemeClr>
+                </a:solidFill>
+                <a:latin typeface="Lucida Console" charset="0"/>
+                <a:ea typeface="Lucida Console" charset="0"/>
+                <a:cs typeface="Lucida Console" charset="0"/>
+              </a:rPr>
+              <a:t>with_function.c</a:t>
+            </a:r>
+            <a:endParaRPr lang="en-US" sz="1100" dirty="0" smtClean="0">
+              <a:solidFill>
+                <a:schemeClr val="accent2">
+                  <a:lumMod val="75000"/>
+                </a:schemeClr>
+              </a:solidFill>
+              <a:latin typeface="Lucida Console" charset="0"/>
+              <a:ea typeface="Lucida Console" charset="0"/>
+              <a:cs typeface="Lucida Console" charset="0"/>
+            </a:endParaRPr>
+          </a:p>
+          <a:p>
+            <a:r>
+              <a:rPr lang="en-US" sz="1100" dirty="0" smtClean="0">
+                <a:solidFill>
+                  <a:schemeClr val="accent2">
+                    <a:lumMod val="75000"/>
+                  </a:schemeClr>
+                </a:solidFill>
+                <a:latin typeface="Lucida Console" charset="0"/>
+                <a:ea typeface="Lucida Console" charset="0"/>
+                <a:cs typeface="Lucida Console" charset="0"/>
+              </a:rPr>
+              <a:t>              </a:t>
+            </a:r>
+            <a:endParaRPr lang="en-US" sz="1100" dirty="0">
+              <a:solidFill>
+                <a:schemeClr val="accent2">
+                  <a:lumMod val="75000"/>
+                </a:schemeClr>
+              </a:solidFill>
+              <a:latin typeface="Lucida Console" charset="0"/>
+              <a:ea typeface="Lucida Console" charset="0"/>
+              <a:cs typeface="Lucida Console" charset="0"/>
+            </a:endParaRPr>
+          </a:p>
+        </p:txBody>
+      </p:sp>
+    </p:spTree>
+    <p:extLst>
+      <p:ext uri="{BB962C8B-B14F-4D97-AF65-F5344CB8AC3E}">
+        <p14:creationId xmlns:p14="http://schemas.microsoft.com/office/powerpoint/2010/main" val="1075842457"/>
+      </p:ext>
+    </p:extLst>
+  </p:cSld>
+  <p:clrMapOvr>
+    <a:masterClrMapping/>
+  </p:clrMapOvr>
+  <p:timing>
+    <p:tnLst>
+      <p:par>
+        <p:cTn id="1" dur="indefinite" restart="never" nodeType="tmRoot"/>
+      </p:par>
+    </p:tnLst>
+  </p:timing>
+</p:sld>
+</file>
+
+<file path=ppt/slides/slide18.xml><?xml version="1.0" encoding="utf-8"?>
+<p:sld xmlns:a="http://schemas.openxmlformats.org/drawingml/2006/main" xmlns:r="http://schemas.openxmlformats.org/officeDocument/2006/relationships" xmlns:p="http://schemas.openxmlformats.org/presentationml/2006/main">
+  <p:cSld>
+    <p:spTree>
+      <p:nvGrpSpPr>
+        <p:cNvPr id="1" name=""/>
+        <p:cNvGrpSpPr/>
+        <p:nvPr/>
+      </p:nvGrpSpPr>
+      <p:grpSpPr>
+        <a:xfrm>
+          <a:off x="0" y="0"/>
+          <a:ext cx="0" cy="0"/>
+          <a:chOff x="0" y="0"/>
+          <a:chExt cx="0" cy="0"/>
+        </a:xfrm>
+      </p:grpSpPr>
+      <p:sp>
+        <p:nvSpPr>
+          <p:cNvPr id="2" name="Title 1"/>
+          <p:cNvSpPr>
+            <a:spLocks noGrp="1"/>
+          </p:cNvSpPr>
+          <p:nvPr>
+            <p:ph type="title"/>
+          </p:nvPr>
+        </p:nvSpPr>
+        <p:spPr/>
+        <p:txBody>
+          <a:bodyPr>
+            <a:normAutofit/>
+          </a:bodyPr>
+          <a:lstStyle/>
+          <a:p>
+            <a:r>
+              <a:rPr lang="ru-RU" dirty="0" smtClean="0"/>
+              <a:t>Функции</a:t>
+            </a:r>
+            <a:r>
+              <a:rPr lang="en-US" dirty="0" smtClean="0"/>
+              <a:t>::</a:t>
+            </a:r>
+            <a:r>
+              <a:rPr lang="ru-RU" dirty="0" smtClean="0"/>
+              <a:t>аргументы</a:t>
+            </a:r>
+            <a:r>
+              <a:rPr lang="ru-RU" dirty="0" smtClean="0"/>
+              <a:t/>
+            </a:r>
+            <a:br>
+              <a:rPr lang="ru-RU" dirty="0" smtClean="0"/>
+            </a:br>
+            <a:r>
+              <a:rPr lang="ru-RU" dirty="0" smtClean="0"/>
+              <a:t>------------------------------------------------------------</a:t>
+            </a:r>
+            <a:endParaRPr lang="en-US" dirty="0"/>
+          </a:p>
+        </p:txBody>
+      </p:sp>
+      <p:sp>
+        <p:nvSpPr>
+          <p:cNvPr id="4" name="TextBox 3"/>
+          <p:cNvSpPr txBox="1"/>
+          <p:nvPr/>
+        </p:nvSpPr>
+        <p:spPr>
+          <a:xfrm>
+            <a:off x="2972099" y="2005846"/>
+            <a:ext cx="6247801" cy="369332"/>
+          </a:xfrm>
+          <a:prstGeom prst="rect">
+            <a:avLst/>
+          </a:prstGeom>
+          <a:noFill/>
+        </p:spPr>
+        <p:txBody>
+          <a:bodyPr wrap="none" rtlCol="0">
+            <a:spAutoFit/>
+          </a:bodyPr>
+          <a:lstStyle/>
+          <a:p>
+            <a:r>
+              <a:rPr lang="ru-RU" dirty="0" smtClean="0"/>
+              <a:t>При передачи аргументов значения копируются по значению</a:t>
+            </a:r>
+            <a:endParaRPr lang="en-US" dirty="0"/>
+          </a:p>
+        </p:txBody>
+      </p:sp>
+      <p:sp>
+        <p:nvSpPr>
+          <p:cNvPr id="7" name="TextBox 6"/>
+          <p:cNvSpPr txBox="1"/>
+          <p:nvPr/>
+        </p:nvSpPr>
+        <p:spPr>
+          <a:xfrm>
+            <a:off x="4748992" y="3149600"/>
+            <a:ext cx="3278462" cy="2308324"/>
+          </a:xfrm>
+          <a:prstGeom prst="rect">
+            <a:avLst/>
+          </a:prstGeom>
+          <a:noFill/>
+        </p:spPr>
+        <p:txBody>
+          <a:bodyPr wrap="none" rtlCol="0">
+            <a:spAutoFit/>
+          </a:bodyPr>
+          <a:lstStyle/>
+          <a:p>
+            <a:r>
+              <a:rPr lang="en-US" dirty="0" smtClean="0">
+                <a:solidFill>
+                  <a:schemeClr val="accent2">
+                    <a:lumMod val="75000"/>
+                  </a:schemeClr>
+                </a:solidFill>
+                <a:latin typeface="Lucida Console" charset="0"/>
+                <a:ea typeface="Lucida Console" charset="0"/>
+                <a:cs typeface="Lucida Console" charset="0"/>
+              </a:rPr>
+              <a:t>void</a:t>
+            </a:r>
+            <a:r>
+              <a:rPr lang="en-US" dirty="0" smtClean="0">
+                <a:latin typeface="Lucida Console" charset="0"/>
+                <a:ea typeface="Lucida Console" charset="0"/>
+                <a:cs typeface="Lucida Console" charset="0"/>
+              </a:rPr>
+              <a:t> increment(</a:t>
+            </a:r>
+            <a:r>
+              <a:rPr lang="en-US" dirty="0" err="1" smtClean="0">
+                <a:solidFill>
+                  <a:schemeClr val="accent2">
+                    <a:lumMod val="75000"/>
+                  </a:schemeClr>
+                </a:solidFill>
+                <a:latin typeface="Lucida Console" charset="0"/>
+                <a:ea typeface="Lucida Console" charset="0"/>
+                <a:cs typeface="Lucida Console" charset="0"/>
+              </a:rPr>
+              <a:t>int</a:t>
+            </a:r>
+            <a:r>
+              <a:rPr lang="en-US" dirty="0" smtClean="0">
+                <a:latin typeface="Lucida Console" charset="0"/>
+                <a:ea typeface="Lucida Console" charset="0"/>
+                <a:cs typeface="Lucida Console" charset="0"/>
+              </a:rPr>
+              <a:t> a) </a:t>
+            </a:r>
+          </a:p>
+          <a:p>
+            <a:r>
+              <a:rPr lang="en-US" dirty="0" smtClean="0">
+                <a:latin typeface="Lucida Console" charset="0"/>
+                <a:ea typeface="Lucida Console" charset="0"/>
+                <a:cs typeface="Lucida Console" charset="0"/>
+              </a:rPr>
+              <a:t>{</a:t>
+            </a:r>
+          </a:p>
+          <a:p>
+            <a:r>
+              <a:rPr lang="en-US" dirty="0">
+                <a:latin typeface="Lucida Console" charset="0"/>
+                <a:ea typeface="Lucida Console" charset="0"/>
+                <a:cs typeface="Lucida Console" charset="0"/>
+              </a:rPr>
+              <a:t> </a:t>
+            </a:r>
+            <a:r>
+              <a:rPr lang="en-US" dirty="0" smtClean="0">
+                <a:latin typeface="Lucida Console" charset="0"/>
+                <a:ea typeface="Lucida Console" charset="0"/>
+                <a:cs typeface="Lucida Console" charset="0"/>
+              </a:rPr>
+              <a:t>   a++;</a:t>
+            </a:r>
+          </a:p>
+          <a:p>
+            <a:r>
+              <a:rPr lang="en-US" dirty="0">
+                <a:latin typeface="Lucida Console" charset="0"/>
+                <a:ea typeface="Lucida Console" charset="0"/>
+                <a:cs typeface="Lucida Console" charset="0"/>
+              </a:rPr>
+              <a:t>}</a:t>
+            </a:r>
+            <a:r>
+              <a:rPr lang="en-US" dirty="0" smtClean="0">
+                <a:latin typeface="Lucida Console" charset="0"/>
+                <a:ea typeface="Lucida Console" charset="0"/>
+                <a:cs typeface="Lucida Console" charset="0"/>
+              </a:rPr>
+              <a:t> </a:t>
+            </a:r>
+          </a:p>
+          <a:p>
+            <a:r>
+              <a:rPr lang="en-US" dirty="0" smtClean="0">
+                <a:latin typeface="Lucida Console" charset="0"/>
+                <a:ea typeface="Lucida Console" charset="0"/>
+                <a:cs typeface="Lucida Console" charset="0"/>
+              </a:rPr>
+              <a:t>. . . </a:t>
+            </a:r>
+          </a:p>
+          <a:p>
+            <a:r>
+              <a:rPr lang="en-US" dirty="0" err="1" smtClean="0">
+                <a:solidFill>
+                  <a:schemeClr val="accent2">
+                    <a:lumMod val="75000"/>
+                  </a:schemeClr>
+                </a:solidFill>
+                <a:latin typeface="Lucida Console" charset="0"/>
+                <a:ea typeface="Lucida Console" charset="0"/>
+                <a:cs typeface="Lucida Console" charset="0"/>
+              </a:rPr>
+              <a:t>int</a:t>
+            </a:r>
+            <a:r>
+              <a:rPr lang="en-US" dirty="0" smtClean="0">
+                <a:solidFill>
+                  <a:schemeClr val="accent2">
+                    <a:lumMod val="75000"/>
+                  </a:schemeClr>
+                </a:solidFill>
+                <a:latin typeface="Lucida Console" charset="0"/>
+                <a:ea typeface="Lucida Console" charset="0"/>
+                <a:cs typeface="Lucida Console" charset="0"/>
+              </a:rPr>
+              <a:t> </a:t>
+            </a:r>
+            <a:r>
+              <a:rPr lang="en-US" dirty="0" err="1" smtClean="0">
+                <a:latin typeface="Lucida Console" charset="0"/>
+                <a:ea typeface="Lucida Console" charset="0"/>
+                <a:cs typeface="Lucida Console" charset="0"/>
+              </a:rPr>
+              <a:t>var</a:t>
+            </a:r>
+            <a:r>
+              <a:rPr lang="en-US" dirty="0" smtClean="0">
+                <a:latin typeface="Lucida Console" charset="0"/>
+                <a:ea typeface="Lucida Console" charset="0"/>
+                <a:cs typeface="Lucida Console" charset="0"/>
+              </a:rPr>
+              <a:t> = 10;</a:t>
+            </a:r>
+          </a:p>
+          <a:p>
+            <a:r>
+              <a:rPr lang="en-US" dirty="0">
+                <a:latin typeface="Lucida Console" charset="0"/>
+                <a:ea typeface="Lucida Console" charset="0"/>
+                <a:cs typeface="Lucida Console" charset="0"/>
+              </a:rPr>
+              <a:t>i</a:t>
+            </a:r>
+            <a:r>
+              <a:rPr lang="en-US" dirty="0" smtClean="0">
+                <a:latin typeface="Lucida Console" charset="0"/>
+                <a:ea typeface="Lucida Console" charset="0"/>
+                <a:cs typeface="Lucida Console" charset="0"/>
+              </a:rPr>
+              <a:t>ncrement(</a:t>
+            </a:r>
+            <a:r>
+              <a:rPr lang="en-US" dirty="0" err="1" smtClean="0">
+                <a:latin typeface="Lucida Console" charset="0"/>
+                <a:ea typeface="Lucida Console" charset="0"/>
+                <a:cs typeface="Lucida Console" charset="0"/>
+              </a:rPr>
+              <a:t>var</a:t>
+            </a:r>
+            <a:r>
+              <a:rPr lang="en-US" dirty="0" smtClean="0">
+                <a:latin typeface="Lucida Console" charset="0"/>
+                <a:ea typeface="Lucida Console" charset="0"/>
+                <a:cs typeface="Lucida Console" charset="0"/>
+              </a:rPr>
+              <a:t>);</a:t>
+            </a:r>
+            <a:endParaRPr lang="ru-RU" dirty="0" smtClean="0">
+              <a:latin typeface="Lucida Console" charset="0"/>
+              <a:ea typeface="Lucida Console" charset="0"/>
+              <a:cs typeface="Lucida Console" charset="0"/>
+            </a:endParaRPr>
+          </a:p>
+          <a:p>
+            <a:r>
+              <a:rPr lang="ru-RU" dirty="0" smtClean="0">
+                <a:latin typeface="Lucida Console" charset="0"/>
+                <a:ea typeface="Lucida Console" charset="0"/>
+                <a:cs typeface="Lucida Console" charset="0"/>
+              </a:rPr>
+              <a:t>// </a:t>
+            </a:r>
+            <a:r>
+              <a:rPr lang="en-US" dirty="0" err="1" smtClean="0">
+                <a:latin typeface="Lucida Console" charset="0"/>
+                <a:ea typeface="Lucida Console" charset="0"/>
+                <a:cs typeface="Lucida Console" charset="0"/>
+              </a:rPr>
+              <a:t>var</a:t>
+            </a:r>
+            <a:r>
+              <a:rPr lang="en-US" dirty="0" smtClean="0">
+                <a:latin typeface="Lucida Console" charset="0"/>
+                <a:ea typeface="Lucida Console" charset="0"/>
+                <a:cs typeface="Lucida Console" charset="0"/>
+              </a:rPr>
+              <a:t> == 10</a:t>
+            </a:r>
+            <a:endParaRPr lang="en-US" dirty="0">
+              <a:latin typeface="Lucida Console" charset="0"/>
+              <a:ea typeface="Lucida Console" charset="0"/>
+              <a:cs typeface="Lucida Console" charset="0"/>
+            </a:endParaRPr>
+          </a:p>
+        </p:txBody>
+      </p:sp>
+      <p:sp>
+        <p:nvSpPr>
+          <p:cNvPr id="8" name="TextBox 7"/>
+          <p:cNvSpPr txBox="1"/>
+          <p:nvPr/>
+        </p:nvSpPr>
+        <p:spPr>
+          <a:xfrm>
+            <a:off x="3780457" y="2780268"/>
+            <a:ext cx="968535" cy="369332"/>
+          </a:xfrm>
+          <a:prstGeom prst="rect">
+            <a:avLst/>
+          </a:prstGeom>
+          <a:noFill/>
+        </p:spPr>
+        <p:txBody>
+          <a:bodyPr wrap="none" rtlCol="0">
+            <a:spAutoFit/>
+          </a:bodyPr>
+          <a:lstStyle/>
+          <a:p>
+            <a:r>
+              <a:rPr lang="ru-RU" i="1" dirty="0" smtClean="0"/>
+              <a:t>Пример</a:t>
+            </a:r>
+            <a:endParaRPr lang="en-US" i="1" dirty="0"/>
+          </a:p>
+        </p:txBody>
+      </p:sp>
+    </p:spTree>
+    <p:extLst>
+      <p:ext uri="{BB962C8B-B14F-4D97-AF65-F5344CB8AC3E}">
+        <p14:creationId xmlns:p14="http://schemas.microsoft.com/office/powerpoint/2010/main" val="1113833502"/>
+      </p:ext>
+    </p:extLst>
+  </p:cSld>
+  <p:clrMapOvr>
+    <a:masterClrMapping/>
+  </p:clrMapOvr>
+  <p:timing>
+    <p:tnLst>
+      <p:par>
+        <p:cTn id="1" dur="indefinite" restart="never" nodeType="tmRoot">
+          <p:childTnLst>
+            <p:seq concurrent="1" nextAc="seek">
+              <p:cTn id="2" dur="indefinite" nodeType="mainSeq">
+                <p:childTnLst>
+                  <p:par>
+                    <p:cTn id="3" fill="hold">
+                      <p:stCondLst>
+                        <p:cond delay="indefinite"/>
+                      </p:stCondLst>
+                      <p:childTnLst>
+                        <p:par>
+                          <p:cTn id="4" fill="hold">
+                            <p:stCondLst>
+                              <p:cond delay="0"/>
+                            </p:stCondLst>
+                            <p:childTnLst>
+                              <p:par>
+                                <p:cTn id="5" presetID="10" presetClass="entr" presetSubtype="0" fill="hold" grpId="0" nodeType="clickEffect">
+                                  <p:stCondLst>
+                                    <p:cond delay="0"/>
+                                  </p:stCondLst>
+                                  <p:childTnLst>
+                                    <p:set>
+                                      <p:cBhvr>
+                                        <p:cTn id="6" dur="1" fill="hold">
+                                          <p:stCondLst>
+                                            <p:cond delay="0"/>
+                                          </p:stCondLst>
+                                        </p:cTn>
+                                        <p:tgtEl>
+                                          <p:spTgt spid="7"/>
+                                        </p:tgtEl>
+                                        <p:attrNameLst>
+                                          <p:attrName>style.visibility</p:attrName>
+                                        </p:attrNameLst>
+                                      </p:cBhvr>
+                                      <p:to>
+                                        <p:strVal val="visible"/>
+                                      </p:to>
+                                    </p:set>
+                                    <p:animEffect transition="in" filter="fade">
+                                      <p:cBhvr>
+                                        <p:cTn id="7" dur="500"/>
+                                        <p:tgtEl>
+                                          <p:spTgt spid="7"/>
+                                        </p:tgtEl>
+                                      </p:cBhvr>
+                                    </p:animEffect>
+                                  </p:childTnLst>
+                                </p:cTn>
+                              </p:par>
+                              <p:par>
+                                <p:cTn id="8" presetID="10" presetClass="entr" presetSubtype="0" fill="hold" grpId="0" nodeType="withEffect">
+                                  <p:stCondLst>
+                                    <p:cond delay="0"/>
+                                  </p:stCondLst>
+                                  <p:childTnLst>
+                                    <p:set>
+                                      <p:cBhvr>
+                                        <p:cTn id="9" dur="1" fill="hold">
+                                          <p:stCondLst>
+                                            <p:cond delay="0"/>
+                                          </p:stCondLst>
+                                        </p:cTn>
+                                        <p:tgtEl>
+                                          <p:spTgt spid="8"/>
+                                        </p:tgtEl>
+                                        <p:attrNameLst>
+                                          <p:attrName>style.visibility</p:attrName>
+                                        </p:attrNameLst>
+                                      </p:cBhvr>
+                                      <p:to>
+                                        <p:strVal val="visible"/>
+                                      </p:to>
+                                    </p:set>
+                                    <p:animEffect transition="in" filter="fade">
+                                      <p:cBhvr>
+                                        <p:cTn id="10" dur="500"/>
+                                        <p:tgtEl>
+                                          <p:spTgt spid="8"/>
+                                        </p:tgtEl>
+                                      </p:cBhvr>
+                                    </p:animEffect>
+                                  </p:childTnLst>
+                                </p:cTn>
+                              </p:par>
+                            </p:childTnLst>
+                          </p:cTn>
+                        </p:par>
+                      </p:childTnLst>
+                    </p:cTn>
+                  </p:par>
+                </p:childTnLst>
+              </p:cTn>
+              <p:prevCondLst>
+                <p:cond evt="onPrev" delay="0">
+                  <p:tgtEl>
+                    <p:sldTgt/>
+                  </p:tgtEl>
+                </p:cond>
+              </p:prevCondLst>
+              <p:nextCondLst>
+                <p:cond evt="onNext" delay="0">
+                  <p:tgtEl>
+                    <p:sldTgt/>
+                  </p:tgtEl>
+                </p:cond>
+              </p:nextCondLst>
+            </p:seq>
+          </p:childTnLst>
+        </p:cTn>
+      </p:par>
+    </p:tnLst>
+    <p:bldLst>
+      <p:bldP spid="7" grpId="0"/>
+      <p:bldP spid="8" grpId="0"/>
+    </p:bldLst>
+  </p:timing>
+</p:sld>
+</file>
+
+<file path=ppt/slides/slide19.xml><?xml version="1.0" encoding="utf-8"?>
+<p:sld xmlns:a="http://schemas.openxmlformats.org/drawingml/2006/main" xmlns:r="http://schemas.openxmlformats.org/officeDocument/2006/relationships" xmlns:p="http://schemas.openxmlformats.org/presentationml/2006/main">
+  <p:cSld>
+    <p:spTree>
+      <p:nvGrpSpPr>
+        <p:cNvPr id="1" name=""/>
+        <p:cNvGrpSpPr/>
+        <p:nvPr/>
+      </p:nvGrpSpPr>
+      <p:grpSpPr>
+        <a:xfrm>
+          <a:off x="0" y="0"/>
+          <a:ext cx="0" cy="0"/>
+          <a:chOff x="0" y="0"/>
+          <a:chExt cx="0" cy="0"/>
+        </a:xfrm>
+      </p:grpSpPr>
+      <p:sp>
+        <p:nvSpPr>
+          <p:cNvPr id="2" name="Title 1"/>
+          <p:cNvSpPr>
+            <a:spLocks noGrp="1"/>
+          </p:cNvSpPr>
+          <p:nvPr>
+            <p:ph type="title"/>
+          </p:nvPr>
+        </p:nvSpPr>
+        <p:spPr/>
+        <p:txBody>
+          <a:bodyPr>
+            <a:normAutofit/>
+          </a:bodyPr>
+          <a:lstStyle/>
+          <a:p>
+            <a:r>
+              <a:rPr lang="ru-RU" dirty="0" smtClean="0"/>
+              <a:t>Функции</a:t>
+            </a:r>
+            <a:r>
+              <a:rPr lang="en-US" dirty="0" smtClean="0"/>
+              <a:t>::</a:t>
+            </a:r>
+            <a:r>
+              <a:rPr lang="ru-RU" dirty="0" smtClean="0"/>
+              <a:t>а</a:t>
+            </a:r>
+            <a:r>
+              <a:rPr lang="ru-RU" dirty="0" smtClean="0"/>
+              <a:t>рг</a:t>
+            </a:r>
+            <a:r>
+              <a:rPr lang="ru-RU" dirty="0" smtClean="0"/>
+              <a:t>ументы</a:t>
+            </a:r>
+            <a:r>
+              <a:rPr lang="ru-RU" dirty="0" smtClean="0"/>
+              <a:t/>
+            </a:r>
+            <a:br>
+              <a:rPr lang="ru-RU" dirty="0" smtClean="0"/>
+            </a:br>
+            <a:r>
+              <a:rPr lang="ru-RU" dirty="0" smtClean="0"/>
+              <a:t>------------------------------------------------------------</a:t>
+            </a:r>
+            <a:endParaRPr lang="en-US" dirty="0"/>
+          </a:p>
+        </p:txBody>
+      </p:sp>
+      <p:sp>
+        <p:nvSpPr>
+          <p:cNvPr id="4" name="TextBox 3"/>
+          <p:cNvSpPr txBox="1"/>
+          <p:nvPr/>
+        </p:nvSpPr>
+        <p:spPr>
+          <a:xfrm>
+            <a:off x="2108209" y="2060020"/>
+            <a:ext cx="7975581" cy="369332"/>
+          </a:xfrm>
+          <a:prstGeom prst="rect">
+            <a:avLst/>
+          </a:prstGeom>
+          <a:noFill/>
+        </p:spPr>
+        <p:txBody>
+          <a:bodyPr wrap="none" rtlCol="0">
+            <a:spAutoFit/>
+          </a:bodyPr>
+          <a:lstStyle/>
+          <a:p>
+            <a:r>
+              <a:rPr lang="ru-RU" dirty="0" smtClean="0"/>
+              <a:t>Для передачи переменных без копирования значения </a:t>
+            </a:r>
+            <a:r>
+              <a:rPr lang="ru-RU" smtClean="0"/>
+              <a:t>используются указатели</a:t>
+            </a:r>
+            <a:endParaRPr lang="en-US" dirty="0"/>
+          </a:p>
+        </p:txBody>
+      </p:sp>
+      <p:sp>
+        <p:nvSpPr>
+          <p:cNvPr id="7" name="TextBox 6"/>
+          <p:cNvSpPr txBox="1"/>
+          <p:nvPr/>
+        </p:nvSpPr>
+        <p:spPr>
+          <a:xfrm>
+            <a:off x="4748992" y="3149600"/>
+            <a:ext cx="3392275" cy="2308324"/>
+          </a:xfrm>
+          <a:prstGeom prst="rect">
+            <a:avLst/>
+          </a:prstGeom>
+          <a:noFill/>
+        </p:spPr>
+        <p:txBody>
+          <a:bodyPr wrap="none" rtlCol="0">
+            <a:spAutoFit/>
+          </a:bodyPr>
+          <a:lstStyle/>
+          <a:p>
+            <a:r>
+              <a:rPr lang="en-US" dirty="0" smtClean="0">
+                <a:solidFill>
+                  <a:schemeClr val="accent2">
+                    <a:lumMod val="75000"/>
+                  </a:schemeClr>
+                </a:solidFill>
+                <a:latin typeface="Lucida Console" charset="0"/>
+                <a:ea typeface="Lucida Console" charset="0"/>
+                <a:cs typeface="Lucida Console" charset="0"/>
+              </a:rPr>
+              <a:t>void</a:t>
+            </a:r>
+            <a:r>
+              <a:rPr lang="en-US" dirty="0" smtClean="0">
+                <a:latin typeface="Lucida Console" charset="0"/>
+                <a:ea typeface="Lucida Console" charset="0"/>
+                <a:cs typeface="Lucida Console" charset="0"/>
+              </a:rPr>
+              <a:t> increment(</a:t>
+            </a:r>
+            <a:r>
+              <a:rPr lang="en-US" dirty="0" err="1" smtClean="0">
+                <a:solidFill>
+                  <a:schemeClr val="accent2">
+                    <a:lumMod val="75000"/>
+                  </a:schemeClr>
+                </a:solidFill>
+                <a:latin typeface="Lucida Console" charset="0"/>
+                <a:ea typeface="Lucida Console" charset="0"/>
+                <a:cs typeface="Lucida Console" charset="0"/>
+              </a:rPr>
+              <a:t>int</a:t>
+            </a:r>
+            <a:r>
+              <a:rPr lang="en-US" dirty="0" smtClean="0">
+                <a:latin typeface="Lucida Console" charset="0"/>
+                <a:ea typeface="Lucida Console" charset="0"/>
+                <a:cs typeface="Lucida Console" charset="0"/>
+              </a:rPr>
+              <a:t> </a:t>
+            </a:r>
+            <a:r>
+              <a:rPr lang="en-US" dirty="0">
+                <a:latin typeface="Lucida Console" charset="0"/>
+                <a:ea typeface="Lucida Console" charset="0"/>
+                <a:cs typeface="Lucida Console" charset="0"/>
+              </a:rPr>
+              <a:t>*</a:t>
+            </a:r>
+            <a:r>
+              <a:rPr lang="en-US" dirty="0" smtClean="0">
+                <a:latin typeface="Lucida Console" charset="0"/>
+                <a:ea typeface="Lucida Console" charset="0"/>
+                <a:cs typeface="Lucida Console" charset="0"/>
+              </a:rPr>
+              <a:t>a) </a:t>
+            </a:r>
+          </a:p>
+          <a:p>
+            <a:r>
+              <a:rPr lang="en-US" dirty="0" smtClean="0">
+                <a:latin typeface="Lucida Console" charset="0"/>
+                <a:ea typeface="Lucida Console" charset="0"/>
+                <a:cs typeface="Lucida Console" charset="0"/>
+              </a:rPr>
+              <a:t>{</a:t>
+            </a:r>
+          </a:p>
+          <a:p>
+            <a:r>
+              <a:rPr lang="en-US" dirty="0">
+                <a:latin typeface="Lucida Console" charset="0"/>
+                <a:ea typeface="Lucida Console" charset="0"/>
+                <a:cs typeface="Lucida Console" charset="0"/>
+              </a:rPr>
+              <a:t> </a:t>
+            </a:r>
+            <a:r>
+              <a:rPr lang="en-US" dirty="0" smtClean="0">
+                <a:latin typeface="Lucida Console" charset="0"/>
+                <a:ea typeface="Lucida Console" charset="0"/>
+                <a:cs typeface="Lucida Console" charset="0"/>
+              </a:rPr>
+              <a:t>   </a:t>
+            </a:r>
+            <a:r>
+              <a:rPr lang="ru-RU" dirty="0" smtClean="0">
+                <a:latin typeface="Lucida Console" charset="0"/>
+                <a:ea typeface="Lucida Console" charset="0"/>
+                <a:cs typeface="Lucida Console" charset="0"/>
+              </a:rPr>
+              <a:t>(</a:t>
+            </a:r>
+            <a:r>
+              <a:rPr lang="en-US" dirty="0" smtClean="0">
+                <a:latin typeface="Lucida Console" charset="0"/>
+                <a:ea typeface="Lucida Console" charset="0"/>
+                <a:cs typeface="Lucida Console" charset="0"/>
+              </a:rPr>
+              <a:t>*a</a:t>
+            </a:r>
+            <a:r>
+              <a:rPr lang="ru-RU" dirty="0" smtClean="0">
+                <a:latin typeface="Lucida Console" charset="0"/>
+                <a:ea typeface="Lucida Console" charset="0"/>
+                <a:cs typeface="Lucida Console" charset="0"/>
+              </a:rPr>
+              <a:t>)</a:t>
+            </a:r>
+            <a:r>
+              <a:rPr lang="en-US" dirty="0" smtClean="0">
+                <a:latin typeface="Lucida Console" charset="0"/>
+                <a:ea typeface="Lucida Console" charset="0"/>
+                <a:cs typeface="Lucida Console" charset="0"/>
+              </a:rPr>
+              <a:t>++;</a:t>
+            </a:r>
+          </a:p>
+          <a:p>
+            <a:r>
+              <a:rPr lang="en-US" dirty="0">
+                <a:latin typeface="Lucida Console" charset="0"/>
+                <a:ea typeface="Lucida Console" charset="0"/>
+                <a:cs typeface="Lucida Console" charset="0"/>
+              </a:rPr>
+              <a:t>}</a:t>
+            </a:r>
+            <a:r>
+              <a:rPr lang="en-US" dirty="0" smtClean="0">
+                <a:latin typeface="Lucida Console" charset="0"/>
+                <a:ea typeface="Lucida Console" charset="0"/>
+                <a:cs typeface="Lucida Console" charset="0"/>
+              </a:rPr>
+              <a:t> </a:t>
+            </a:r>
+          </a:p>
+          <a:p>
+            <a:r>
+              <a:rPr lang="en-US" dirty="0" smtClean="0">
+                <a:latin typeface="Lucida Console" charset="0"/>
+                <a:ea typeface="Lucida Console" charset="0"/>
+                <a:cs typeface="Lucida Console" charset="0"/>
+              </a:rPr>
+              <a:t>. . . </a:t>
+            </a:r>
+          </a:p>
+          <a:p>
+            <a:r>
+              <a:rPr lang="en-US" dirty="0" err="1" smtClean="0">
+                <a:solidFill>
+                  <a:schemeClr val="accent2">
+                    <a:lumMod val="75000"/>
+                  </a:schemeClr>
+                </a:solidFill>
+                <a:latin typeface="Lucida Console" charset="0"/>
+                <a:ea typeface="Lucida Console" charset="0"/>
+                <a:cs typeface="Lucida Console" charset="0"/>
+              </a:rPr>
+              <a:t>int</a:t>
+            </a:r>
+            <a:r>
+              <a:rPr lang="en-US" dirty="0" smtClean="0">
+                <a:solidFill>
+                  <a:schemeClr val="accent2">
+                    <a:lumMod val="75000"/>
+                  </a:schemeClr>
+                </a:solidFill>
+                <a:latin typeface="Lucida Console" charset="0"/>
+                <a:ea typeface="Lucida Console" charset="0"/>
+                <a:cs typeface="Lucida Console" charset="0"/>
+              </a:rPr>
+              <a:t> </a:t>
+            </a:r>
+            <a:r>
+              <a:rPr lang="en-US" dirty="0" err="1" smtClean="0">
+                <a:latin typeface="Lucida Console" charset="0"/>
+                <a:ea typeface="Lucida Console" charset="0"/>
+                <a:cs typeface="Lucida Console" charset="0"/>
+              </a:rPr>
+              <a:t>var</a:t>
+            </a:r>
+            <a:r>
+              <a:rPr lang="en-US" dirty="0" smtClean="0">
+                <a:latin typeface="Lucida Console" charset="0"/>
+                <a:ea typeface="Lucida Console" charset="0"/>
+                <a:cs typeface="Lucida Console" charset="0"/>
+              </a:rPr>
+              <a:t> = 10;</a:t>
+            </a:r>
+          </a:p>
+          <a:p>
+            <a:r>
+              <a:rPr lang="en-US" dirty="0">
+                <a:latin typeface="Lucida Console" charset="0"/>
+                <a:ea typeface="Lucida Console" charset="0"/>
+                <a:cs typeface="Lucida Console" charset="0"/>
+              </a:rPr>
+              <a:t>i</a:t>
+            </a:r>
+            <a:r>
+              <a:rPr lang="en-US" dirty="0" smtClean="0">
+                <a:latin typeface="Lucida Console" charset="0"/>
+                <a:ea typeface="Lucida Console" charset="0"/>
+                <a:cs typeface="Lucida Console" charset="0"/>
+              </a:rPr>
+              <a:t>ncrement(&amp;</a:t>
+            </a:r>
+            <a:r>
+              <a:rPr lang="en-US" dirty="0" err="1" smtClean="0">
+                <a:latin typeface="Lucida Console" charset="0"/>
+                <a:ea typeface="Lucida Console" charset="0"/>
+                <a:cs typeface="Lucida Console" charset="0"/>
+              </a:rPr>
+              <a:t>var</a:t>
+            </a:r>
+            <a:r>
+              <a:rPr lang="en-US" dirty="0" smtClean="0">
+                <a:latin typeface="Lucida Console" charset="0"/>
+                <a:ea typeface="Lucida Console" charset="0"/>
+                <a:cs typeface="Lucida Console" charset="0"/>
+              </a:rPr>
+              <a:t>);</a:t>
+            </a:r>
+            <a:endParaRPr lang="ru-RU" dirty="0" smtClean="0">
+              <a:latin typeface="Lucida Console" charset="0"/>
+              <a:ea typeface="Lucida Console" charset="0"/>
+              <a:cs typeface="Lucida Console" charset="0"/>
+            </a:endParaRPr>
+          </a:p>
+          <a:p>
+            <a:r>
+              <a:rPr lang="ru-RU" dirty="0" smtClean="0">
+                <a:latin typeface="Lucida Console" charset="0"/>
+                <a:ea typeface="Lucida Console" charset="0"/>
+                <a:cs typeface="Lucida Console" charset="0"/>
+              </a:rPr>
+              <a:t>// </a:t>
+            </a:r>
+            <a:r>
+              <a:rPr lang="en-US" dirty="0" err="1" smtClean="0">
+                <a:latin typeface="Lucida Console" charset="0"/>
+                <a:ea typeface="Lucida Console" charset="0"/>
+                <a:cs typeface="Lucida Console" charset="0"/>
+              </a:rPr>
+              <a:t>var</a:t>
+            </a:r>
+            <a:r>
+              <a:rPr lang="en-US" dirty="0" smtClean="0">
+                <a:latin typeface="Lucida Console" charset="0"/>
+                <a:ea typeface="Lucida Console" charset="0"/>
+                <a:cs typeface="Lucida Console" charset="0"/>
+              </a:rPr>
+              <a:t> == 11</a:t>
+            </a:r>
+            <a:endParaRPr lang="en-US" dirty="0">
+              <a:latin typeface="Lucida Console" charset="0"/>
+              <a:ea typeface="Lucida Console" charset="0"/>
+              <a:cs typeface="Lucida Console" charset="0"/>
+            </a:endParaRPr>
+          </a:p>
+        </p:txBody>
+      </p:sp>
+      <p:sp>
+        <p:nvSpPr>
+          <p:cNvPr id="8" name="TextBox 7"/>
+          <p:cNvSpPr txBox="1"/>
+          <p:nvPr/>
+        </p:nvSpPr>
+        <p:spPr>
+          <a:xfrm>
+            <a:off x="3780457" y="2780268"/>
+            <a:ext cx="968535" cy="369332"/>
+          </a:xfrm>
+          <a:prstGeom prst="rect">
+            <a:avLst/>
+          </a:prstGeom>
+          <a:noFill/>
+        </p:spPr>
+        <p:txBody>
+          <a:bodyPr wrap="none" rtlCol="0">
+            <a:spAutoFit/>
+          </a:bodyPr>
+          <a:lstStyle/>
+          <a:p>
+            <a:r>
+              <a:rPr lang="ru-RU" i="1" dirty="0" smtClean="0"/>
+              <a:t>Пример</a:t>
+            </a:r>
+            <a:endParaRPr lang="en-US" i="1" dirty="0"/>
+          </a:p>
+        </p:txBody>
+      </p:sp>
+    </p:spTree>
+    <p:extLst>
+      <p:ext uri="{BB962C8B-B14F-4D97-AF65-F5344CB8AC3E}">
+        <p14:creationId xmlns:p14="http://schemas.microsoft.com/office/powerpoint/2010/main" val="2013857713"/>
+      </p:ext>
+    </p:extLst>
+  </p:cSld>
+  <p:clrMapOvr>
+    <a:masterClrMapping/>
+  </p:clrMapOvr>
+  <p:timing>
+    <p:tnLst>
+      <p:par>
+        <p:cTn id="1" dur="indefinite" restart="never" nodeType="tmRoot">
+          <p:childTnLst>
+            <p:seq concurrent="1" nextAc="seek">
+              <p:cTn id="2" dur="indefinite" nodeType="mainSeq">
+                <p:childTnLst>
+                  <p:par>
+                    <p:cTn id="3" fill="hold">
+                      <p:stCondLst>
+                        <p:cond delay="indefinite"/>
+                      </p:stCondLst>
+                      <p:childTnLst>
+                        <p:par>
+                          <p:cTn id="4" fill="hold">
+                            <p:stCondLst>
+                              <p:cond delay="0"/>
+                            </p:stCondLst>
+                            <p:childTnLst>
+                              <p:par>
+                                <p:cTn id="5" presetID="10" presetClass="entr" presetSubtype="0" fill="hold" grpId="0" nodeType="clickEffect">
+                                  <p:stCondLst>
+                                    <p:cond delay="0"/>
+                                  </p:stCondLst>
+                                  <p:childTnLst>
+                                    <p:set>
+                                      <p:cBhvr>
+                                        <p:cTn id="6" dur="1" fill="hold">
+                                          <p:stCondLst>
+                                            <p:cond delay="0"/>
+                                          </p:stCondLst>
+                                        </p:cTn>
+                                        <p:tgtEl>
+                                          <p:spTgt spid="7"/>
+                                        </p:tgtEl>
+                                        <p:attrNameLst>
+                                          <p:attrName>style.visibility</p:attrName>
+                                        </p:attrNameLst>
+                                      </p:cBhvr>
+                                      <p:to>
+                                        <p:strVal val="visible"/>
+                                      </p:to>
+                                    </p:set>
+                                    <p:animEffect transition="in" filter="fade">
+                                      <p:cBhvr>
+                                        <p:cTn id="7" dur="500"/>
+                                        <p:tgtEl>
+                                          <p:spTgt spid="7"/>
+                                        </p:tgtEl>
+                                      </p:cBhvr>
+                                    </p:animEffect>
+                                  </p:childTnLst>
+                                </p:cTn>
+                              </p:par>
+                              <p:par>
+                                <p:cTn id="8" presetID="10" presetClass="entr" presetSubtype="0" fill="hold" grpId="0" nodeType="withEffect">
+                                  <p:stCondLst>
+                                    <p:cond delay="0"/>
+                                  </p:stCondLst>
+                                  <p:childTnLst>
+                                    <p:set>
+                                      <p:cBhvr>
+                                        <p:cTn id="9" dur="1" fill="hold">
+                                          <p:stCondLst>
+                                            <p:cond delay="0"/>
+                                          </p:stCondLst>
+                                        </p:cTn>
+                                        <p:tgtEl>
+                                          <p:spTgt spid="8"/>
+                                        </p:tgtEl>
+                                        <p:attrNameLst>
+                                          <p:attrName>style.visibility</p:attrName>
+                                        </p:attrNameLst>
+                                      </p:cBhvr>
+                                      <p:to>
+                                        <p:strVal val="visible"/>
+                                      </p:to>
+                                    </p:set>
+                                    <p:animEffect transition="in" filter="fade">
+                                      <p:cBhvr>
+                                        <p:cTn id="10" dur="500"/>
+                                        <p:tgtEl>
+                                          <p:spTgt spid="8"/>
+                                        </p:tgtEl>
+                                      </p:cBhvr>
+                                    </p:animEffect>
+                                  </p:childTnLst>
+                                </p:cTn>
+                              </p:par>
+                            </p:childTnLst>
+                          </p:cTn>
+                        </p:par>
+                      </p:childTnLst>
+                    </p:cTn>
+                  </p:par>
+                </p:childTnLst>
+              </p:cTn>
+              <p:prevCondLst>
+                <p:cond evt="onPrev" delay="0">
+                  <p:tgtEl>
+                    <p:sldTgt/>
+                  </p:tgtEl>
+                </p:cond>
+              </p:prevCondLst>
+              <p:nextCondLst>
+                <p:cond evt="onNext" delay="0">
+                  <p:tgtEl>
+                    <p:sldTgt/>
+                  </p:tgtEl>
+                </p:cond>
+              </p:nextCondLst>
+            </p:seq>
+          </p:childTnLst>
+        </p:cTn>
+      </p:par>
+    </p:tnLst>
+    <p:bldLst>
+      <p:bldP spid="7" grpId="0"/>
+      <p:bldP spid="8" grpId="0"/>
+    </p:bldLst>
   </p:timing>
 </p:sld>
 </file>
@@ -4542,6 +9327,3635 @@
     <p:bldLst>
       <p:bldP spid="3" grpId="0" build="p"/>
     </p:bldLst>
+  </p:timing>
+</p:sld>
+</file>
+
+<file path=ppt/slides/slide20.xml><?xml version="1.0" encoding="utf-8"?>
+<p:sld xmlns:a="http://schemas.openxmlformats.org/drawingml/2006/main" xmlns:r="http://schemas.openxmlformats.org/officeDocument/2006/relationships" xmlns:p="http://schemas.openxmlformats.org/presentationml/2006/main">
+  <p:cSld>
+    <p:spTree>
+      <p:nvGrpSpPr>
+        <p:cNvPr id="1" name=""/>
+        <p:cNvGrpSpPr/>
+        <p:nvPr/>
+      </p:nvGrpSpPr>
+      <p:grpSpPr>
+        <a:xfrm>
+          <a:off x="0" y="0"/>
+          <a:ext cx="0" cy="0"/>
+          <a:chOff x="0" y="0"/>
+          <a:chExt cx="0" cy="0"/>
+        </a:xfrm>
+      </p:grpSpPr>
+      <p:sp>
+        <p:nvSpPr>
+          <p:cNvPr id="2" name="Title 1"/>
+          <p:cNvSpPr>
+            <a:spLocks noGrp="1"/>
+          </p:cNvSpPr>
+          <p:nvPr>
+            <p:ph type="title"/>
+          </p:nvPr>
+        </p:nvSpPr>
+        <p:spPr/>
+        <p:txBody>
+          <a:bodyPr>
+            <a:normAutofit/>
+          </a:bodyPr>
+          <a:lstStyle/>
+          <a:p>
+            <a:r>
+              <a:rPr lang="ru-RU" dirty="0" smtClean="0"/>
+              <a:t>Функции</a:t>
+            </a:r>
+            <a:r>
+              <a:rPr lang="en-US" dirty="0" smtClean="0"/>
+              <a:t>::</a:t>
+            </a:r>
+            <a:r>
+              <a:rPr lang="ru-RU" dirty="0" smtClean="0"/>
+              <a:t>аргументы</a:t>
+            </a:r>
+            <a:r>
+              <a:rPr lang="ru-RU" dirty="0" smtClean="0"/>
+              <a:t/>
+            </a:r>
+            <a:br>
+              <a:rPr lang="ru-RU" dirty="0" smtClean="0"/>
+            </a:br>
+            <a:r>
+              <a:rPr lang="ru-RU" dirty="0" smtClean="0"/>
+              <a:t>------------------------------------------------------------</a:t>
+            </a:r>
+            <a:endParaRPr lang="en-US" dirty="0"/>
+          </a:p>
+        </p:txBody>
+      </p:sp>
+      <p:sp>
+        <p:nvSpPr>
+          <p:cNvPr id="4" name="TextBox 3"/>
+          <p:cNvSpPr txBox="1"/>
+          <p:nvPr/>
+        </p:nvSpPr>
+        <p:spPr>
+          <a:xfrm>
+            <a:off x="2563842" y="1875354"/>
+            <a:ext cx="7648761" cy="369332"/>
+          </a:xfrm>
+          <a:prstGeom prst="rect">
+            <a:avLst/>
+          </a:prstGeom>
+          <a:noFill/>
+        </p:spPr>
+        <p:txBody>
+          <a:bodyPr wrap="none" rtlCol="0">
+            <a:spAutoFit/>
+          </a:bodyPr>
+          <a:lstStyle/>
+          <a:p>
+            <a:r>
+              <a:rPr lang="ru-RU" dirty="0" smtClean="0"/>
+              <a:t>Массивы очень часто передают с помощью указателя и переменной длины</a:t>
+            </a:r>
+            <a:endParaRPr lang="en-US" dirty="0"/>
+          </a:p>
+        </p:txBody>
+      </p:sp>
+      <p:sp>
+        <p:nvSpPr>
+          <p:cNvPr id="7" name="TextBox 6"/>
+          <p:cNvSpPr txBox="1"/>
+          <p:nvPr/>
+        </p:nvSpPr>
+        <p:spPr>
+          <a:xfrm>
+            <a:off x="3925047" y="3200400"/>
+            <a:ext cx="4926349" cy="2585323"/>
+          </a:xfrm>
+          <a:prstGeom prst="rect">
+            <a:avLst/>
+          </a:prstGeom>
+          <a:noFill/>
+        </p:spPr>
+        <p:txBody>
+          <a:bodyPr wrap="none" rtlCol="0">
+            <a:spAutoFit/>
+          </a:bodyPr>
+          <a:lstStyle/>
+          <a:p>
+            <a:r>
+              <a:rPr lang="en-US" dirty="0" smtClean="0">
+                <a:solidFill>
+                  <a:schemeClr val="accent2">
+                    <a:lumMod val="75000"/>
+                  </a:schemeClr>
+                </a:solidFill>
+                <a:latin typeface="Lucida Console" charset="0"/>
+                <a:ea typeface="Lucida Console" charset="0"/>
+                <a:cs typeface="Lucida Console" charset="0"/>
+              </a:rPr>
+              <a:t>void</a:t>
+            </a:r>
+            <a:r>
+              <a:rPr lang="en-US" dirty="0" smtClean="0">
+                <a:latin typeface="Lucida Console" charset="0"/>
+                <a:ea typeface="Lucida Console" charset="0"/>
+                <a:cs typeface="Lucida Console" charset="0"/>
+              </a:rPr>
+              <a:t> </a:t>
+            </a:r>
+            <a:r>
+              <a:rPr lang="en-US" dirty="0" err="1" smtClean="0">
+                <a:latin typeface="Lucida Console" charset="0"/>
+                <a:ea typeface="Lucida Console" charset="0"/>
+                <a:cs typeface="Lucida Console" charset="0"/>
+              </a:rPr>
+              <a:t>fill_null</a:t>
+            </a:r>
+            <a:r>
+              <a:rPr lang="en-US" dirty="0" smtClean="0">
+                <a:latin typeface="Lucida Console" charset="0"/>
+                <a:ea typeface="Lucida Console" charset="0"/>
+                <a:cs typeface="Lucida Console" charset="0"/>
+              </a:rPr>
+              <a:t>(</a:t>
+            </a:r>
+            <a:r>
+              <a:rPr lang="en-US" dirty="0" err="1" smtClean="0">
+                <a:solidFill>
+                  <a:schemeClr val="accent2">
+                    <a:lumMod val="75000"/>
+                  </a:schemeClr>
+                </a:solidFill>
+                <a:latin typeface="Lucida Console" charset="0"/>
+                <a:ea typeface="Lucida Console" charset="0"/>
+                <a:cs typeface="Lucida Console" charset="0"/>
+              </a:rPr>
+              <a:t>int</a:t>
+            </a:r>
+            <a:r>
+              <a:rPr lang="en-US" dirty="0" smtClean="0">
+                <a:latin typeface="Lucida Console" charset="0"/>
+                <a:ea typeface="Lucida Console" charset="0"/>
+                <a:cs typeface="Lucida Console" charset="0"/>
+              </a:rPr>
+              <a:t> </a:t>
+            </a:r>
+            <a:r>
+              <a:rPr lang="en-US" dirty="0">
+                <a:latin typeface="Lucida Console" charset="0"/>
+                <a:ea typeface="Lucida Console" charset="0"/>
+                <a:cs typeface="Lucida Console" charset="0"/>
+              </a:rPr>
+              <a:t>*</a:t>
+            </a:r>
+            <a:r>
+              <a:rPr lang="en-US" dirty="0" smtClean="0">
+                <a:latin typeface="Lucida Console" charset="0"/>
+                <a:ea typeface="Lucida Console" charset="0"/>
+                <a:cs typeface="Lucida Console" charset="0"/>
+              </a:rPr>
+              <a:t>a, </a:t>
+            </a:r>
+            <a:r>
+              <a:rPr lang="en-US" dirty="0" err="1" smtClean="0">
+                <a:solidFill>
+                  <a:schemeClr val="accent2">
+                    <a:lumMod val="75000"/>
+                  </a:schemeClr>
+                </a:solidFill>
+                <a:latin typeface="Lucida Console" charset="0"/>
+                <a:ea typeface="Lucida Console" charset="0"/>
+                <a:cs typeface="Lucida Console" charset="0"/>
+              </a:rPr>
+              <a:t>int</a:t>
+            </a:r>
+            <a:r>
+              <a:rPr lang="en-US" dirty="0" smtClean="0">
+                <a:solidFill>
+                  <a:schemeClr val="accent2">
+                    <a:lumMod val="75000"/>
+                  </a:schemeClr>
+                </a:solidFill>
+                <a:latin typeface="Lucida Console" charset="0"/>
+                <a:ea typeface="Lucida Console" charset="0"/>
+                <a:cs typeface="Lucida Console" charset="0"/>
+              </a:rPr>
+              <a:t> </a:t>
+            </a:r>
+            <a:r>
+              <a:rPr lang="en-US" dirty="0" smtClean="0">
+                <a:latin typeface="Lucida Console" charset="0"/>
+                <a:ea typeface="Lucida Console" charset="0"/>
+                <a:cs typeface="Lucida Console" charset="0"/>
+              </a:rPr>
+              <a:t>size) </a:t>
+            </a:r>
+          </a:p>
+          <a:p>
+            <a:r>
+              <a:rPr lang="en-US" dirty="0" smtClean="0">
+                <a:latin typeface="Lucida Console" charset="0"/>
+                <a:ea typeface="Lucida Console" charset="0"/>
+                <a:cs typeface="Lucida Console" charset="0"/>
+              </a:rPr>
+              <a:t>{</a:t>
+            </a:r>
+          </a:p>
+          <a:p>
+            <a:r>
+              <a:rPr lang="en-US" dirty="0">
+                <a:latin typeface="Lucida Console" charset="0"/>
+                <a:ea typeface="Lucida Console" charset="0"/>
+                <a:cs typeface="Lucida Console" charset="0"/>
+              </a:rPr>
+              <a:t> </a:t>
+            </a:r>
+            <a:r>
+              <a:rPr lang="en-US" dirty="0" smtClean="0">
+                <a:latin typeface="Lucida Console" charset="0"/>
+                <a:ea typeface="Lucida Console" charset="0"/>
+                <a:cs typeface="Lucida Console" charset="0"/>
+              </a:rPr>
+              <a:t>   </a:t>
+            </a:r>
+            <a:r>
+              <a:rPr lang="en-US" dirty="0" smtClean="0">
+                <a:solidFill>
+                  <a:schemeClr val="accent2">
+                    <a:lumMod val="75000"/>
+                  </a:schemeClr>
+                </a:solidFill>
+                <a:latin typeface="Lucida Console" charset="0"/>
+                <a:ea typeface="Lucida Console" charset="0"/>
+                <a:cs typeface="Lucida Console" charset="0"/>
+              </a:rPr>
+              <a:t>for</a:t>
+            </a:r>
+            <a:r>
+              <a:rPr lang="en-US" dirty="0" smtClean="0">
+                <a:latin typeface="Lucida Console" charset="0"/>
+                <a:ea typeface="Lucida Console" charset="0"/>
+                <a:cs typeface="Lucida Console" charset="0"/>
+              </a:rPr>
+              <a:t> (</a:t>
+            </a:r>
+            <a:r>
+              <a:rPr lang="en-US" dirty="0" err="1" smtClean="0">
+                <a:solidFill>
+                  <a:schemeClr val="accent2">
+                    <a:lumMod val="75000"/>
+                  </a:schemeClr>
+                </a:solidFill>
+                <a:latin typeface="Lucida Console" charset="0"/>
+                <a:ea typeface="Lucida Console" charset="0"/>
+                <a:cs typeface="Lucida Console" charset="0"/>
+              </a:rPr>
+              <a:t>int</a:t>
+            </a:r>
+            <a:r>
+              <a:rPr lang="en-US" dirty="0" smtClean="0">
+                <a:solidFill>
+                  <a:schemeClr val="accent2">
+                    <a:lumMod val="75000"/>
+                  </a:schemeClr>
+                </a:solidFill>
+                <a:latin typeface="Lucida Console" charset="0"/>
+                <a:ea typeface="Lucida Console" charset="0"/>
+                <a:cs typeface="Lucida Console" charset="0"/>
+              </a:rPr>
+              <a:t> </a:t>
+            </a:r>
+            <a:r>
+              <a:rPr lang="en-US" dirty="0" err="1" smtClean="0">
+                <a:latin typeface="Lucida Console" charset="0"/>
+                <a:ea typeface="Lucida Console" charset="0"/>
+                <a:cs typeface="Lucida Console" charset="0"/>
+              </a:rPr>
+              <a:t>i</a:t>
+            </a:r>
+            <a:r>
+              <a:rPr lang="en-US" dirty="0" smtClean="0">
+                <a:latin typeface="Lucida Console" charset="0"/>
+                <a:ea typeface="Lucida Console" charset="0"/>
+                <a:cs typeface="Lucida Console" charset="0"/>
+              </a:rPr>
+              <a:t> = 0; </a:t>
+            </a:r>
+            <a:r>
+              <a:rPr lang="en-US" dirty="0" err="1" smtClean="0">
+                <a:latin typeface="Lucida Console" charset="0"/>
+                <a:ea typeface="Lucida Console" charset="0"/>
+                <a:cs typeface="Lucida Console" charset="0"/>
+              </a:rPr>
+              <a:t>i</a:t>
+            </a:r>
+            <a:r>
+              <a:rPr lang="en-US" dirty="0" smtClean="0">
+                <a:latin typeface="Lucida Console" charset="0"/>
+                <a:ea typeface="Lucida Console" charset="0"/>
+                <a:cs typeface="Lucida Console" charset="0"/>
+              </a:rPr>
+              <a:t> &lt; size; ++</a:t>
+            </a:r>
+            <a:r>
+              <a:rPr lang="en-US" dirty="0" err="1" smtClean="0">
+                <a:latin typeface="Lucida Console" charset="0"/>
+                <a:ea typeface="Lucida Console" charset="0"/>
+                <a:cs typeface="Lucida Console" charset="0"/>
+              </a:rPr>
+              <a:t>i</a:t>
+            </a:r>
+            <a:r>
+              <a:rPr lang="en-US" dirty="0" smtClean="0">
+                <a:latin typeface="Lucida Console" charset="0"/>
+                <a:ea typeface="Lucida Console" charset="0"/>
+                <a:cs typeface="Lucida Console" charset="0"/>
+              </a:rPr>
+              <a:t>)</a:t>
+            </a:r>
+          </a:p>
+          <a:p>
+            <a:r>
+              <a:rPr lang="en-US" dirty="0">
+                <a:latin typeface="Lucida Console" charset="0"/>
+                <a:ea typeface="Lucida Console" charset="0"/>
+                <a:cs typeface="Lucida Console" charset="0"/>
+              </a:rPr>
+              <a:t> </a:t>
+            </a:r>
+            <a:r>
+              <a:rPr lang="en-US" dirty="0" smtClean="0">
+                <a:latin typeface="Lucida Console" charset="0"/>
+                <a:ea typeface="Lucida Console" charset="0"/>
+                <a:cs typeface="Lucida Console" charset="0"/>
+              </a:rPr>
+              <a:t>       a[</a:t>
+            </a:r>
+            <a:r>
+              <a:rPr lang="en-US" dirty="0" err="1" smtClean="0">
+                <a:latin typeface="Lucida Console" charset="0"/>
+                <a:ea typeface="Lucida Console" charset="0"/>
+                <a:cs typeface="Lucida Console" charset="0"/>
+              </a:rPr>
+              <a:t>i</a:t>
+            </a:r>
+            <a:r>
+              <a:rPr lang="en-US" dirty="0" smtClean="0">
+                <a:latin typeface="Lucida Console" charset="0"/>
+                <a:ea typeface="Lucida Console" charset="0"/>
+                <a:cs typeface="Lucida Console" charset="0"/>
+              </a:rPr>
+              <a:t>] = 0;</a:t>
+            </a:r>
+          </a:p>
+          <a:p>
+            <a:r>
+              <a:rPr lang="en-US" dirty="0">
+                <a:latin typeface="Lucida Console" charset="0"/>
+                <a:ea typeface="Lucida Console" charset="0"/>
+                <a:cs typeface="Lucida Console" charset="0"/>
+              </a:rPr>
+              <a:t>}</a:t>
+            </a:r>
+            <a:r>
+              <a:rPr lang="en-US" dirty="0" smtClean="0">
+                <a:latin typeface="Lucida Console" charset="0"/>
+                <a:ea typeface="Lucida Console" charset="0"/>
+                <a:cs typeface="Lucida Console" charset="0"/>
+              </a:rPr>
+              <a:t> </a:t>
+            </a:r>
+          </a:p>
+          <a:p>
+            <a:r>
+              <a:rPr lang="en-US" dirty="0" smtClean="0">
+                <a:latin typeface="Lucida Console" charset="0"/>
+                <a:ea typeface="Lucida Console" charset="0"/>
+                <a:cs typeface="Lucida Console" charset="0"/>
+              </a:rPr>
+              <a:t>. . . </a:t>
+            </a:r>
+          </a:p>
+          <a:p>
+            <a:r>
+              <a:rPr lang="en-US" dirty="0" err="1" smtClean="0">
+                <a:solidFill>
+                  <a:schemeClr val="accent2">
+                    <a:lumMod val="75000"/>
+                  </a:schemeClr>
+                </a:solidFill>
+                <a:latin typeface="Lucida Console" charset="0"/>
+                <a:ea typeface="Lucida Console" charset="0"/>
+                <a:cs typeface="Lucida Console" charset="0"/>
+              </a:rPr>
+              <a:t>int</a:t>
+            </a:r>
+            <a:r>
+              <a:rPr lang="en-US" dirty="0" smtClean="0">
+                <a:solidFill>
+                  <a:schemeClr val="accent2">
+                    <a:lumMod val="75000"/>
+                  </a:schemeClr>
+                </a:solidFill>
+                <a:latin typeface="Lucida Console" charset="0"/>
+                <a:ea typeface="Lucida Console" charset="0"/>
+                <a:cs typeface="Lucida Console" charset="0"/>
+              </a:rPr>
+              <a:t> </a:t>
+            </a:r>
+            <a:r>
+              <a:rPr lang="en-US" dirty="0" smtClean="0">
+                <a:latin typeface="Lucida Console" charset="0"/>
+                <a:ea typeface="Lucida Console" charset="0"/>
+                <a:cs typeface="Lucida Console" charset="0"/>
+              </a:rPr>
+              <a:t>a[10];</a:t>
+            </a:r>
+          </a:p>
+          <a:p>
+            <a:r>
+              <a:rPr lang="en-US" dirty="0" err="1">
+                <a:latin typeface="Lucida Console" charset="0"/>
+                <a:ea typeface="Lucida Console" charset="0"/>
+                <a:cs typeface="Lucida Console" charset="0"/>
+              </a:rPr>
+              <a:t>f</a:t>
+            </a:r>
+            <a:r>
+              <a:rPr lang="en-US" dirty="0" err="1" smtClean="0">
+                <a:latin typeface="Lucida Console" charset="0"/>
+                <a:ea typeface="Lucida Console" charset="0"/>
+                <a:cs typeface="Lucida Console" charset="0"/>
+              </a:rPr>
+              <a:t>ill_null</a:t>
+            </a:r>
+            <a:r>
+              <a:rPr lang="en-US" dirty="0" smtClean="0">
+                <a:latin typeface="Lucida Console" charset="0"/>
+                <a:ea typeface="Lucida Console" charset="0"/>
+                <a:cs typeface="Lucida Console" charset="0"/>
+              </a:rPr>
+              <a:t>(a, 10);</a:t>
+            </a:r>
+            <a:endParaRPr lang="ru-RU" dirty="0" smtClean="0">
+              <a:latin typeface="Lucida Console" charset="0"/>
+              <a:ea typeface="Lucida Console" charset="0"/>
+              <a:cs typeface="Lucida Console" charset="0"/>
+            </a:endParaRPr>
+          </a:p>
+          <a:p>
+            <a:r>
+              <a:rPr lang="ru-RU" dirty="0" smtClean="0">
+                <a:latin typeface="Lucida Console" charset="0"/>
+                <a:ea typeface="Lucida Console" charset="0"/>
+                <a:cs typeface="Lucida Console" charset="0"/>
+              </a:rPr>
+              <a:t>// </a:t>
+            </a:r>
+            <a:r>
+              <a:rPr lang="en-US" dirty="0" smtClean="0">
+                <a:latin typeface="Lucida Console" charset="0"/>
+                <a:ea typeface="Lucida Console" charset="0"/>
+                <a:cs typeface="Lucida Console" charset="0"/>
+              </a:rPr>
+              <a:t>a[</a:t>
+            </a:r>
+            <a:r>
+              <a:rPr lang="en-US" dirty="0" err="1" smtClean="0">
+                <a:latin typeface="Lucida Console" charset="0"/>
+                <a:ea typeface="Lucida Console" charset="0"/>
+                <a:cs typeface="Lucida Console" charset="0"/>
+              </a:rPr>
+              <a:t>i</a:t>
+            </a:r>
+            <a:r>
+              <a:rPr lang="en-US" dirty="0" smtClean="0">
+                <a:latin typeface="Lucida Console" charset="0"/>
+                <a:ea typeface="Lucida Console" charset="0"/>
+                <a:cs typeface="Lucida Console" charset="0"/>
+              </a:rPr>
+              <a:t>] == 0</a:t>
+            </a:r>
+            <a:endParaRPr lang="en-US" dirty="0">
+              <a:latin typeface="Lucida Console" charset="0"/>
+              <a:ea typeface="Lucida Console" charset="0"/>
+              <a:cs typeface="Lucida Console" charset="0"/>
+            </a:endParaRPr>
+          </a:p>
+        </p:txBody>
+      </p:sp>
+      <p:sp>
+        <p:nvSpPr>
+          <p:cNvPr id="8" name="TextBox 7"/>
+          <p:cNvSpPr txBox="1"/>
+          <p:nvPr/>
+        </p:nvSpPr>
+        <p:spPr>
+          <a:xfrm>
+            <a:off x="2690842" y="2831068"/>
+            <a:ext cx="968535" cy="369332"/>
+          </a:xfrm>
+          <a:prstGeom prst="rect">
+            <a:avLst/>
+          </a:prstGeom>
+          <a:noFill/>
+        </p:spPr>
+        <p:txBody>
+          <a:bodyPr wrap="none" rtlCol="0">
+            <a:spAutoFit/>
+          </a:bodyPr>
+          <a:lstStyle/>
+          <a:p>
+            <a:r>
+              <a:rPr lang="ru-RU" i="1" dirty="0" smtClean="0"/>
+              <a:t>Пример</a:t>
+            </a:r>
+            <a:endParaRPr lang="en-US" i="1" dirty="0"/>
+          </a:p>
+        </p:txBody>
+      </p:sp>
+    </p:spTree>
+    <p:extLst>
+      <p:ext uri="{BB962C8B-B14F-4D97-AF65-F5344CB8AC3E}">
+        <p14:creationId xmlns:p14="http://schemas.microsoft.com/office/powerpoint/2010/main" val="221254922"/>
+      </p:ext>
+    </p:extLst>
+  </p:cSld>
+  <p:clrMapOvr>
+    <a:masterClrMapping/>
+  </p:clrMapOvr>
+  <p:timing>
+    <p:tnLst>
+      <p:par>
+        <p:cTn id="1" dur="indefinite" restart="never" nodeType="tmRoot">
+          <p:childTnLst>
+            <p:seq concurrent="1" nextAc="seek">
+              <p:cTn id="2" dur="indefinite" nodeType="mainSeq">
+                <p:childTnLst>
+                  <p:par>
+                    <p:cTn id="3" fill="hold">
+                      <p:stCondLst>
+                        <p:cond delay="indefinite"/>
+                      </p:stCondLst>
+                      <p:childTnLst>
+                        <p:par>
+                          <p:cTn id="4" fill="hold">
+                            <p:stCondLst>
+                              <p:cond delay="0"/>
+                            </p:stCondLst>
+                            <p:childTnLst>
+                              <p:par>
+                                <p:cTn id="5" presetID="10" presetClass="entr" presetSubtype="0" fill="hold" grpId="0" nodeType="clickEffect">
+                                  <p:stCondLst>
+                                    <p:cond delay="0"/>
+                                  </p:stCondLst>
+                                  <p:childTnLst>
+                                    <p:set>
+                                      <p:cBhvr>
+                                        <p:cTn id="6" dur="1" fill="hold">
+                                          <p:stCondLst>
+                                            <p:cond delay="0"/>
+                                          </p:stCondLst>
+                                        </p:cTn>
+                                        <p:tgtEl>
+                                          <p:spTgt spid="7"/>
+                                        </p:tgtEl>
+                                        <p:attrNameLst>
+                                          <p:attrName>style.visibility</p:attrName>
+                                        </p:attrNameLst>
+                                      </p:cBhvr>
+                                      <p:to>
+                                        <p:strVal val="visible"/>
+                                      </p:to>
+                                    </p:set>
+                                    <p:animEffect transition="in" filter="fade">
+                                      <p:cBhvr>
+                                        <p:cTn id="7" dur="500"/>
+                                        <p:tgtEl>
+                                          <p:spTgt spid="7"/>
+                                        </p:tgtEl>
+                                      </p:cBhvr>
+                                    </p:animEffect>
+                                  </p:childTnLst>
+                                </p:cTn>
+                              </p:par>
+                              <p:par>
+                                <p:cTn id="8" presetID="10" presetClass="entr" presetSubtype="0" fill="hold" grpId="0" nodeType="withEffect">
+                                  <p:stCondLst>
+                                    <p:cond delay="0"/>
+                                  </p:stCondLst>
+                                  <p:childTnLst>
+                                    <p:set>
+                                      <p:cBhvr>
+                                        <p:cTn id="9" dur="1" fill="hold">
+                                          <p:stCondLst>
+                                            <p:cond delay="0"/>
+                                          </p:stCondLst>
+                                        </p:cTn>
+                                        <p:tgtEl>
+                                          <p:spTgt spid="8"/>
+                                        </p:tgtEl>
+                                        <p:attrNameLst>
+                                          <p:attrName>style.visibility</p:attrName>
+                                        </p:attrNameLst>
+                                      </p:cBhvr>
+                                      <p:to>
+                                        <p:strVal val="visible"/>
+                                      </p:to>
+                                    </p:set>
+                                    <p:animEffect transition="in" filter="fade">
+                                      <p:cBhvr>
+                                        <p:cTn id="10" dur="500"/>
+                                        <p:tgtEl>
+                                          <p:spTgt spid="8"/>
+                                        </p:tgtEl>
+                                      </p:cBhvr>
+                                    </p:animEffect>
+                                  </p:childTnLst>
+                                </p:cTn>
+                              </p:par>
+                            </p:childTnLst>
+                          </p:cTn>
+                        </p:par>
+                      </p:childTnLst>
+                    </p:cTn>
+                  </p:par>
+                </p:childTnLst>
+              </p:cTn>
+              <p:prevCondLst>
+                <p:cond evt="onPrev" delay="0">
+                  <p:tgtEl>
+                    <p:sldTgt/>
+                  </p:tgtEl>
+                </p:cond>
+              </p:prevCondLst>
+              <p:nextCondLst>
+                <p:cond evt="onNext" delay="0">
+                  <p:tgtEl>
+                    <p:sldTgt/>
+                  </p:tgtEl>
+                </p:cond>
+              </p:nextCondLst>
+            </p:seq>
+          </p:childTnLst>
+        </p:cTn>
+      </p:par>
+    </p:tnLst>
+    <p:bldLst>
+      <p:bldP spid="7" grpId="0"/>
+      <p:bldP spid="8" grpId="0"/>
+    </p:bldLst>
+  </p:timing>
+</p:sld>
+</file>
+
+<file path=ppt/slides/slide21.xml><?xml version="1.0" encoding="utf-8"?>
+<p:sld xmlns:a="http://schemas.openxmlformats.org/drawingml/2006/main" xmlns:r="http://schemas.openxmlformats.org/officeDocument/2006/relationships" xmlns:p="http://schemas.openxmlformats.org/presentationml/2006/main">
+  <p:cSld>
+    <p:spTree>
+      <p:nvGrpSpPr>
+        <p:cNvPr id="1" name=""/>
+        <p:cNvGrpSpPr/>
+        <p:nvPr/>
+      </p:nvGrpSpPr>
+      <p:grpSpPr>
+        <a:xfrm>
+          <a:off x="0" y="0"/>
+          <a:ext cx="0" cy="0"/>
+          <a:chOff x="0" y="0"/>
+          <a:chExt cx="0" cy="0"/>
+        </a:xfrm>
+      </p:grpSpPr>
+      <p:sp>
+        <p:nvSpPr>
+          <p:cNvPr id="2" name="Title 1"/>
+          <p:cNvSpPr>
+            <a:spLocks noGrp="1"/>
+          </p:cNvSpPr>
+          <p:nvPr>
+            <p:ph type="title"/>
+          </p:nvPr>
+        </p:nvSpPr>
+        <p:spPr/>
+        <p:txBody>
+          <a:bodyPr>
+            <a:normAutofit/>
+          </a:bodyPr>
+          <a:lstStyle/>
+          <a:p>
+            <a:r>
+              <a:rPr lang="ru-RU" dirty="0" smtClean="0"/>
+              <a:t>Функции</a:t>
+            </a:r>
+            <a:r>
+              <a:rPr lang="en-US" dirty="0" smtClean="0"/>
+              <a:t>::</a:t>
+            </a:r>
+            <a:r>
+              <a:rPr lang="ru-RU" dirty="0" smtClean="0"/>
+              <a:t>аргументы</a:t>
+            </a:r>
+            <a:r>
+              <a:rPr lang="ru-RU" dirty="0" smtClean="0"/>
+              <a:t/>
+            </a:r>
+            <a:br>
+              <a:rPr lang="ru-RU" dirty="0" smtClean="0"/>
+            </a:br>
+            <a:r>
+              <a:rPr lang="ru-RU" dirty="0" smtClean="0"/>
+              <a:t>------------------------------------------------------------</a:t>
+            </a:r>
+            <a:endParaRPr lang="en-US" dirty="0"/>
+          </a:p>
+        </p:txBody>
+      </p:sp>
+      <p:sp>
+        <p:nvSpPr>
+          <p:cNvPr id="4" name="TextBox 3"/>
+          <p:cNvSpPr txBox="1"/>
+          <p:nvPr/>
+        </p:nvSpPr>
+        <p:spPr>
+          <a:xfrm>
+            <a:off x="2563842" y="1875354"/>
+            <a:ext cx="7135480" cy="369332"/>
+          </a:xfrm>
+          <a:prstGeom prst="rect">
+            <a:avLst/>
+          </a:prstGeom>
+          <a:noFill/>
+        </p:spPr>
+        <p:txBody>
+          <a:bodyPr wrap="none" rtlCol="0">
+            <a:spAutoFit/>
+          </a:bodyPr>
+          <a:lstStyle/>
+          <a:p>
+            <a:r>
+              <a:rPr lang="ru-RU" dirty="0" smtClean="0"/>
+              <a:t>Для работы с Си-строкой обычно не используют переменную размера</a:t>
+            </a:r>
+            <a:endParaRPr lang="en-US" dirty="0"/>
+          </a:p>
+        </p:txBody>
+      </p:sp>
+      <p:sp>
+        <p:nvSpPr>
+          <p:cNvPr id="7" name="TextBox 6"/>
+          <p:cNvSpPr txBox="1"/>
+          <p:nvPr/>
+        </p:nvSpPr>
+        <p:spPr>
+          <a:xfrm>
+            <a:off x="3545077" y="2671802"/>
+            <a:ext cx="6320961" cy="3970318"/>
+          </a:xfrm>
+          <a:prstGeom prst="rect">
+            <a:avLst/>
+          </a:prstGeom>
+          <a:noFill/>
+        </p:spPr>
+        <p:txBody>
+          <a:bodyPr wrap="none" rtlCol="0">
+            <a:spAutoFit/>
+          </a:bodyPr>
+          <a:lstStyle/>
+          <a:p>
+            <a:r>
+              <a:rPr lang="en-US" dirty="0" smtClean="0">
+                <a:solidFill>
+                  <a:schemeClr val="accent2">
+                    <a:lumMod val="75000"/>
+                  </a:schemeClr>
+                </a:solidFill>
+                <a:latin typeface="Lucida Console" charset="0"/>
+                <a:ea typeface="Lucida Console" charset="0"/>
+                <a:cs typeface="Lucida Console" charset="0"/>
+              </a:rPr>
+              <a:t>void</a:t>
+            </a:r>
+            <a:r>
+              <a:rPr lang="en-US" dirty="0" smtClean="0">
+                <a:latin typeface="Lucida Console" charset="0"/>
+                <a:ea typeface="Lucida Console" charset="0"/>
+                <a:cs typeface="Lucida Console" charset="0"/>
+              </a:rPr>
+              <a:t> </a:t>
+            </a:r>
+            <a:r>
+              <a:rPr lang="en-US" dirty="0" err="1" smtClean="0">
+                <a:latin typeface="Lucida Console" charset="0"/>
+                <a:ea typeface="Lucida Console" charset="0"/>
+                <a:cs typeface="Lucida Console" charset="0"/>
+              </a:rPr>
+              <a:t>copy_str</a:t>
+            </a:r>
+            <a:r>
+              <a:rPr lang="en-US" dirty="0" smtClean="0">
+                <a:latin typeface="Lucida Console" charset="0"/>
+                <a:ea typeface="Lucida Console" charset="0"/>
+                <a:cs typeface="Lucida Console" charset="0"/>
+              </a:rPr>
+              <a:t>(</a:t>
+            </a:r>
+            <a:r>
+              <a:rPr lang="en-US" dirty="0" smtClean="0">
+                <a:solidFill>
+                  <a:schemeClr val="accent2">
+                    <a:lumMod val="75000"/>
+                  </a:schemeClr>
+                </a:solidFill>
+                <a:latin typeface="Lucida Console" charset="0"/>
+                <a:ea typeface="Lucida Console" charset="0"/>
+                <a:cs typeface="Lucida Console" charset="0"/>
+              </a:rPr>
+              <a:t>char</a:t>
+            </a:r>
+            <a:r>
+              <a:rPr lang="en-US" dirty="0" smtClean="0">
+                <a:latin typeface="Lucida Console" charset="0"/>
+                <a:ea typeface="Lucida Console" charset="0"/>
+                <a:cs typeface="Lucida Console" charset="0"/>
+              </a:rPr>
+              <a:t> *str1, </a:t>
+            </a:r>
+            <a:r>
+              <a:rPr lang="en-US" dirty="0" err="1" smtClean="0">
+                <a:solidFill>
+                  <a:schemeClr val="accent2">
+                    <a:lumMod val="75000"/>
+                  </a:schemeClr>
+                </a:solidFill>
+                <a:latin typeface="Lucida Console" charset="0"/>
+                <a:ea typeface="Lucida Console" charset="0"/>
+                <a:cs typeface="Lucida Console" charset="0"/>
+              </a:rPr>
+              <a:t>const</a:t>
+            </a:r>
+            <a:r>
+              <a:rPr lang="en-US" dirty="0" smtClean="0">
+                <a:solidFill>
+                  <a:schemeClr val="accent2">
+                    <a:lumMod val="75000"/>
+                  </a:schemeClr>
+                </a:solidFill>
+                <a:latin typeface="Lucida Console" charset="0"/>
+                <a:ea typeface="Lucida Console" charset="0"/>
+                <a:cs typeface="Lucida Console" charset="0"/>
+              </a:rPr>
+              <a:t> char </a:t>
+            </a:r>
+            <a:r>
+              <a:rPr lang="en-US" dirty="0" smtClean="0">
+                <a:latin typeface="Lucida Console" charset="0"/>
+                <a:ea typeface="Lucida Console" charset="0"/>
+                <a:cs typeface="Lucida Console" charset="0"/>
+              </a:rPr>
+              <a:t>*str2) </a:t>
+            </a:r>
+          </a:p>
+          <a:p>
+            <a:r>
+              <a:rPr lang="en-US" dirty="0" smtClean="0">
+                <a:latin typeface="Lucida Console" charset="0"/>
+                <a:ea typeface="Lucida Console" charset="0"/>
+                <a:cs typeface="Lucida Console" charset="0"/>
+              </a:rPr>
+              <a:t>{</a:t>
+            </a:r>
+          </a:p>
+          <a:p>
+            <a:r>
+              <a:rPr lang="en-US" dirty="0">
+                <a:latin typeface="Lucida Console" charset="0"/>
+                <a:ea typeface="Lucida Console" charset="0"/>
+                <a:cs typeface="Lucida Console" charset="0"/>
+              </a:rPr>
+              <a:t> </a:t>
+            </a:r>
+            <a:r>
+              <a:rPr lang="en-US" dirty="0" smtClean="0">
+                <a:latin typeface="Lucida Console" charset="0"/>
+                <a:ea typeface="Lucida Console" charset="0"/>
+                <a:cs typeface="Lucida Console" charset="0"/>
+              </a:rPr>
+              <a:t>   </a:t>
+            </a:r>
+            <a:r>
+              <a:rPr lang="en-US" dirty="0" err="1" smtClean="0">
+                <a:solidFill>
+                  <a:schemeClr val="accent2">
+                    <a:lumMod val="75000"/>
+                  </a:schemeClr>
+                </a:solidFill>
+                <a:latin typeface="Lucida Console" charset="0"/>
+                <a:ea typeface="Lucida Console" charset="0"/>
+                <a:cs typeface="Lucida Console" charset="0"/>
+              </a:rPr>
+              <a:t>int</a:t>
+            </a:r>
+            <a:r>
+              <a:rPr lang="en-US" dirty="0" smtClean="0">
+                <a:solidFill>
+                  <a:schemeClr val="accent2">
+                    <a:lumMod val="75000"/>
+                  </a:schemeClr>
+                </a:solidFill>
+                <a:latin typeface="Lucida Console" charset="0"/>
+                <a:ea typeface="Lucida Console" charset="0"/>
+                <a:cs typeface="Lucida Console" charset="0"/>
+              </a:rPr>
+              <a:t> </a:t>
+            </a:r>
+            <a:r>
+              <a:rPr lang="en-US" dirty="0" err="1" smtClean="0">
+                <a:latin typeface="Lucida Console" charset="0"/>
+                <a:ea typeface="Lucida Console" charset="0"/>
+                <a:cs typeface="Lucida Console" charset="0"/>
+              </a:rPr>
+              <a:t>i</a:t>
+            </a:r>
+            <a:r>
+              <a:rPr lang="en-US" dirty="0" smtClean="0">
+                <a:latin typeface="Lucida Console" charset="0"/>
+                <a:ea typeface="Lucida Console" charset="0"/>
+                <a:cs typeface="Lucida Console" charset="0"/>
+              </a:rPr>
+              <a:t> = 0;</a:t>
+            </a:r>
+          </a:p>
+          <a:p>
+            <a:r>
+              <a:rPr lang="en-US" dirty="0">
+                <a:latin typeface="Lucida Console" charset="0"/>
+                <a:ea typeface="Lucida Console" charset="0"/>
+                <a:cs typeface="Lucida Console" charset="0"/>
+              </a:rPr>
+              <a:t> </a:t>
+            </a:r>
+            <a:r>
+              <a:rPr lang="en-US" dirty="0" smtClean="0">
+                <a:latin typeface="Lucida Console" charset="0"/>
+                <a:ea typeface="Lucida Console" charset="0"/>
+                <a:cs typeface="Lucida Console" charset="0"/>
+              </a:rPr>
+              <a:t>   </a:t>
+            </a:r>
+            <a:r>
+              <a:rPr lang="en-US" dirty="0" smtClean="0">
+                <a:solidFill>
+                  <a:schemeClr val="accent2">
+                    <a:lumMod val="75000"/>
+                  </a:schemeClr>
+                </a:solidFill>
+                <a:latin typeface="Lucida Console" charset="0"/>
+                <a:ea typeface="Lucida Console" charset="0"/>
+                <a:cs typeface="Lucida Console" charset="0"/>
+              </a:rPr>
+              <a:t>while </a:t>
+            </a:r>
+            <a:r>
+              <a:rPr lang="en-US" dirty="0" smtClean="0">
+                <a:latin typeface="Lucida Console" charset="0"/>
+                <a:ea typeface="Lucida Console" charset="0"/>
+                <a:cs typeface="Lucida Console" charset="0"/>
+              </a:rPr>
+              <a:t>(str2[</a:t>
+            </a:r>
+            <a:r>
+              <a:rPr lang="en-US" dirty="0" err="1" smtClean="0">
+                <a:latin typeface="Lucida Console" charset="0"/>
+                <a:ea typeface="Lucida Console" charset="0"/>
+                <a:cs typeface="Lucida Console" charset="0"/>
+              </a:rPr>
+              <a:t>i</a:t>
+            </a:r>
+            <a:r>
+              <a:rPr lang="en-US" dirty="0" smtClean="0">
+                <a:latin typeface="Lucida Console" charset="0"/>
+                <a:ea typeface="Lucida Console" charset="0"/>
+                <a:cs typeface="Lucida Console" charset="0"/>
+              </a:rPr>
+              <a:t>] != ‘\0’) {</a:t>
+            </a:r>
+          </a:p>
+          <a:p>
+            <a:r>
+              <a:rPr lang="en-US" dirty="0">
+                <a:latin typeface="Lucida Console" charset="0"/>
+                <a:ea typeface="Lucida Console" charset="0"/>
+                <a:cs typeface="Lucida Console" charset="0"/>
+              </a:rPr>
+              <a:t> </a:t>
+            </a:r>
+            <a:r>
+              <a:rPr lang="en-US" dirty="0" smtClean="0">
+                <a:latin typeface="Lucida Console" charset="0"/>
+                <a:ea typeface="Lucida Console" charset="0"/>
+                <a:cs typeface="Lucida Console" charset="0"/>
+              </a:rPr>
+              <a:t>       str1[</a:t>
+            </a:r>
+            <a:r>
+              <a:rPr lang="en-US" dirty="0" err="1" smtClean="0">
+                <a:latin typeface="Lucida Console" charset="0"/>
+                <a:ea typeface="Lucida Console" charset="0"/>
+                <a:cs typeface="Lucida Console" charset="0"/>
+              </a:rPr>
+              <a:t>i</a:t>
+            </a:r>
+            <a:r>
+              <a:rPr lang="en-US" dirty="0" smtClean="0">
+                <a:latin typeface="Lucida Console" charset="0"/>
+                <a:ea typeface="Lucida Console" charset="0"/>
+                <a:cs typeface="Lucida Console" charset="0"/>
+              </a:rPr>
+              <a:t>] = str2[</a:t>
+            </a:r>
+            <a:r>
+              <a:rPr lang="en-US" dirty="0" err="1" smtClean="0">
+                <a:latin typeface="Lucida Console" charset="0"/>
+                <a:ea typeface="Lucida Console" charset="0"/>
+                <a:cs typeface="Lucida Console" charset="0"/>
+              </a:rPr>
+              <a:t>i</a:t>
+            </a:r>
+            <a:r>
+              <a:rPr lang="en-US" dirty="0" smtClean="0">
+                <a:latin typeface="Lucida Console" charset="0"/>
+                <a:ea typeface="Lucida Console" charset="0"/>
+                <a:cs typeface="Lucida Console" charset="0"/>
+              </a:rPr>
+              <a:t>]; </a:t>
+            </a:r>
+          </a:p>
+          <a:p>
+            <a:r>
+              <a:rPr lang="en-US" dirty="0">
+                <a:latin typeface="Lucida Console" charset="0"/>
+                <a:ea typeface="Lucida Console" charset="0"/>
+                <a:cs typeface="Lucida Console" charset="0"/>
+              </a:rPr>
+              <a:t> </a:t>
+            </a:r>
+            <a:r>
+              <a:rPr lang="en-US" dirty="0" smtClean="0">
+                <a:latin typeface="Lucida Console" charset="0"/>
+                <a:ea typeface="Lucida Console" charset="0"/>
+                <a:cs typeface="Lucida Console" charset="0"/>
+              </a:rPr>
+              <a:t>       </a:t>
+            </a:r>
+            <a:r>
+              <a:rPr lang="en-US" dirty="0" err="1" smtClean="0">
+                <a:latin typeface="Lucida Console" charset="0"/>
+                <a:ea typeface="Lucida Console" charset="0"/>
+                <a:cs typeface="Lucida Console" charset="0"/>
+              </a:rPr>
+              <a:t>i</a:t>
+            </a:r>
+            <a:r>
+              <a:rPr lang="en-US" dirty="0" smtClean="0">
+                <a:latin typeface="Lucida Console" charset="0"/>
+                <a:ea typeface="Lucida Console" charset="0"/>
+                <a:cs typeface="Lucida Console" charset="0"/>
+              </a:rPr>
+              <a:t>++;</a:t>
+            </a:r>
+          </a:p>
+          <a:p>
+            <a:r>
+              <a:rPr lang="en-US" dirty="0" smtClean="0">
+                <a:latin typeface="Lucida Console" charset="0"/>
+                <a:ea typeface="Lucida Console" charset="0"/>
+                <a:cs typeface="Lucida Console" charset="0"/>
+              </a:rPr>
+              <a:t>    }</a:t>
+            </a:r>
+          </a:p>
+          <a:p>
+            <a:r>
+              <a:rPr lang="en-US" dirty="0">
+                <a:solidFill>
+                  <a:schemeClr val="accent2">
+                    <a:lumMod val="75000"/>
+                  </a:schemeClr>
+                </a:solidFill>
+                <a:latin typeface="Lucida Console" charset="0"/>
+                <a:ea typeface="Lucida Console" charset="0"/>
+                <a:cs typeface="Lucida Console" charset="0"/>
+              </a:rPr>
+              <a:t> </a:t>
+            </a:r>
+            <a:r>
+              <a:rPr lang="en-US" dirty="0" smtClean="0">
+                <a:solidFill>
+                  <a:schemeClr val="accent2">
+                    <a:lumMod val="75000"/>
+                  </a:schemeClr>
+                </a:solidFill>
+                <a:latin typeface="Lucida Console" charset="0"/>
+                <a:ea typeface="Lucida Console" charset="0"/>
+                <a:cs typeface="Lucida Console" charset="0"/>
+              </a:rPr>
+              <a:t>   </a:t>
+            </a:r>
+            <a:r>
+              <a:rPr lang="en-US" dirty="0" smtClean="0">
+                <a:latin typeface="Lucida Console" charset="0"/>
+                <a:ea typeface="Lucida Console" charset="0"/>
+                <a:cs typeface="Lucida Console" charset="0"/>
+              </a:rPr>
+              <a:t>str1[</a:t>
+            </a:r>
+            <a:r>
+              <a:rPr lang="en-US" dirty="0" err="1" smtClean="0">
+                <a:latin typeface="Lucida Console" charset="0"/>
+                <a:ea typeface="Lucida Console" charset="0"/>
+                <a:cs typeface="Lucida Console" charset="0"/>
+              </a:rPr>
+              <a:t>i</a:t>
+            </a:r>
+            <a:r>
+              <a:rPr lang="en-US" dirty="0" smtClean="0">
+                <a:latin typeface="Lucida Console" charset="0"/>
+                <a:ea typeface="Lucida Console" charset="0"/>
+                <a:cs typeface="Lucida Console" charset="0"/>
+              </a:rPr>
+              <a:t>] = ’\0’;</a:t>
+            </a:r>
+          </a:p>
+          <a:p>
+            <a:r>
+              <a:rPr lang="en-US" dirty="0">
+                <a:latin typeface="Lucida Console" charset="0"/>
+                <a:ea typeface="Lucida Console" charset="0"/>
+                <a:cs typeface="Lucida Console" charset="0"/>
+              </a:rPr>
+              <a:t>}</a:t>
+            </a:r>
+            <a:r>
+              <a:rPr lang="en-US" dirty="0" smtClean="0">
+                <a:latin typeface="Lucida Console" charset="0"/>
+                <a:ea typeface="Lucida Console" charset="0"/>
+                <a:cs typeface="Lucida Console" charset="0"/>
+              </a:rPr>
+              <a:t> </a:t>
+            </a:r>
+          </a:p>
+          <a:p>
+            <a:r>
+              <a:rPr lang="en-US" dirty="0" smtClean="0">
+                <a:latin typeface="Lucida Console" charset="0"/>
+                <a:ea typeface="Lucida Console" charset="0"/>
+                <a:cs typeface="Lucida Console" charset="0"/>
+              </a:rPr>
+              <a:t>. . . </a:t>
+            </a:r>
+          </a:p>
+          <a:p>
+            <a:r>
+              <a:rPr lang="en-US" dirty="0" smtClean="0">
+                <a:solidFill>
+                  <a:schemeClr val="accent2">
+                    <a:lumMod val="75000"/>
+                  </a:schemeClr>
+                </a:solidFill>
+                <a:latin typeface="Lucida Console" charset="0"/>
+                <a:ea typeface="Lucida Console" charset="0"/>
+                <a:cs typeface="Lucida Console" charset="0"/>
+              </a:rPr>
+              <a:t>char </a:t>
+            </a:r>
+            <a:r>
+              <a:rPr lang="en-US" dirty="0" err="1" smtClean="0">
+                <a:latin typeface="Lucida Console" charset="0"/>
+                <a:ea typeface="Lucida Console" charset="0"/>
+                <a:cs typeface="Lucida Console" charset="0"/>
+              </a:rPr>
+              <a:t>hw</a:t>
+            </a:r>
+            <a:r>
+              <a:rPr lang="en-US" dirty="0" smtClean="0">
+                <a:latin typeface="Lucida Console" charset="0"/>
+                <a:ea typeface="Lucida Console" charset="0"/>
+                <a:cs typeface="Lucida Console" charset="0"/>
+              </a:rPr>
+              <a:t>[] = “Hello, World!”;</a:t>
+            </a:r>
+          </a:p>
+          <a:p>
+            <a:r>
+              <a:rPr lang="en-US" dirty="0">
+                <a:solidFill>
+                  <a:schemeClr val="accent2">
+                    <a:lumMod val="75000"/>
+                  </a:schemeClr>
+                </a:solidFill>
+                <a:latin typeface="Lucida Console" charset="0"/>
+                <a:ea typeface="Lucida Console" charset="0"/>
+                <a:cs typeface="Lucida Console" charset="0"/>
+              </a:rPr>
+              <a:t>c</a:t>
+            </a:r>
+            <a:r>
+              <a:rPr lang="en-US" dirty="0" smtClean="0">
+                <a:solidFill>
+                  <a:schemeClr val="accent2">
+                    <a:lumMod val="75000"/>
+                  </a:schemeClr>
+                </a:solidFill>
+                <a:latin typeface="Lucida Console" charset="0"/>
+                <a:ea typeface="Lucida Console" charset="0"/>
+                <a:cs typeface="Lucida Console" charset="0"/>
+              </a:rPr>
+              <a:t>har </a:t>
+            </a:r>
+            <a:r>
+              <a:rPr lang="en-US" dirty="0" err="1" smtClean="0">
+                <a:latin typeface="Lucida Console" charset="0"/>
+                <a:ea typeface="Lucida Console" charset="0"/>
+                <a:cs typeface="Lucida Console" charset="0"/>
+              </a:rPr>
+              <a:t>coped_hw</a:t>
+            </a:r>
+            <a:r>
+              <a:rPr lang="en-US" dirty="0" smtClean="0">
+                <a:latin typeface="Lucida Console" charset="0"/>
+                <a:ea typeface="Lucida Console" charset="0"/>
+                <a:cs typeface="Lucida Console" charset="0"/>
+              </a:rPr>
+              <a:t>[</a:t>
+            </a:r>
+            <a:r>
+              <a:rPr lang="en-US" dirty="0" err="1" smtClean="0">
+                <a:solidFill>
+                  <a:schemeClr val="accent2">
+                    <a:lumMod val="75000"/>
+                  </a:schemeClr>
+                </a:solidFill>
+                <a:latin typeface="Lucida Console" charset="0"/>
+                <a:ea typeface="Lucida Console" charset="0"/>
+                <a:cs typeface="Lucida Console" charset="0"/>
+              </a:rPr>
+              <a:t>sizeof</a:t>
+            </a:r>
+            <a:r>
+              <a:rPr lang="en-US" dirty="0" smtClean="0">
+                <a:latin typeface="Lucida Console" charset="0"/>
+                <a:ea typeface="Lucida Console" charset="0"/>
+                <a:cs typeface="Lucida Console" charset="0"/>
+              </a:rPr>
+              <a:t>(</a:t>
+            </a:r>
+            <a:r>
+              <a:rPr lang="en-US" dirty="0" err="1" smtClean="0">
+                <a:latin typeface="Lucida Console" charset="0"/>
+                <a:ea typeface="Lucida Console" charset="0"/>
+                <a:cs typeface="Lucida Console" charset="0"/>
+              </a:rPr>
+              <a:t>hw</a:t>
+            </a:r>
+            <a:r>
+              <a:rPr lang="en-US" dirty="0" smtClean="0">
+                <a:latin typeface="Lucida Console" charset="0"/>
+                <a:ea typeface="Lucida Console" charset="0"/>
+                <a:cs typeface="Lucida Console" charset="0"/>
+              </a:rPr>
+              <a:t>)];</a:t>
+            </a:r>
+          </a:p>
+          <a:p>
+            <a:r>
+              <a:rPr lang="en-US" dirty="0" err="1">
+                <a:latin typeface="Lucida Console" charset="0"/>
+                <a:ea typeface="Lucida Console" charset="0"/>
+                <a:cs typeface="Lucida Console" charset="0"/>
+              </a:rPr>
+              <a:t>c</a:t>
+            </a:r>
+            <a:r>
+              <a:rPr lang="en-US" dirty="0" err="1" smtClean="0">
+                <a:latin typeface="Lucida Console" charset="0"/>
+                <a:ea typeface="Lucida Console" charset="0"/>
+                <a:cs typeface="Lucida Console" charset="0"/>
+              </a:rPr>
+              <a:t>opy_str</a:t>
+            </a:r>
+            <a:r>
+              <a:rPr lang="en-US" dirty="0" smtClean="0">
+                <a:latin typeface="Lucida Console" charset="0"/>
+                <a:ea typeface="Lucida Console" charset="0"/>
+                <a:cs typeface="Lucida Console" charset="0"/>
+              </a:rPr>
+              <a:t>(</a:t>
+            </a:r>
+            <a:r>
+              <a:rPr lang="en-US" dirty="0" err="1" smtClean="0">
+                <a:latin typeface="Lucida Console" charset="0"/>
+                <a:ea typeface="Lucida Console" charset="0"/>
+                <a:cs typeface="Lucida Console" charset="0"/>
+              </a:rPr>
+              <a:t>coped_hw</a:t>
+            </a:r>
+            <a:r>
+              <a:rPr lang="en-US" dirty="0" smtClean="0">
+                <a:latin typeface="Lucida Console" charset="0"/>
+                <a:ea typeface="Lucida Console" charset="0"/>
+                <a:cs typeface="Lucida Console" charset="0"/>
+              </a:rPr>
+              <a:t>, </a:t>
+            </a:r>
+            <a:r>
+              <a:rPr lang="en-US" dirty="0" err="1" smtClean="0">
+                <a:latin typeface="Lucida Console" charset="0"/>
+                <a:ea typeface="Lucida Console" charset="0"/>
+                <a:cs typeface="Lucida Console" charset="0"/>
+              </a:rPr>
+              <a:t>hw</a:t>
+            </a:r>
+            <a:r>
+              <a:rPr lang="en-US" dirty="0" smtClean="0">
+                <a:latin typeface="Lucida Console" charset="0"/>
+                <a:ea typeface="Lucida Console" charset="0"/>
+                <a:cs typeface="Lucida Console" charset="0"/>
+              </a:rPr>
+              <a:t>);</a:t>
+            </a:r>
+          </a:p>
+          <a:p>
+            <a:endParaRPr lang="en-US" dirty="0">
+              <a:latin typeface="Lucida Console" charset="0"/>
+              <a:ea typeface="Lucida Console" charset="0"/>
+              <a:cs typeface="Lucida Console" charset="0"/>
+            </a:endParaRPr>
+          </a:p>
+        </p:txBody>
+      </p:sp>
+      <p:sp>
+        <p:nvSpPr>
+          <p:cNvPr id="8" name="TextBox 7"/>
+          <p:cNvSpPr txBox="1"/>
+          <p:nvPr/>
+        </p:nvSpPr>
+        <p:spPr>
+          <a:xfrm>
+            <a:off x="2079574" y="2446854"/>
+            <a:ext cx="968535" cy="369332"/>
+          </a:xfrm>
+          <a:prstGeom prst="rect">
+            <a:avLst/>
+          </a:prstGeom>
+          <a:noFill/>
+        </p:spPr>
+        <p:txBody>
+          <a:bodyPr wrap="none" rtlCol="0">
+            <a:spAutoFit/>
+          </a:bodyPr>
+          <a:lstStyle/>
+          <a:p>
+            <a:r>
+              <a:rPr lang="ru-RU" i="1" dirty="0" smtClean="0"/>
+              <a:t>Пример</a:t>
+            </a:r>
+            <a:endParaRPr lang="en-US" i="1" dirty="0"/>
+          </a:p>
+        </p:txBody>
+      </p:sp>
+    </p:spTree>
+    <p:extLst>
+      <p:ext uri="{BB962C8B-B14F-4D97-AF65-F5344CB8AC3E}">
+        <p14:creationId xmlns:p14="http://schemas.microsoft.com/office/powerpoint/2010/main" val="469808485"/>
+      </p:ext>
+    </p:extLst>
+  </p:cSld>
+  <p:clrMapOvr>
+    <a:masterClrMapping/>
+  </p:clrMapOvr>
+  <p:timing>
+    <p:tnLst>
+      <p:par>
+        <p:cTn id="1" dur="indefinite" restart="never" nodeType="tmRoot">
+          <p:childTnLst>
+            <p:seq concurrent="1" nextAc="seek">
+              <p:cTn id="2" dur="indefinite" nodeType="mainSeq">
+                <p:childTnLst>
+                  <p:par>
+                    <p:cTn id="3" fill="hold">
+                      <p:stCondLst>
+                        <p:cond delay="indefinite"/>
+                      </p:stCondLst>
+                      <p:childTnLst>
+                        <p:par>
+                          <p:cTn id="4" fill="hold">
+                            <p:stCondLst>
+                              <p:cond delay="0"/>
+                            </p:stCondLst>
+                            <p:childTnLst>
+                              <p:par>
+                                <p:cTn id="5" presetID="10" presetClass="entr" presetSubtype="0" fill="hold" grpId="0" nodeType="clickEffect">
+                                  <p:stCondLst>
+                                    <p:cond delay="0"/>
+                                  </p:stCondLst>
+                                  <p:childTnLst>
+                                    <p:set>
+                                      <p:cBhvr>
+                                        <p:cTn id="6" dur="1" fill="hold">
+                                          <p:stCondLst>
+                                            <p:cond delay="0"/>
+                                          </p:stCondLst>
+                                        </p:cTn>
+                                        <p:tgtEl>
+                                          <p:spTgt spid="7"/>
+                                        </p:tgtEl>
+                                        <p:attrNameLst>
+                                          <p:attrName>style.visibility</p:attrName>
+                                        </p:attrNameLst>
+                                      </p:cBhvr>
+                                      <p:to>
+                                        <p:strVal val="visible"/>
+                                      </p:to>
+                                    </p:set>
+                                    <p:animEffect transition="in" filter="fade">
+                                      <p:cBhvr>
+                                        <p:cTn id="7" dur="500"/>
+                                        <p:tgtEl>
+                                          <p:spTgt spid="7"/>
+                                        </p:tgtEl>
+                                      </p:cBhvr>
+                                    </p:animEffect>
+                                  </p:childTnLst>
+                                </p:cTn>
+                              </p:par>
+                              <p:par>
+                                <p:cTn id="8" presetID="10" presetClass="entr" presetSubtype="0" fill="hold" grpId="0" nodeType="withEffect">
+                                  <p:stCondLst>
+                                    <p:cond delay="0"/>
+                                  </p:stCondLst>
+                                  <p:childTnLst>
+                                    <p:set>
+                                      <p:cBhvr>
+                                        <p:cTn id="9" dur="1" fill="hold">
+                                          <p:stCondLst>
+                                            <p:cond delay="0"/>
+                                          </p:stCondLst>
+                                        </p:cTn>
+                                        <p:tgtEl>
+                                          <p:spTgt spid="8"/>
+                                        </p:tgtEl>
+                                        <p:attrNameLst>
+                                          <p:attrName>style.visibility</p:attrName>
+                                        </p:attrNameLst>
+                                      </p:cBhvr>
+                                      <p:to>
+                                        <p:strVal val="visible"/>
+                                      </p:to>
+                                    </p:set>
+                                    <p:animEffect transition="in" filter="fade">
+                                      <p:cBhvr>
+                                        <p:cTn id="10" dur="500"/>
+                                        <p:tgtEl>
+                                          <p:spTgt spid="8"/>
+                                        </p:tgtEl>
+                                      </p:cBhvr>
+                                    </p:animEffect>
+                                  </p:childTnLst>
+                                </p:cTn>
+                              </p:par>
+                            </p:childTnLst>
+                          </p:cTn>
+                        </p:par>
+                      </p:childTnLst>
+                    </p:cTn>
+                  </p:par>
+                </p:childTnLst>
+              </p:cTn>
+              <p:prevCondLst>
+                <p:cond evt="onPrev" delay="0">
+                  <p:tgtEl>
+                    <p:sldTgt/>
+                  </p:tgtEl>
+                </p:cond>
+              </p:prevCondLst>
+              <p:nextCondLst>
+                <p:cond evt="onNext" delay="0">
+                  <p:tgtEl>
+                    <p:sldTgt/>
+                  </p:tgtEl>
+                </p:cond>
+              </p:nextCondLst>
+            </p:seq>
+          </p:childTnLst>
+        </p:cTn>
+      </p:par>
+    </p:tnLst>
+    <p:bldLst>
+      <p:bldP spid="7" grpId="0"/>
+      <p:bldP spid="8" grpId="0"/>
+    </p:bldLst>
+  </p:timing>
+</p:sld>
+</file>
+
+<file path=ppt/slides/slide22.xml><?xml version="1.0" encoding="utf-8"?>
+<p:sld xmlns:a="http://schemas.openxmlformats.org/drawingml/2006/main" xmlns:r="http://schemas.openxmlformats.org/officeDocument/2006/relationships" xmlns:p="http://schemas.openxmlformats.org/presentationml/2006/main">
+  <p:cSld>
+    <p:spTree>
+      <p:nvGrpSpPr>
+        <p:cNvPr id="1" name=""/>
+        <p:cNvGrpSpPr/>
+        <p:nvPr/>
+      </p:nvGrpSpPr>
+      <p:grpSpPr>
+        <a:xfrm>
+          <a:off x="0" y="0"/>
+          <a:ext cx="0" cy="0"/>
+          <a:chOff x="0" y="0"/>
+          <a:chExt cx="0" cy="0"/>
+        </a:xfrm>
+      </p:grpSpPr>
+      <p:sp>
+        <p:nvSpPr>
+          <p:cNvPr id="2" name="Title 1"/>
+          <p:cNvSpPr>
+            <a:spLocks noGrp="1"/>
+          </p:cNvSpPr>
+          <p:nvPr>
+            <p:ph type="title"/>
+          </p:nvPr>
+        </p:nvSpPr>
+        <p:spPr/>
+        <p:txBody>
+          <a:bodyPr>
+            <a:normAutofit/>
+          </a:bodyPr>
+          <a:lstStyle/>
+          <a:p>
+            <a:r>
+              <a:rPr lang="ru-RU" dirty="0" smtClean="0"/>
+              <a:t>Функции</a:t>
+            </a:r>
+            <a:br>
+              <a:rPr lang="ru-RU" dirty="0" smtClean="0"/>
+            </a:br>
+            <a:r>
+              <a:rPr lang="ru-RU" dirty="0" smtClean="0"/>
+              <a:t>------------------------------------------------------------</a:t>
+            </a:r>
+            <a:endParaRPr lang="en-US" dirty="0"/>
+          </a:p>
+        </p:txBody>
+      </p:sp>
+      <p:sp>
+        <p:nvSpPr>
+          <p:cNvPr id="23" name="Content Placeholder 2"/>
+          <p:cNvSpPr txBox="1">
+            <a:spLocks/>
+          </p:cNvSpPr>
+          <p:nvPr/>
+        </p:nvSpPr>
+        <p:spPr>
+          <a:xfrm>
+            <a:off x="838200" y="1825625"/>
+            <a:ext cx="10515600" cy="4351338"/>
+          </a:xfrm>
+          <a:prstGeom prst="rect">
+            <a:avLst/>
+          </a:prstGeom>
+        </p:spPr>
+        <p:txBody>
+          <a:bodyPr vert="horz" lIns="91440" tIns="45720" rIns="91440" bIns="45720" rtlCol="0" anchor="ctr">
+            <a:normAutofit/>
+          </a:bodyPr>
+          <a:lstStyle>
+            <a:lvl1pPr marL="228600" indent="-228600" algn="l" defTabSz="914400" rtl="0" eaLnBrk="1" latinLnBrk="0" hangingPunct="1">
+              <a:lnSpc>
+                <a:spcPct val="90000"/>
+              </a:lnSpc>
+              <a:spcBef>
+                <a:spcPts val="1000"/>
+              </a:spcBef>
+              <a:buFont typeface="Arial"/>
+              <a:buChar char="•"/>
+              <a:defRPr sz="2800" kern="1200">
+                <a:solidFill>
+                  <a:schemeClr val="tx1"/>
+                </a:solidFill>
+                <a:latin typeface="+mn-lt"/>
+                <a:ea typeface="+mn-ea"/>
+                <a:cs typeface="+mn-cs"/>
+              </a:defRPr>
+            </a:lvl1pPr>
+            <a:lvl2pPr marL="685800" indent="-228600" algn="l" defTabSz="914400" rtl="0" eaLnBrk="1" latinLnBrk="0" hangingPunct="1">
+              <a:lnSpc>
+                <a:spcPct val="90000"/>
+              </a:lnSpc>
+              <a:spcBef>
+                <a:spcPts val="500"/>
+              </a:spcBef>
+              <a:buFont typeface="Arial"/>
+              <a:buChar char="•"/>
+              <a:defRPr sz="2400" kern="1200">
+                <a:solidFill>
+                  <a:schemeClr val="tx1"/>
+                </a:solidFill>
+                <a:latin typeface="+mn-lt"/>
+                <a:ea typeface="+mn-ea"/>
+                <a:cs typeface="+mn-cs"/>
+              </a:defRPr>
+            </a:lvl2pPr>
+            <a:lvl3pPr marL="1143000" indent="-228600" algn="l" defTabSz="914400" rtl="0" eaLnBrk="1" latinLnBrk="0" hangingPunct="1">
+              <a:lnSpc>
+                <a:spcPct val="90000"/>
+              </a:lnSpc>
+              <a:spcBef>
+                <a:spcPts val="500"/>
+              </a:spcBef>
+              <a:buFont typeface="Arial"/>
+              <a:buChar char="•"/>
+              <a:defRPr sz="2000" kern="1200">
+                <a:solidFill>
+                  <a:schemeClr val="tx1"/>
+                </a:solidFill>
+                <a:latin typeface="+mn-lt"/>
+                <a:ea typeface="+mn-ea"/>
+                <a:cs typeface="+mn-cs"/>
+              </a:defRPr>
+            </a:lvl3pPr>
+            <a:lvl4pPr marL="1600200" indent="-228600" algn="l" defTabSz="914400" rtl="0" eaLnBrk="1" latinLnBrk="0" hangingPunct="1">
+              <a:lnSpc>
+                <a:spcPct val="90000"/>
+              </a:lnSpc>
+              <a:spcBef>
+                <a:spcPts val="500"/>
+              </a:spcBef>
+              <a:buFont typeface="Arial"/>
+              <a:buChar char="•"/>
+              <a:defRPr sz="1800" kern="1200">
+                <a:solidFill>
+                  <a:schemeClr val="tx1"/>
+                </a:solidFill>
+                <a:latin typeface="+mn-lt"/>
+                <a:ea typeface="+mn-ea"/>
+                <a:cs typeface="+mn-cs"/>
+              </a:defRPr>
+            </a:lvl4pPr>
+            <a:lvl5pPr marL="2057400" indent="-228600" algn="l" defTabSz="914400" rtl="0" eaLnBrk="1" latinLnBrk="0" hangingPunct="1">
+              <a:lnSpc>
+                <a:spcPct val="90000"/>
+              </a:lnSpc>
+              <a:spcBef>
+                <a:spcPts val="500"/>
+              </a:spcBef>
+              <a:buFont typeface="Arial"/>
+              <a:buChar char="•"/>
+              <a:defRPr sz="1800" kern="1200">
+                <a:solidFill>
+                  <a:schemeClr val="tx1"/>
+                </a:solidFill>
+                <a:latin typeface="+mn-lt"/>
+                <a:ea typeface="+mn-ea"/>
+                <a:cs typeface="+mn-cs"/>
+              </a:defRPr>
+            </a:lvl5pPr>
+            <a:lvl6pPr marL="2514600" indent="-228600" algn="l" defTabSz="914400" rtl="0" eaLnBrk="1" latinLnBrk="0" hangingPunct="1">
+              <a:lnSpc>
+                <a:spcPct val="90000"/>
+              </a:lnSpc>
+              <a:spcBef>
+                <a:spcPts val="500"/>
+              </a:spcBef>
+              <a:buFont typeface="Arial"/>
+              <a:buChar char="•"/>
+              <a:defRPr sz="1800" kern="1200">
+                <a:solidFill>
+                  <a:schemeClr val="tx1"/>
+                </a:solidFill>
+                <a:latin typeface="+mn-lt"/>
+                <a:ea typeface="+mn-ea"/>
+                <a:cs typeface="+mn-cs"/>
+              </a:defRPr>
+            </a:lvl6pPr>
+            <a:lvl7pPr marL="2971800" indent="-228600" algn="l" defTabSz="914400" rtl="0" eaLnBrk="1" latinLnBrk="0" hangingPunct="1">
+              <a:lnSpc>
+                <a:spcPct val="90000"/>
+              </a:lnSpc>
+              <a:spcBef>
+                <a:spcPts val="500"/>
+              </a:spcBef>
+              <a:buFont typeface="Arial"/>
+              <a:buChar char="•"/>
+              <a:defRPr sz="1800" kern="1200">
+                <a:solidFill>
+                  <a:schemeClr val="tx1"/>
+                </a:solidFill>
+                <a:latin typeface="+mn-lt"/>
+                <a:ea typeface="+mn-ea"/>
+                <a:cs typeface="+mn-cs"/>
+              </a:defRPr>
+            </a:lvl7pPr>
+            <a:lvl8pPr marL="3429000" indent="-228600" algn="l" defTabSz="914400" rtl="0" eaLnBrk="1" latinLnBrk="0" hangingPunct="1">
+              <a:lnSpc>
+                <a:spcPct val="90000"/>
+              </a:lnSpc>
+              <a:spcBef>
+                <a:spcPts val="500"/>
+              </a:spcBef>
+              <a:buFont typeface="Arial"/>
+              <a:buChar char="•"/>
+              <a:defRPr sz="1800" kern="1200">
+                <a:solidFill>
+                  <a:schemeClr val="tx1"/>
+                </a:solidFill>
+                <a:latin typeface="+mn-lt"/>
+                <a:ea typeface="+mn-ea"/>
+                <a:cs typeface="+mn-cs"/>
+              </a:defRPr>
+            </a:lvl8pPr>
+            <a:lvl9pPr marL="3886200" indent="-228600" algn="l" defTabSz="914400" rtl="0" eaLnBrk="1" latinLnBrk="0" hangingPunct="1">
+              <a:lnSpc>
+                <a:spcPct val="90000"/>
+              </a:lnSpc>
+              <a:spcBef>
+                <a:spcPts val="500"/>
+              </a:spcBef>
+              <a:buFont typeface="Arial"/>
+              <a:buChar char="•"/>
+              <a:defRPr sz="1800" kern="1200">
+                <a:solidFill>
+                  <a:schemeClr val="tx1"/>
+                </a:solidFill>
+                <a:latin typeface="+mn-lt"/>
+                <a:ea typeface="+mn-ea"/>
+                <a:cs typeface="+mn-cs"/>
+              </a:defRPr>
+            </a:lvl9pPr>
+          </a:lstStyle>
+          <a:p>
+            <a:pPr marL="0" indent="0" algn="ctr">
+              <a:buFont typeface="Arial"/>
+              <a:buNone/>
+            </a:pPr>
+            <a:r>
+              <a:rPr lang="ru-RU" sz="5400" dirty="0" smtClean="0"/>
+              <a:t>Сравните код</a:t>
+            </a:r>
+            <a:endParaRPr lang="en-US" dirty="0"/>
+          </a:p>
+        </p:txBody>
+      </p:sp>
+      <p:sp>
+        <p:nvSpPr>
+          <p:cNvPr id="24" name="TextBox 23"/>
+          <p:cNvSpPr txBox="1"/>
+          <p:nvPr/>
+        </p:nvSpPr>
+        <p:spPr>
+          <a:xfrm>
+            <a:off x="5154075" y="6365875"/>
+            <a:ext cx="2308645" cy="600164"/>
+          </a:xfrm>
+          <a:prstGeom prst="rect">
+            <a:avLst/>
+          </a:prstGeom>
+          <a:noFill/>
+        </p:spPr>
+        <p:txBody>
+          <a:bodyPr wrap="none" rtlCol="0">
+            <a:spAutoFit/>
+          </a:bodyPr>
+          <a:lstStyle/>
+          <a:p>
+            <a:r>
+              <a:rPr lang="en-US" sz="1100" dirty="0" smtClean="0">
+                <a:solidFill>
+                  <a:schemeClr val="accent2">
+                    <a:lumMod val="75000"/>
+                  </a:schemeClr>
+                </a:solidFill>
+                <a:latin typeface="Lucida Console" charset="0"/>
+                <a:ea typeface="Lucida Console" charset="0"/>
+                <a:cs typeface="Lucida Console" charset="0"/>
+              </a:rPr>
+              <a:t>Files:</a:t>
+            </a:r>
+            <a:r>
+              <a:rPr lang="ru-RU" sz="1100" dirty="0" smtClean="0">
+                <a:solidFill>
+                  <a:schemeClr val="accent2">
+                    <a:lumMod val="75000"/>
+                  </a:schemeClr>
+                </a:solidFill>
+                <a:latin typeface="Lucida Console" charset="0"/>
+                <a:ea typeface="Lucida Console" charset="0"/>
+                <a:cs typeface="Lucida Console" charset="0"/>
+              </a:rPr>
+              <a:t> </a:t>
+            </a:r>
+            <a:r>
+              <a:rPr lang="en-US" sz="1100" dirty="0" err="1" smtClean="0">
+                <a:solidFill>
+                  <a:schemeClr val="accent2">
+                    <a:lumMod val="75000"/>
+                  </a:schemeClr>
+                </a:solidFill>
+                <a:latin typeface="Lucida Console" charset="0"/>
+                <a:ea typeface="Lucida Console" charset="0"/>
+                <a:cs typeface="Lucida Console" charset="0"/>
+              </a:rPr>
+              <a:t>with_function.c</a:t>
+            </a:r>
+            <a:endParaRPr lang="en-US" sz="1100" dirty="0" smtClean="0">
+              <a:solidFill>
+                <a:schemeClr val="accent2">
+                  <a:lumMod val="75000"/>
+                </a:schemeClr>
+              </a:solidFill>
+              <a:latin typeface="Lucida Console" charset="0"/>
+              <a:ea typeface="Lucida Console" charset="0"/>
+              <a:cs typeface="Lucida Console" charset="0"/>
+            </a:endParaRPr>
+          </a:p>
+          <a:p>
+            <a:r>
+              <a:rPr lang="en-US" sz="1100" dirty="0" smtClean="0">
+                <a:solidFill>
+                  <a:schemeClr val="accent2">
+                    <a:lumMod val="75000"/>
+                  </a:schemeClr>
+                </a:solidFill>
+                <a:latin typeface="Lucida Console" charset="0"/>
+                <a:ea typeface="Lucida Console" charset="0"/>
+                <a:cs typeface="Lucida Console" charset="0"/>
+              </a:rPr>
+              <a:t>       </a:t>
+            </a:r>
+            <a:r>
+              <a:rPr lang="en-US" sz="1100" dirty="0" err="1" smtClean="0">
+                <a:solidFill>
+                  <a:schemeClr val="accent2">
+                    <a:lumMod val="75000"/>
+                  </a:schemeClr>
+                </a:solidFill>
+                <a:latin typeface="Lucida Console" charset="0"/>
+                <a:ea typeface="Lucida Console" charset="0"/>
+                <a:cs typeface="Lucida Console" charset="0"/>
+              </a:rPr>
+              <a:t>without_function.c</a:t>
+            </a:r>
+            <a:endParaRPr lang="en-US" sz="1100" dirty="0" smtClean="0">
+              <a:solidFill>
+                <a:schemeClr val="accent2">
+                  <a:lumMod val="75000"/>
+                </a:schemeClr>
+              </a:solidFill>
+              <a:latin typeface="Lucida Console" charset="0"/>
+              <a:ea typeface="Lucida Console" charset="0"/>
+              <a:cs typeface="Lucida Console" charset="0"/>
+            </a:endParaRPr>
+          </a:p>
+          <a:p>
+            <a:r>
+              <a:rPr lang="en-US" sz="1100" dirty="0" smtClean="0">
+                <a:solidFill>
+                  <a:schemeClr val="accent2">
+                    <a:lumMod val="75000"/>
+                  </a:schemeClr>
+                </a:solidFill>
+                <a:latin typeface="Lucida Console" charset="0"/>
+                <a:ea typeface="Lucida Console" charset="0"/>
+                <a:cs typeface="Lucida Console" charset="0"/>
+              </a:rPr>
+              <a:t>       </a:t>
+            </a:r>
+            <a:endParaRPr lang="en-US" sz="1100" dirty="0">
+              <a:solidFill>
+                <a:schemeClr val="accent2">
+                  <a:lumMod val="75000"/>
+                </a:schemeClr>
+              </a:solidFill>
+              <a:latin typeface="Lucida Console" charset="0"/>
+              <a:ea typeface="Lucida Console" charset="0"/>
+              <a:cs typeface="Lucida Console" charset="0"/>
+            </a:endParaRPr>
+          </a:p>
+        </p:txBody>
+      </p:sp>
+    </p:spTree>
+    <p:extLst>
+      <p:ext uri="{BB962C8B-B14F-4D97-AF65-F5344CB8AC3E}">
+        <p14:creationId xmlns:p14="http://schemas.microsoft.com/office/powerpoint/2010/main" val="1928113779"/>
+      </p:ext>
+    </p:extLst>
+  </p:cSld>
+  <p:clrMapOvr>
+    <a:masterClrMapping/>
+  </p:clrMapOvr>
+  <p:timing>
+    <p:tnLst>
+      <p:par>
+        <p:cTn id="1" dur="indefinite" restart="never" nodeType="tmRoot"/>
+      </p:par>
+    </p:tnLst>
+  </p:timing>
+</p:sld>
+</file>
+
+<file path=ppt/slides/slide23.xml><?xml version="1.0" encoding="utf-8"?>
+<p:sld xmlns:a="http://schemas.openxmlformats.org/drawingml/2006/main" xmlns:r="http://schemas.openxmlformats.org/officeDocument/2006/relationships" xmlns:p="http://schemas.openxmlformats.org/presentationml/2006/main">
+  <p:cSld>
+    <p:spTree>
+      <p:nvGrpSpPr>
+        <p:cNvPr id="1" name=""/>
+        <p:cNvGrpSpPr/>
+        <p:nvPr/>
+      </p:nvGrpSpPr>
+      <p:grpSpPr>
+        <a:xfrm>
+          <a:off x="0" y="0"/>
+          <a:ext cx="0" cy="0"/>
+          <a:chOff x="0" y="0"/>
+          <a:chExt cx="0" cy="0"/>
+        </a:xfrm>
+      </p:grpSpPr>
+      <p:sp>
+        <p:nvSpPr>
+          <p:cNvPr id="2" name="Title 1"/>
+          <p:cNvSpPr>
+            <a:spLocks noGrp="1"/>
+          </p:cNvSpPr>
+          <p:nvPr>
+            <p:ph type="title"/>
+          </p:nvPr>
+        </p:nvSpPr>
+        <p:spPr/>
+        <p:txBody>
+          <a:bodyPr>
+            <a:normAutofit/>
+          </a:bodyPr>
+          <a:lstStyle/>
+          <a:p>
+            <a:r>
+              <a:rPr lang="ru-RU" dirty="0" smtClean="0"/>
+              <a:t>Функции</a:t>
+            </a:r>
+            <a:r>
+              <a:rPr lang="en-US" dirty="0" smtClean="0"/>
+              <a:t>::</a:t>
+            </a:r>
+            <a:r>
+              <a:rPr lang="ru-RU" dirty="0" smtClean="0"/>
+              <a:t>указатели на функцию</a:t>
+            </a:r>
+            <a:r>
+              <a:rPr lang="ru-RU" dirty="0" smtClean="0"/>
+              <a:t/>
+            </a:r>
+            <a:br>
+              <a:rPr lang="ru-RU" dirty="0" smtClean="0"/>
+            </a:br>
+            <a:r>
+              <a:rPr lang="ru-RU" dirty="0" smtClean="0"/>
+              <a:t>------------------------------------------------------------</a:t>
+            </a:r>
+            <a:endParaRPr lang="en-US" dirty="0"/>
+          </a:p>
+        </p:txBody>
+      </p:sp>
+      <p:sp>
+        <p:nvSpPr>
+          <p:cNvPr id="4" name="TextBox 3"/>
+          <p:cNvSpPr txBox="1"/>
+          <p:nvPr/>
+        </p:nvSpPr>
+        <p:spPr>
+          <a:xfrm>
+            <a:off x="4120940" y="2471928"/>
+            <a:ext cx="3950120" cy="1477328"/>
+          </a:xfrm>
+          <a:prstGeom prst="rect">
+            <a:avLst/>
+          </a:prstGeom>
+          <a:noFill/>
+        </p:spPr>
+        <p:txBody>
+          <a:bodyPr wrap="none" rtlCol="0">
+            <a:spAutoFit/>
+          </a:bodyPr>
+          <a:lstStyle/>
+          <a:p>
+            <a:r>
+              <a:rPr lang="en-US" dirty="0" err="1" smtClean="0">
+                <a:solidFill>
+                  <a:schemeClr val="accent2">
+                    <a:lumMod val="75000"/>
+                  </a:schemeClr>
+                </a:solidFill>
+                <a:latin typeface="Lucida Console" charset="0"/>
+                <a:ea typeface="Lucida Console" charset="0"/>
+                <a:cs typeface="Lucida Console" charset="0"/>
+              </a:rPr>
+              <a:t>int</a:t>
+            </a:r>
+            <a:r>
+              <a:rPr lang="en-US" dirty="0" smtClean="0">
+                <a:solidFill>
+                  <a:schemeClr val="accent2">
+                    <a:lumMod val="75000"/>
+                  </a:schemeClr>
+                </a:solidFill>
+                <a:latin typeface="Lucida Console" charset="0"/>
+                <a:ea typeface="Lucida Console" charset="0"/>
+                <a:cs typeface="Lucida Console" charset="0"/>
+              </a:rPr>
+              <a:t> </a:t>
+            </a:r>
+            <a:r>
+              <a:rPr lang="en-US" dirty="0" smtClean="0">
+                <a:latin typeface="Lucida Console" charset="0"/>
+                <a:ea typeface="Lucida Console" charset="0"/>
+                <a:cs typeface="Lucida Console" charset="0"/>
+              </a:rPr>
+              <a:t>compare(</a:t>
+            </a:r>
+            <a:r>
+              <a:rPr lang="en-US" dirty="0" err="1" smtClean="0">
+                <a:solidFill>
+                  <a:schemeClr val="accent2">
+                    <a:lumMod val="75000"/>
+                  </a:schemeClr>
+                </a:solidFill>
+                <a:latin typeface="Lucida Console" charset="0"/>
+                <a:ea typeface="Lucida Console" charset="0"/>
+                <a:cs typeface="Lucida Console" charset="0"/>
+              </a:rPr>
+              <a:t>int</a:t>
+            </a:r>
+            <a:r>
+              <a:rPr lang="en-US" dirty="0" smtClean="0">
+                <a:latin typeface="Lucida Console" charset="0"/>
+                <a:ea typeface="Lucida Console" charset="0"/>
+                <a:cs typeface="Lucida Console" charset="0"/>
+              </a:rPr>
+              <a:t> a, </a:t>
+            </a:r>
+            <a:r>
+              <a:rPr lang="en-US" dirty="0" err="1" smtClean="0">
+                <a:solidFill>
+                  <a:schemeClr val="accent2">
+                    <a:lumMod val="75000"/>
+                  </a:schemeClr>
+                </a:solidFill>
+                <a:latin typeface="Lucida Console" charset="0"/>
+                <a:ea typeface="Lucida Console" charset="0"/>
+                <a:cs typeface="Lucida Console" charset="0"/>
+              </a:rPr>
+              <a:t>int</a:t>
+            </a:r>
+            <a:r>
+              <a:rPr lang="en-US" dirty="0" smtClean="0">
+                <a:solidFill>
+                  <a:schemeClr val="accent2">
+                    <a:lumMod val="75000"/>
+                  </a:schemeClr>
+                </a:solidFill>
+                <a:latin typeface="Lucida Console" charset="0"/>
+                <a:ea typeface="Lucida Console" charset="0"/>
+                <a:cs typeface="Lucida Console" charset="0"/>
+              </a:rPr>
+              <a:t> </a:t>
+            </a:r>
+            <a:r>
+              <a:rPr lang="en-US" dirty="0" smtClean="0">
+                <a:latin typeface="Lucida Console" charset="0"/>
+                <a:ea typeface="Lucida Console" charset="0"/>
+                <a:cs typeface="Lucida Console" charset="0"/>
+              </a:rPr>
+              <a:t>b)</a:t>
+            </a:r>
+          </a:p>
+          <a:p>
+            <a:r>
+              <a:rPr lang="en-US" dirty="0" smtClean="0">
+                <a:latin typeface="Lucida Console" charset="0"/>
+                <a:ea typeface="Lucida Console" charset="0"/>
+                <a:cs typeface="Lucida Console" charset="0"/>
+              </a:rPr>
+              <a:t>{</a:t>
+            </a:r>
+          </a:p>
+          <a:p>
+            <a:r>
+              <a:rPr lang="en-US" dirty="0" smtClean="0">
+                <a:latin typeface="Lucida Console" charset="0"/>
+                <a:ea typeface="Lucida Console" charset="0"/>
+                <a:cs typeface="Lucida Console" charset="0"/>
+              </a:rPr>
+              <a:t>     </a:t>
+            </a:r>
+            <a:r>
+              <a:rPr lang="en-US" dirty="0" smtClean="0">
+                <a:solidFill>
+                  <a:schemeClr val="accent2">
+                    <a:lumMod val="75000"/>
+                  </a:schemeClr>
+                </a:solidFill>
+                <a:latin typeface="Lucida Console" charset="0"/>
+                <a:ea typeface="Lucida Console" charset="0"/>
+                <a:cs typeface="Lucida Console" charset="0"/>
+              </a:rPr>
+              <a:t>if</a:t>
+            </a:r>
+            <a:r>
+              <a:rPr lang="en-US" dirty="0" smtClean="0">
+                <a:latin typeface="Lucida Console" charset="0"/>
+                <a:ea typeface="Lucida Console" charset="0"/>
+                <a:cs typeface="Lucida Console" charset="0"/>
+              </a:rPr>
+              <a:t> (a == b) </a:t>
+            </a:r>
+            <a:r>
+              <a:rPr lang="en-US" dirty="0" smtClean="0">
+                <a:solidFill>
+                  <a:schemeClr val="accent2">
+                    <a:lumMod val="75000"/>
+                  </a:schemeClr>
+                </a:solidFill>
+                <a:latin typeface="Lucida Console" charset="0"/>
+                <a:ea typeface="Lucida Console" charset="0"/>
+                <a:cs typeface="Lucida Console" charset="0"/>
+              </a:rPr>
+              <a:t>return</a:t>
+            </a:r>
+            <a:r>
+              <a:rPr lang="en-US" dirty="0" smtClean="0">
+                <a:latin typeface="Lucida Console" charset="0"/>
+                <a:ea typeface="Lucida Console" charset="0"/>
+                <a:cs typeface="Lucida Console" charset="0"/>
+              </a:rPr>
+              <a:t> 0;</a:t>
+            </a:r>
+          </a:p>
+          <a:p>
+            <a:r>
+              <a:rPr lang="en-US" dirty="0">
+                <a:latin typeface="Lucida Console" charset="0"/>
+                <a:ea typeface="Lucida Console" charset="0"/>
+                <a:cs typeface="Lucida Console" charset="0"/>
+              </a:rPr>
+              <a:t> </a:t>
+            </a:r>
+            <a:r>
+              <a:rPr lang="en-US" dirty="0" smtClean="0">
+                <a:latin typeface="Lucida Console" charset="0"/>
+                <a:ea typeface="Lucida Console" charset="0"/>
+                <a:cs typeface="Lucida Console" charset="0"/>
+              </a:rPr>
+              <a:t>    </a:t>
+            </a:r>
+            <a:r>
+              <a:rPr lang="en-US" dirty="0" smtClean="0">
+                <a:solidFill>
+                  <a:schemeClr val="accent2">
+                    <a:lumMod val="75000"/>
+                  </a:schemeClr>
+                </a:solidFill>
+                <a:latin typeface="Lucida Console" charset="0"/>
+                <a:ea typeface="Lucida Console" charset="0"/>
+                <a:cs typeface="Lucida Console" charset="0"/>
+              </a:rPr>
+              <a:t>return</a:t>
+            </a:r>
+            <a:r>
+              <a:rPr lang="en-US" dirty="0" smtClean="0">
+                <a:latin typeface="Lucida Console" charset="0"/>
+                <a:ea typeface="Lucida Console" charset="0"/>
+                <a:cs typeface="Lucida Console" charset="0"/>
+              </a:rPr>
+              <a:t> a &lt; b ? -1 : 1;</a:t>
+            </a:r>
+          </a:p>
+          <a:p>
+            <a:r>
+              <a:rPr lang="en-US" dirty="0" smtClean="0">
+                <a:latin typeface="Lucida Console" charset="0"/>
+                <a:ea typeface="Lucida Console" charset="0"/>
+                <a:cs typeface="Lucida Console" charset="0"/>
+              </a:rPr>
+              <a:t>}</a:t>
+            </a:r>
+          </a:p>
+        </p:txBody>
+      </p:sp>
+      <p:sp>
+        <p:nvSpPr>
+          <p:cNvPr id="14" name="TextBox 13"/>
+          <p:cNvSpPr txBox="1"/>
+          <p:nvPr/>
+        </p:nvSpPr>
+        <p:spPr>
+          <a:xfrm>
+            <a:off x="4120940" y="4110228"/>
+            <a:ext cx="4507965" cy="1200329"/>
+          </a:xfrm>
+          <a:prstGeom prst="rect">
+            <a:avLst/>
+          </a:prstGeom>
+          <a:noFill/>
+        </p:spPr>
+        <p:txBody>
+          <a:bodyPr wrap="none" rtlCol="0">
+            <a:spAutoFit/>
+          </a:bodyPr>
+          <a:lstStyle/>
+          <a:p>
+            <a:r>
+              <a:rPr lang="en-US" dirty="0" smtClean="0">
+                <a:latin typeface="Lucida Console" charset="0"/>
+                <a:ea typeface="Lucida Console" charset="0"/>
+                <a:cs typeface="Lucida Console" charset="0"/>
+              </a:rPr>
+              <a:t>. . .</a:t>
+            </a:r>
+          </a:p>
+          <a:p>
+            <a:endParaRPr lang="en-US" dirty="0" smtClean="0">
+              <a:latin typeface="Lucida Console" charset="0"/>
+              <a:ea typeface="Lucida Console" charset="0"/>
+              <a:cs typeface="Lucida Console" charset="0"/>
+            </a:endParaRPr>
+          </a:p>
+          <a:p>
+            <a:r>
+              <a:rPr lang="en-US" dirty="0" err="1" smtClean="0">
+                <a:solidFill>
+                  <a:schemeClr val="accent2">
+                    <a:lumMod val="75000"/>
+                  </a:schemeClr>
+                </a:solidFill>
+                <a:latin typeface="Lucida Console" charset="0"/>
+                <a:ea typeface="Lucida Console" charset="0"/>
+                <a:cs typeface="Lucida Console" charset="0"/>
+              </a:rPr>
+              <a:t>int</a:t>
+            </a:r>
+            <a:r>
+              <a:rPr lang="en-US" dirty="0" smtClean="0">
+                <a:solidFill>
+                  <a:schemeClr val="accent2">
+                    <a:lumMod val="75000"/>
+                  </a:schemeClr>
+                </a:solidFill>
+                <a:latin typeface="Lucida Console" charset="0"/>
+                <a:ea typeface="Lucida Console" charset="0"/>
+                <a:cs typeface="Lucida Console" charset="0"/>
+              </a:rPr>
+              <a:t> </a:t>
+            </a:r>
+            <a:r>
+              <a:rPr lang="en-US" dirty="0" smtClean="0">
+                <a:latin typeface="Lucida Console" charset="0"/>
+                <a:ea typeface="Lucida Console" charset="0"/>
+                <a:cs typeface="Lucida Console" charset="0"/>
+              </a:rPr>
+              <a:t>(*</a:t>
+            </a:r>
+            <a:r>
+              <a:rPr lang="en-US" dirty="0" err="1" smtClean="0">
+                <a:latin typeface="Lucida Console" charset="0"/>
+                <a:ea typeface="Lucida Console" charset="0"/>
+                <a:cs typeface="Lucida Console" charset="0"/>
+              </a:rPr>
+              <a:t>cmp</a:t>
+            </a:r>
+            <a:r>
+              <a:rPr lang="en-US" dirty="0" smtClean="0">
+                <a:latin typeface="Lucida Console" charset="0"/>
+                <a:ea typeface="Lucida Console" charset="0"/>
+                <a:cs typeface="Lucida Console" charset="0"/>
+              </a:rPr>
+              <a:t>)(</a:t>
+            </a:r>
+            <a:r>
+              <a:rPr lang="en-US" dirty="0" err="1" smtClean="0">
+                <a:solidFill>
+                  <a:schemeClr val="accent2">
+                    <a:lumMod val="75000"/>
+                  </a:schemeClr>
+                </a:solidFill>
+                <a:latin typeface="Lucida Console" charset="0"/>
+                <a:ea typeface="Lucida Console" charset="0"/>
+                <a:cs typeface="Lucida Console" charset="0"/>
+              </a:rPr>
+              <a:t>int</a:t>
+            </a:r>
+            <a:r>
+              <a:rPr lang="en-US" dirty="0" smtClean="0">
+                <a:latin typeface="Lucida Console" charset="0"/>
+                <a:ea typeface="Lucida Console" charset="0"/>
+                <a:cs typeface="Lucida Console" charset="0"/>
+              </a:rPr>
+              <a:t>,</a:t>
+            </a:r>
+            <a:r>
+              <a:rPr lang="en-US" dirty="0" smtClean="0">
+                <a:solidFill>
+                  <a:schemeClr val="accent2">
+                    <a:lumMod val="75000"/>
+                  </a:schemeClr>
+                </a:solidFill>
+                <a:latin typeface="Lucida Console" charset="0"/>
+                <a:ea typeface="Lucida Console" charset="0"/>
+                <a:cs typeface="Lucida Console" charset="0"/>
+              </a:rPr>
+              <a:t> </a:t>
+            </a:r>
+            <a:r>
+              <a:rPr lang="en-US" dirty="0" err="1" smtClean="0">
+                <a:solidFill>
+                  <a:schemeClr val="accent2">
+                    <a:lumMod val="75000"/>
+                  </a:schemeClr>
+                </a:solidFill>
+                <a:latin typeface="Lucida Console" charset="0"/>
+                <a:ea typeface="Lucida Console" charset="0"/>
+                <a:cs typeface="Lucida Console" charset="0"/>
+              </a:rPr>
+              <a:t>int</a:t>
+            </a:r>
+            <a:r>
+              <a:rPr lang="en-US" dirty="0" smtClean="0">
+                <a:latin typeface="Lucida Console" charset="0"/>
+                <a:ea typeface="Lucida Console" charset="0"/>
+                <a:cs typeface="Lucida Console" charset="0"/>
+              </a:rPr>
+              <a:t>) = compare;</a:t>
+            </a:r>
+          </a:p>
+          <a:p>
+            <a:r>
+              <a:rPr lang="en-US" dirty="0" smtClean="0">
+                <a:latin typeface="Lucida Console" charset="0"/>
+                <a:ea typeface="Lucida Console" charset="0"/>
+                <a:cs typeface="Lucida Console" charset="0"/>
+              </a:rPr>
+              <a:t>// </a:t>
+            </a:r>
+            <a:r>
+              <a:rPr lang="en-US" dirty="0" err="1" smtClean="0">
+                <a:latin typeface="Lucida Console" charset="0"/>
+                <a:ea typeface="Lucida Console" charset="0"/>
+                <a:cs typeface="Lucida Console" charset="0"/>
+              </a:rPr>
+              <a:t>cmp</a:t>
+            </a:r>
+            <a:r>
+              <a:rPr lang="en-US" dirty="0" smtClean="0">
+                <a:latin typeface="Lucida Console" charset="0"/>
+                <a:ea typeface="Lucida Console" charset="0"/>
+                <a:cs typeface="Lucida Console" charset="0"/>
+              </a:rPr>
+              <a:t>(1, 5) == compare(1, 5);</a:t>
+            </a:r>
+          </a:p>
+        </p:txBody>
+      </p:sp>
+    </p:spTree>
+    <p:extLst>
+      <p:ext uri="{BB962C8B-B14F-4D97-AF65-F5344CB8AC3E}">
+        <p14:creationId xmlns:p14="http://schemas.microsoft.com/office/powerpoint/2010/main" val="329109032"/>
+      </p:ext>
+    </p:extLst>
+  </p:cSld>
+  <p:clrMapOvr>
+    <a:masterClrMapping/>
+  </p:clrMapOvr>
+  <p:timing>
+    <p:tnLst>
+      <p:par>
+        <p:cTn id="1" dur="indefinite" restart="never" nodeType="tmRoot">
+          <p:childTnLst>
+            <p:seq concurrent="1" nextAc="seek">
+              <p:cTn id="2" dur="indefinite" nodeType="mainSeq">
+                <p:childTnLst>
+                  <p:par>
+                    <p:cTn id="3" fill="hold">
+                      <p:stCondLst>
+                        <p:cond delay="indefinite"/>
+                      </p:stCondLst>
+                      <p:childTnLst>
+                        <p:par>
+                          <p:cTn id="4" fill="hold">
+                            <p:stCondLst>
+                              <p:cond delay="0"/>
+                            </p:stCondLst>
+                            <p:childTnLst>
+                              <p:par>
+                                <p:cTn id="5" presetID="10" presetClass="entr" presetSubtype="0" fill="hold" grpId="0" nodeType="clickEffect">
+                                  <p:stCondLst>
+                                    <p:cond delay="0"/>
+                                  </p:stCondLst>
+                                  <p:childTnLst>
+                                    <p:set>
+                                      <p:cBhvr>
+                                        <p:cTn id="6" dur="1" fill="hold">
+                                          <p:stCondLst>
+                                            <p:cond delay="0"/>
+                                          </p:stCondLst>
+                                        </p:cTn>
+                                        <p:tgtEl>
+                                          <p:spTgt spid="14"/>
+                                        </p:tgtEl>
+                                        <p:attrNameLst>
+                                          <p:attrName>style.visibility</p:attrName>
+                                        </p:attrNameLst>
+                                      </p:cBhvr>
+                                      <p:to>
+                                        <p:strVal val="visible"/>
+                                      </p:to>
+                                    </p:set>
+                                    <p:animEffect transition="in" filter="fade">
+                                      <p:cBhvr>
+                                        <p:cTn id="7" dur="500"/>
+                                        <p:tgtEl>
+                                          <p:spTgt spid="14"/>
+                                        </p:tgtEl>
+                                      </p:cBhvr>
+                                    </p:animEffect>
+                                  </p:childTnLst>
+                                </p:cTn>
+                              </p:par>
+                            </p:childTnLst>
+                          </p:cTn>
+                        </p:par>
+                      </p:childTnLst>
+                    </p:cTn>
+                  </p:par>
+                </p:childTnLst>
+              </p:cTn>
+              <p:prevCondLst>
+                <p:cond evt="onPrev" delay="0">
+                  <p:tgtEl>
+                    <p:sldTgt/>
+                  </p:tgtEl>
+                </p:cond>
+              </p:prevCondLst>
+              <p:nextCondLst>
+                <p:cond evt="onNext" delay="0">
+                  <p:tgtEl>
+                    <p:sldTgt/>
+                  </p:tgtEl>
+                </p:cond>
+              </p:nextCondLst>
+            </p:seq>
+          </p:childTnLst>
+        </p:cTn>
+      </p:par>
+    </p:tnLst>
+    <p:bldLst>
+      <p:bldP spid="14" grpId="0"/>
+    </p:bldLst>
+  </p:timing>
+</p:sld>
+</file>
+
+<file path=ppt/slides/slide24.xml><?xml version="1.0" encoding="utf-8"?>
+<p:sld xmlns:a="http://schemas.openxmlformats.org/drawingml/2006/main" xmlns:r="http://schemas.openxmlformats.org/officeDocument/2006/relationships" xmlns:p="http://schemas.openxmlformats.org/presentationml/2006/main">
+  <p:cSld>
+    <p:spTree>
+      <p:nvGrpSpPr>
+        <p:cNvPr id="1" name=""/>
+        <p:cNvGrpSpPr/>
+        <p:nvPr/>
+      </p:nvGrpSpPr>
+      <p:grpSpPr>
+        <a:xfrm>
+          <a:off x="0" y="0"/>
+          <a:ext cx="0" cy="0"/>
+          <a:chOff x="0" y="0"/>
+          <a:chExt cx="0" cy="0"/>
+        </a:xfrm>
+      </p:grpSpPr>
+      <p:sp>
+        <p:nvSpPr>
+          <p:cNvPr id="2" name="Title 1"/>
+          <p:cNvSpPr>
+            <a:spLocks noGrp="1"/>
+          </p:cNvSpPr>
+          <p:nvPr>
+            <p:ph type="title"/>
+          </p:nvPr>
+        </p:nvSpPr>
+        <p:spPr/>
+        <p:txBody>
+          <a:bodyPr>
+            <a:normAutofit/>
+          </a:bodyPr>
+          <a:lstStyle/>
+          <a:p>
+            <a:r>
+              <a:rPr lang="ru-RU" dirty="0" smtClean="0"/>
+              <a:t>Функции</a:t>
+            </a:r>
+            <a:r>
+              <a:rPr lang="en-US" dirty="0" smtClean="0"/>
+              <a:t>::</a:t>
+            </a:r>
+            <a:r>
+              <a:rPr lang="ru-RU" dirty="0" smtClean="0"/>
+              <a:t>указатели на функцию</a:t>
+            </a:r>
+            <a:r>
+              <a:rPr lang="ru-RU" dirty="0" smtClean="0"/>
+              <a:t/>
+            </a:r>
+            <a:br>
+              <a:rPr lang="ru-RU" dirty="0" smtClean="0"/>
+            </a:br>
+            <a:r>
+              <a:rPr lang="ru-RU" dirty="0" smtClean="0"/>
+              <a:t>------------------------------------------------------------</a:t>
+            </a:r>
+            <a:endParaRPr lang="en-US" dirty="0"/>
+          </a:p>
+        </p:txBody>
+      </p:sp>
+      <p:sp>
+        <p:nvSpPr>
+          <p:cNvPr id="23" name="Content Placeholder 2"/>
+          <p:cNvSpPr txBox="1">
+            <a:spLocks/>
+          </p:cNvSpPr>
+          <p:nvPr/>
+        </p:nvSpPr>
+        <p:spPr>
+          <a:xfrm>
+            <a:off x="838200" y="1825625"/>
+            <a:ext cx="10515600" cy="4351338"/>
+          </a:xfrm>
+          <a:prstGeom prst="rect">
+            <a:avLst/>
+          </a:prstGeom>
+        </p:spPr>
+        <p:txBody>
+          <a:bodyPr vert="horz" lIns="91440" tIns="45720" rIns="91440" bIns="45720" rtlCol="0" anchor="ctr">
+            <a:normAutofit/>
+          </a:bodyPr>
+          <a:lstStyle>
+            <a:lvl1pPr marL="228600" indent="-228600" algn="l" defTabSz="914400" rtl="0" eaLnBrk="1" latinLnBrk="0" hangingPunct="1">
+              <a:lnSpc>
+                <a:spcPct val="90000"/>
+              </a:lnSpc>
+              <a:spcBef>
+                <a:spcPts val="1000"/>
+              </a:spcBef>
+              <a:buFont typeface="Arial"/>
+              <a:buChar char="•"/>
+              <a:defRPr sz="2800" kern="1200">
+                <a:solidFill>
+                  <a:schemeClr val="tx1"/>
+                </a:solidFill>
+                <a:latin typeface="+mn-lt"/>
+                <a:ea typeface="+mn-ea"/>
+                <a:cs typeface="+mn-cs"/>
+              </a:defRPr>
+            </a:lvl1pPr>
+            <a:lvl2pPr marL="685800" indent="-228600" algn="l" defTabSz="914400" rtl="0" eaLnBrk="1" latinLnBrk="0" hangingPunct="1">
+              <a:lnSpc>
+                <a:spcPct val="90000"/>
+              </a:lnSpc>
+              <a:spcBef>
+                <a:spcPts val="500"/>
+              </a:spcBef>
+              <a:buFont typeface="Arial"/>
+              <a:buChar char="•"/>
+              <a:defRPr sz="2400" kern="1200">
+                <a:solidFill>
+                  <a:schemeClr val="tx1"/>
+                </a:solidFill>
+                <a:latin typeface="+mn-lt"/>
+                <a:ea typeface="+mn-ea"/>
+                <a:cs typeface="+mn-cs"/>
+              </a:defRPr>
+            </a:lvl2pPr>
+            <a:lvl3pPr marL="1143000" indent="-228600" algn="l" defTabSz="914400" rtl="0" eaLnBrk="1" latinLnBrk="0" hangingPunct="1">
+              <a:lnSpc>
+                <a:spcPct val="90000"/>
+              </a:lnSpc>
+              <a:spcBef>
+                <a:spcPts val="500"/>
+              </a:spcBef>
+              <a:buFont typeface="Arial"/>
+              <a:buChar char="•"/>
+              <a:defRPr sz="2000" kern="1200">
+                <a:solidFill>
+                  <a:schemeClr val="tx1"/>
+                </a:solidFill>
+                <a:latin typeface="+mn-lt"/>
+                <a:ea typeface="+mn-ea"/>
+                <a:cs typeface="+mn-cs"/>
+              </a:defRPr>
+            </a:lvl3pPr>
+            <a:lvl4pPr marL="1600200" indent="-228600" algn="l" defTabSz="914400" rtl="0" eaLnBrk="1" latinLnBrk="0" hangingPunct="1">
+              <a:lnSpc>
+                <a:spcPct val="90000"/>
+              </a:lnSpc>
+              <a:spcBef>
+                <a:spcPts val="500"/>
+              </a:spcBef>
+              <a:buFont typeface="Arial"/>
+              <a:buChar char="•"/>
+              <a:defRPr sz="1800" kern="1200">
+                <a:solidFill>
+                  <a:schemeClr val="tx1"/>
+                </a:solidFill>
+                <a:latin typeface="+mn-lt"/>
+                <a:ea typeface="+mn-ea"/>
+                <a:cs typeface="+mn-cs"/>
+              </a:defRPr>
+            </a:lvl4pPr>
+            <a:lvl5pPr marL="2057400" indent="-228600" algn="l" defTabSz="914400" rtl="0" eaLnBrk="1" latinLnBrk="0" hangingPunct="1">
+              <a:lnSpc>
+                <a:spcPct val="90000"/>
+              </a:lnSpc>
+              <a:spcBef>
+                <a:spcPts val="500"/>
+              </a:spcBef>
+              <a:buFont typeface="Arial"/>
+              <a:buChar char="•"/>
+              <a:defRPr sz="1800" kern="1200">
+                <a:solidFill>
+                  <a:schemeClr val="tx1"/>
+                </a:solidFill>
+                <a:latin typeface="+mn-lt"/>
+                <a:ea typeface="+mn-ea"/>
+                <a:cs typeface="+mn-cs"/>
+              </a:defRPr>
+            </a:lvl5pPr>
+            <a:lvl6pPr marL="2514600" indent="-228600" algn="l" defTabSz="914400" rtl="0" eaLnBrk="1" latinLnBrk="0" hangingPunct="1">
+              <a:lnSpc>
+                <a:spcPct val="90000"/>
+              </a:lnSpc>
+              <a:spcBef>
+                <a:spcPts val="500"/>
+              </a:spcBef>
+              <a:buFont typeface="Arial"/>
+              <a:buChar char="•"/>
+              <a:defRPr sz="1800" kern="1200">
+                <a:solidFill>
+                  <a:schemeClr val="tx1"/>
+                </a:solidFill>
+                <a:latin typeface="+mn-lt"/>
+                <a:ea typeface="+mn-ea"/>
+                <a:cs typeface="+mn-cs"/>
+              </a:defRPr>
+            </a:lvl6pPr>
+            <a:lvl7pPr marL="2971800" indent="-228600" algn="l" defTabSz="914400" rtl="0" eaLnBrk="1" latinLnBrk="0" hangingPunct="1">
+              <a:lnSpc>
+                <a:spcPct val="90000"/>
+              </a:lnSpc>
+              <a:spcBef>
+                <a:spcPts val="500"/>
+              </a:spcBef>
+              <a:buFont typeface="Arial"/>
+              <a:buChar char="•"/>
+              <a:defRPr sz="1800" kern="1200">
+                <a:solidFill>
+                  <a:schemeClr val="tx1"/>
+                </a:solidFill>
+                <a:latin typeface="+mn-lt"/>
+                <a:ea typeface="+mn-ea"/>
+                <a:cs typeface="+mn-cs"/>
+              </a:defRPr>
+            </a:lvl7pPr>
+            <a:lvl8pPr marL="3429000" indent="-228600" algn="l" defTabSz="914400" rtl="0" eaLnBrk="1" latinLnBrk="0" hangingPunct="1">
+              <a:lnSpc>
+                <a:spcPct val="90000"/>
+              </a:lnSpc>
+              <a:spcBef>
+                <a:spcPts val="500"/>
+              </a:spcBef>
+              <a:buFont typeface="Arial"/>
+              <a:buChar char="•"/>
+              <a:defRPr sz="1800" kern="1200">
+                <a:solidFill>
+                  <a:schemeClr val="tx1"/>
+                </a:solidFill>
+                <a:latin typeface="+mn-lt"/>
+                <a:ea typeface="+mn-ea"/>
+                <a:cs typeface="+mn-cs"/>
+              </a:defRPr>
+            </a:lvl8pPr>
+            <a:lvl9pPr marL="3886200" indent="-228600" algn="l" defTabSz="914400" rtl="0" eaLnBrk="1" latinLnBrk="0" hangingPunct="1">
+              <a:lnSpc>
+                <a:spcPct val="90000"/>
+              </a:lnSpc>
+              <a:spcBef>
+                <a:spcPts val="500"/>
+              </a:spcBef>
+              <a:buFont typeface="Arial"/>
+              <a:buChar char="•"/>
+              <a:defRPr sz="1800" kern="1200">
+                <a:solidFill>
+                  <a:schemeClr val="tx1"/>
+                </a:solidFill>
+                <a:latin typeface="+mn-lt"/>
+                <a:ea typeface="+mn-ea"/>
+                <a:cs typeface="+mn-cs"/>
+              </a:defRPr>
+            </a:lvl9pPr>
+          </a:lstStyle>
+          <a:p>
+            <a:pPr marL="0" indent="0" algn="ctr">
+              <a:buFont typeface="Arial"/>
+              <a:buNone/>
+            </a:pPr>
+            <a:r>
+              <a:rPr lang="ru-RU" sz="5400" dirty="0" err="1" smtClean="0"/>
+              <a:t>Демо</a:t>
+            </a:r>
+            <a:endParaRPr lang="en-US" dirty="0"/>
+          </a:p>
+        </p:txBody>
+      </p:sp>
+      <p:sp>
+        <p:nvSpPr>
+          <p:cNvPr id="24" name="TextBox 23"/>
+          <p:cNvSpPr txBox="1"/>
+          <p:nvPr/>
+        </p:nvSpPr>
+        <p:spPr>
+          <a:xfrm>
+            <a:off x="5154075" y="6365875"/>
+            <a:ext cx="2308645" cy="430887"/>
+          </a:xfrm>
+          <a:prstGeom prst="rect">
+            <a:avLst/>
+          </a:prstGeom>
+          <a:noFill/>
+        </p:spPr>
+        <p:txBody>
+          <a:bodyPr wrap="none" rtlCol="0">
+            <a:spAutoFit/>
+          </a:bodyPr>
+          <a:lstStyle/>
+          <a:p>
+            <a:r>
+              <a:rPr lang="en-US" sz="1100" dirty="0" smtClean="0">
+                <a:solidFill>
+                  <a:schemeClr val="accent2">
+                    <a:lumMod val="75000"/>
+                  </a:schemeClr>
+                </a:solidFill>
+                <a:latin typeface="Lucida Console" charset="0"/>
+                <a:ea typeface="Lucida Console" charset="0"/>
+                <a:cs typeface="Lucida Console" charset="0"/>
+              </a:rPr>
+              <a:t>Files:</a:t>
+            </a:r>
+            <a:r>
+              <a:rPr lang="en-US" sz="1100" dirty="0">
+                <a:solidFill>
+                  <a:schemeClr val="accent2">
+                    <a:lumMod val="75000"/>
+                  </a:schemeClr>
+                </a:solidFill>
+                <a:latin typeface="Lucida Console" charset="0"/>
+                <a:ea typeface="Lucida Console" charset="0"/>
+                <a:cs typeface="Lucida Console" charset="0"/>
+              </a:rPr>
+              <a:t> </a:t>
+            </a:r>
+            <a:r>
+              <a:rPr lang="en-US" sz="1100" dirty="0" smtClean="0">
+                <a:solidFill>
+                  <a:schemeClr val="accent2">
+                    <a:lumMod val="75000"/>
+                  </a:schemeClr>
+                </a:solidFill>
+                <a:latin typeface="Lucida Console" charset="0"/>
+                <a:ea typeface="Lucida Console" charset="0"/>
+                <a:cs typeface="Lucida Console" charset="0"/>
+              </a:rPr>
+              <a:t>function</a:t>
+            </a:r>
+            <a:r>
+              <a:rPr lang="ru-RU" sz="1100" dirty="0" smtClean="0">
+                <a:solidFill>
+                  <a:schemeClr val="accent2">
+                    <a:lumMod val="75000"/>
+                  </a:schemeClr>
+                </a:solidFill>
+                <a:latin typeface="Lucida Console" charset="0"/>
+                <a:ea typeface="Lucida Console" charset="0"/>
+                <a:cs typeface="Lucida Console" charset="0"/>
+              </a:rPr>
+              <a:t>_</a:t>
+            </a:r>
+            <a:r>
+              <a:rPr lang="en-US" sz="1100" dirty="0" err="1" smtClean="0">
+                <a:solidFill>
+                  <a:schemeClr val="accent2">
+                    <a:lumMod val="75000"/>
+                  </a:schemeClr>
+                </a:solidFill>
+                <a:latin typeface="Lucida Console" charset="0"/>
+                <a:ea typeface="Lucida Console" charset="0"/>
+                <a:cs typeface="Lucida Console" charset="0"/>
+              </a:rPr>
+              <a:t>pointer.c</a:t>
+            </a:r>
+            <a:endParaRPr lang="en-US" sz="1100" dirty="0" smtClean="0">
+              <a:solidFill>
+                <a:schemeClr val="accent2">
+                  <a:lumMod val="75000"/>
+                </a:schemeClr>
+              </a:solidFill>
+              <a:latin typeface="Lucida Console" charset="0"/>
+              <a:ea typeface="Lucida Console" charset="0"/>
+              <a:cs typeface="Lucida Console" charset="0"/>
+            </a:endParaRPr>
+          </a:p>
+          <a:p>
+            <a:r>
+              <a:rPr lang="en-US" sz="1100" dirty="0" smtClean="0">
+                <a:solidFill>
+                  <a:schemeClr val="accent2">
+                    <a:lumMod val="75000"/>
+                  </a:schemeClr>
+                </a:solidFill>
+                <a:latin typeface="Lucida Console" charset="0"/>
+                <a:ea typeface="Lucida Console" charset="0"/>
+                <a:cs typeface="Lucida Console" charset="0"/>
+              </a:rPr>
+              <a:t>              </a:t>
+            </a:r>
+            <a:endParaRPr lang="en-US" sz="1100" dirty="0">
+              <a:solidFill>
+                <a:schemeClr val="accent2">
+                  <a:lumMod val="75000"/>
+                </a:schemeClr>
+              </a:solidFill>
+              <a:latin typeface="Lucida Console" charset="0"/>
+              <a:ea typeface="Lucida Console" charset="0"/>
+              <a:cs typeface="Lucida Console" charset="0"/>
+            </a:endParaRPr>
+          </a:p>
+        </p:txBody>
+      </p:sp>
+    </p:spTree>
+    <p:extLst>
+      <p:ext uri="{BB962C8B-B14F-4D97-AF65-F5344CB8AC3E}">
+        <p14:creationId xmlns:p14="http://schemas.microsoft.com/office/powerpoint/2010/main" val="436224678"/>
+      </p:ext>
+    </p:extLst>
+  </p:cSld>
+  <p:clrMapOvr>
+    <a:masterClrMapping/>
+  </p:clrMapOvr>
+  <p:timing>
+    <p:tnLst>
+      <p:par>
+        <p:cTn id="1" dur="indefinite" restart="never" nodeType="tmRoot"/>
+      </p:par>
+    </p:tnLst>
+  </p:timing>
+</p:sld>
+</file>
+
+<file path=ppt/slides/slide25.xml><?xml version="1.0" encoding="utf-8"?>
+<p:sld xmlns:a="http://schemas.openxmlformats.org/drawingml/2006/main" xmlns:r="http://schemas.openxmlformats.org/officeDocument/2006/relationships" xmlns:p="http://schemas.openxmlformats.org/presentationml/2006/main">
+  <p:cSld>
+    <p:spTree>
+      <p:nvGrpSpPr>
+        <p:cNvPr id="1" name=""/>
+        <p:cNvGrpSpPr/>
+        <p:nvPr/>
+      </p:nvGrpSpPr>
+      <p:grpSpPr>
+        <a:xfrm>
+          <a:off x="0" y="0"/>
+          <a:ext cx="0" cy="0"/>
+          <a:chOff x="0" y="0"/>
+          <a:chExt cx="0" cy="0"/>
+        </a:xfrm>
+      </p:grpSpPr>
+      <p:sp>
+        <p:nvSpPr>
+          <p:cNvPr id="2" name="Title 1"/>
+          <p:cNvSpPr>
+            <a:spLocks noGrp="1"/>
+          </p:cNvSpPr>
+          <p:nvPr>
+            <p:ph type="title"/>
+          </p:nvPr>
+        </p:nvSpPr>
+        <p:spPr/>
+        <p:txBody>
+          <a:bodyPr>
+            <a:normAutofit/>
+          </a:bodyPr>
+          <a:lstStyle/>
+          <a:p>
+            <a:r>
+              <a:rPr lang="ru-RU" dirty="0" smtClean="0"/>
+              <a:t>Итог</a:t>
+            </a:r>
+            <a:br>
+              <a:rPr lang="ru-RU" dirty="0" smtClean="0"/>
+            </a:br>
+            <a:r>
+              <a:rPr lang="ru-RU" dirty="0" smtClean="0"/>
+              <a:t>------------------------------------------------------------</a:t>
+            </a:r>
+            <a:endParaRPr lang="en-US" dirty="0"/>
+          </a:p>
+        </p:txBody>
+      </p:sp>
+      <p:sp>
+        <p:nvSpPr>
+          <p:cNvPr id="3" name="Content Placeholder 2"/>
+          <p:cNvSpPr>
+            <a:spLocks noGrp="1"/>
+          </p:cNvSpPr>
+          <p:nvPr>
+            <p:ph idx="1"/>
+          </p:nvPr>
+        </p:nvSpPr>
+        <p:spPr>
+          <a:xfrm>
+            <a:off x="1812925" y="2699752"/>
+            <a:ext cx="8566150" cy="1961148"/>
+          </a:xfrm>
+        </p:spPr>
+        <p:txBody>
+          <a:bodyPr>
+            <a:normAutofit fontScale="85000" lnSpcReduction="10000"/>
+          </a:bodyPr>
+          <a:lstStyle/>
+          <a:p>
+            <a:pPr>
+              <a:buFont typeface="Wingdings" charset="2"/>
+              <a:buChar char="§"/>
+            </a:pPr>
+            <a:r>
+              <a:rPr lang="ru-RU" sz="2000" dirty="0" smtClean="0"/>
+              <a:t>Для получения адреса любой переменной используйте </a:t>
+            </a:r>
+            <a:r>
+              <a:rPr lang="en-US" sz="2000" dirty="0" smtClean="0"/>
+              <a:t>&amp;</a:t>
+            </a:r>
+            <a:endParaRPr lang="ru-RU" sz="2000" dirty="0" smtClean="0"/>
+          </a:p>
+          <a:p>
+            <a:pPr>
+              <a:buFont typeface="Wingdings" charset="2"/>
+              <a:buChar char="§"/>
+            </a:pPr>
+            <a:r>
+              <a:rPr lang="ru-RU" sz="2000" dirty="0" smtClean="0"/>
+              <a:t>Указатели </a:t>
+            </a:r>
+            <a:r>
+              <a:rPr lang="mr-IN" sz="2000" dirty="0" smtClean="0"/>
+              <a:t>–</a:t>
+            </a:r>
+            <a:r>
+              <a:rPr lang="ru-RU" sz="2000" dirty="0" smtClean="0"/>
+              <a:t> это такие же переменные, только хранят они адрес</a:t>
+            </a:r>
+            <a:endParaRPr lang="en-US" sz="2000" dirty="0" smtClean="0">
+              <a:solidFill>
+                <a:schemeClr val="accent2">
+                  <a:lumMod val="75000"/>
+                </a:schemeClr>
+              </a:solidFill>
+            </a:endParaRPr>
+          </a:p>
+          <a:p>
+            <a:pPr>
+              <a:buFont typeface="Wingdings" charset="2"/>
+              <a:buChar char="§"/>
+            </a:pPr>
+            <a:r>
+              <a:rPr lang="ru-RU" sz="2000" dirty="0" smtClean="0"/>
+              <a:t>Функции предназначены для разделения программы на части, написания структурного кода</a:t>
+            </a:r>
+            <a:endParaRPr lang="ru-RU" sz="2000" dirty="0" smtClean="0">
+              <a:solidFill>
+                <a:schemeClr val="accent2">
+                  <a:lumMod val="75000"/>
+                </a:schemeClr>
+              </a:solidFill>
+            </a:endParaRPr>
+          </a:p>
+          <a:p>
+            <a:pPr>
+              <a:buFont typeface="Wingdings" charset="2"/>
+              <a:buChar char="§"/>
+            </a:pPr>
+            <a:r>
+              <a:rPr lang="ru-RU" sz="2000" dirty="0" smtClean="0"/>
+              <a:t>Аргументы в функцию передаются по значению, они копируются</a:t>
+            </a:r>
+            <a:endParaRPr lang="en-US" sz="2000" dirty="0" smtClean="0"/>
+          </a:p>
+          <a:p>
+            <a:pPr>
+              <a:buFont typeface="Wingdings" charset="2"/>
+              <a:buChar char="§"/>
+            </a:pPr>
+            <a:r>
+              <a:rPr lang="ru-RU" sz="2000" dirty="0" smtClean="0"/>
+              <a:t>Указатели на функцию дают возможность более элегантно решать некоторые задачи)</a:t>
+            </a:r>
+          </a:p>
+          <a:p>
+            <a:pPr>
+              <a:buFont typeface="Wingdings" charset="2"/>
+              <a:buChar char="§"/>
+            </a:pPr>
+            <a:endParaRPr lang="en-US" sz="2000" dirty="0" smtClean="0"/>
+          </a:p>
+          <a:p>
+            <a:pPr>
+              <a:buFont typeface="Wingdings" charset="2"/>
+              <a:buChar char="§"/>
+            </a:pPr>
+            <a:endParaRPr lang="en-US" sz="2000" dirty="0" smtClean="0">
+              <a:solidFill>
+                <a:schemeClr val="accent2">
+                  <a:lumMod val="75000"/>
+                </a:schemeClr>
+              </a:solidFill>
+            </a:endParaRPr>
+          </a:p>
+          <a:p>
+            <a:pPr>
+              <a:buFont typeface="Wingdings" charset="2"/>
+              <a:buChar char="§"/>
+            </a:pPr>
+            <a:endParaRPr lang="en-US" sz="2000" dirty="0" smtClean="0">
+              <a:solidFill>
+                <a:schemeClr val="accent2">
+                  <a:lumMod val="75000"/>
+                </a:schemeClr>
+              </a:solidFill>
+            </a:endParaRPr>
+          </a:p>
+          <a:p>
+            <a:pPr>
+              <a:buFont typeface="Wingdings" charset="2"/>
+              <a:buChar char="§"/>
+            </a:pPr>
+            <a:endParaRPr lang="ru-RU" sz="2000" dirty="0" smtClean="0">
+              <a:solidFill>
+                <a:schemeClr val="accent2">
+                  <a:lumMod val="75000"/>
+                </a:schemeClr>
+              </a:solidFill>
+            </a:endParaRPr>
+          </a:p>
+          <a:p>
+            <a:pPr>
+              <a:buFont typeface="Wingdings" charset="2"/>
+              <a:buChar char="§"/>
+            </a:pPr>
+            <a:endParaRPr lang="ru-RU" sz="2000" dirty="0" smtClean="0">
+              <a:solidFill>
+                <a:schemeClr val="accent2">
+                  <a:lumMod val="75000"/>
+                </a:schemeClr>
+              </a:solidFill>
+            </a:endParaRPr>
+          </a:p>
+        </p:txBody>
+      </p:sp>
+    </p:spTree>
+    <p:extLst>
+      <p:ext uri="{BB962C8B-B14F-4D97-AF65-F5344CB8AC3E}">
+        <p14:creationId xmlns:p14="http://schemas.microsoft.com/office/powerpoint/2010/main" val="589567973"/>
+      </p:ext>
+    </p:extLst>
+  </p:cSld>
+  <p:clrMapOvr>
+    <a:masterClrMapping/>
+  </p:clrMapOvr>
+  <p:timing>
+    <p:tnLst>
+      <p:par>
+        <p:cTn id="1" dur="indefinite" restart="never" nodeType="tmRoot">
+          <p:childTnLst>
+            <p:seq concurrent="1" nextAc="seek">
+              <p:cTn id="2" dur="indefinite" nodeType="mainSeq">
+                <p:childTnLst>
+                  <p:par>
+                    <p:cTn id="3" fill="hold">
+                      <p:stCondLst>
+                        <p:cond delay="indefinite"/>
+                        <p:cond evt="onBegin" delay="0">
+                          <p:tn val="2"/>
+                        </p:cond>
+                      </p:stCondLst>
+                      <p:childTnLst>
+                        <p:par>
+                          <p:cTn id="4" fill="hold">
+                            <p:stCondLst>
+                              <p:cond delay="0"/>
+                            </p:stCondLst>
+                            <p:childTnLst>
+                              <p:par>
+                                <p:cTn id="5" presetID="10" presetClass="entr" presetSubtype="0" fill="hold" grpId="0" nodeType="afterEffect">
+                                  <p:stCondLst>
+                                    <p:cond delay="0"/>
+                                  </p:stCondLst>
+                                  <p:childTnLst>
+                                    <p:set>
+                                      <p:cBhvr>
+                                        <p:cTn id="6" dur="1" fill="hold">
+                                          <p:stCondLst>
+                                            <p:cond delay="0"/>
+                                          </p:stCondLst>
+                                        </p:cTn>
+                                        <p:tgtEl>
+                                          <p:spTgt spid="3">
+                                            <p:txEl>
+                                              <p:pRg st="0" end="0"/>
+                                            </p:txEl>
+                                          </p:spTgt>
+                                        </p:tgtEl>
+                                        <p:attrNameLst>
+                                          <p:attrName>style.visibility</p:attrName>
+                                        </p:attrNameLst>
+                                      </p:cBhvr>
+                                      <p:to>
+                                        <p:strVal val="visible"/>
+                                      </p:to>
+                                    </p:set>
+                                    <p:animEffect transition="in" filter="fade">
+                                      <p:cBhvr>
+                                        <p:cTn id="7" dur="500"/>
+                                        <p:tgtEl>
+                                          <p:spTgt spid="3">
+                                            <p:txEl>
+                                              <p:pRg st="0" end="0"/>
+                                            </p:txEl>
+                                          </p:spTgt>
+                                        </p:tgtEl>
+                                      </p:cBhvr>
+                                    </p:animEffect>
+                                  </p:childTnLst>
+                                </p:cTn>
+                              </p:par>
+                            </p:childTnLst>
+                          </p:cTn>
+                        </p:par>
+                      </p:childTnLst>
+                    </p:cTn>
+                  </p:par>
+                  <p:par>
+                    <p:cTn id="8" fill="hold">
+                      <p:stCondLst>
+                        <p:cond delay="indefinite"/>
+                      </p:stCondLst>
+                      <p:childTnLst>
+                        <p:par>
+                          <p:cTn id="9" fill="hold">
+                            <p:stCondLst>
+                              <p:cond delay="0"/>
+                            </p:stCondLst>
+                            <p:childTnLst>
+                              <p:par>
+                                <p:cTn id="10" presetID="10" presetClass="entr" presetSubtype="0" fill="hold" grpId="0" nodeType="clickEffect">
+                                  <p:stCondLst>
+                                    <p:cond delay="0"/>
+                                  </p:stCondLst>
+                                  <p:childTnLst>
+                                    <p:set>
+                                      <p:cBhvr>
+                                        <p:cTn id="11" dur="1" fill="hold">
+                                          <p:stCondLst>
+                                            <p:cond delay="0"/>
+                                          </p:stCondLst>
+                                        </p:cTn>
+                                        <p:tgtEl>
+                                          <p:spTgt spid="3">
+                                            <p:txEl>
+                                              <p:pRg st="1" end="1"/>
+                                            </p:txEl>
+                                          </p:spTgt>
+                                        </p:tgtEl>
+                                        <p:attrNameLst>
+                                          <p:attrName>style.visibility</p:attrName>
+                                        </p:attrNameLst>
+                                      </p:cBhvr>
+                                      <p:to>
+                                        <p:strVal val="visible"/>
+                                      </p:to>
+                                    </p:set>
+                                    <p:animEffect transition="in" filter="fade">
+                                      <p:cBhvr>
+                                        <p:cTn id="12" dur="500"/>
+                                        <p:tgtEl>
+                                          <p:spTgt spid="3">
+                                            <p:txEl>
+                                              <p:pRg st="1" end="1"/>
+                                            </p:txEl>
+                                          </p:spTgt>
+                                        </p:tgtEl>
+                                      </p:cBhvr>
+                                    </p:animEffect>
+                                  </p:childTnLst>
+                                </p:cTn>
+                              </p:par>
+                            </p:childTnLst>
+                          </p:cTn>
+                        </p:par>
+                      </p:childTnLst>
+                    </p:cTn>
+                  </p:par>
+                  <p:par>
+                    <p:cTn id="13" fill="hold">
+                      <p:stCondLst>
+                        <p:cond delay="indefinite"/>
+                      </p:stCondLst>
+                      <p:childTnLst>
+                        <p:par>
+                          <p:cTn id="14" fill="hold">
+                            <p:stCondLst>
+                              <p:cond delay="0"/>
+                            </p:stCondLst>
+                            <p:childTnLst>
+                              <p:par>
+                                <p:cTn id="15" presetID="10" presetClass="entr" presetSubtype="0" fill="hold" grpId="0" nodeType="clickEffect">
+                                  <p:stCondLst>
+                                    <p:cond delay="0"/>
+                                  </p:stCondLst>
+                                  <p:childTnLst>
+                                    <p:set>
+                                      <p:cBhvr>
+                                        <p:cTn id="16" dur="1" fill="hold">
+                                          <p:stCondLst>
+                                            <p:cond delay="0"/>
+                                          </p:stCondLst>
+                                        </p:cTn>
+                                        <p:tgtEl>
+                                          <p:spTgt spid="3">
+                                            <p:txEl>
+                                              <p:pRg st="2" end="2"/>
+                                            </p:txEl>
+                                          </p:spTgt>
+                                        </p:tgtEl>
+                                        <p:attrNameLst>
+                                          <p:attrName>style.visibility</p:attrName>
+                                        </p:attrNameLst>
+                                      </p:cBhvr>
+                                      <p:to>
+                                        <p:strVal val="visible"/>
+                                      </p:to>
+                                    </p:set>
+                                    <p:animEffect transition="in" filter="fade">
+                                      <p:cBhvr>
+                                        <p:cTn id="17" dur="500"/>
+                                        <p:tgtEl>
+                                          <p:spTgt spid="3">
+                                            <p:txEl>
+                                              <p:pRg st="2" end="2"/>
+                                            </p:txEl>
+                                          </p:spTgt>
+                                        </p:tgtEl>
+                                      </p:cBhvr>
+                                    </p:animEffect>
+                                  </p:childTnLst>
+                                </p:cTn>
+                              </p:par>
+                            </p:childTnLst>
+                          </p:cTn>
+                        </p:par>
+                      </p:childTnLst>
+                    </p:cTn>
+                  </p:par>
+                  <p:par>
+                    <p:cTn id="18" fill="hold">
+                      <p:stCondLst>
+                        <p:cond delay="indefinite"/>
+                      </p:stCondLst>
+                      <p:childTnLst>
+                        <p:par>
+                          <p:cTn id="19" fill="hold">
+                            <p:stCondLst>
+                              <p:cond delay="0"/>
+                            </p:stCondLst>
+                            <p:childTnLst>
+                              <p:par>
+                                <p:cTn id="20" presetID="10" presetClass="entr" presetSubtype="0" fill="hold" grpId="0" nodeType="clickEffect">
+                                  <p:stCondLst>
+                                    <p:cond delay="0"/>
+                                  </p:stCondLst>
+                                  <p:childTnLst>
+                                    <p:set>
+                                      <p:cBhvr>
+                                        <p:cTn id="21" dur="1" fill="hold">
+                                          <p:stCondLst>
+                                            <p:cond delay="0"/>
+                                          </p:stCondLst>
+                                        </p:cTn>
+                                        <p:tgtEl>
+                                          <p:spTgt spid="3">
+                                            <p:txEl>
+                                              <p:pRg st="3" end="3"/>
+                                            </p:txEl>
+                                          </p:spTgt>
+                                        </p:tgtEl>
+                                        <p:attrNameLst>
+                                          <p:attrName>style.visibility</p:attrName>
+                                        </p:attrNameLst>
+                                      </p:cBhvr>
+                                      <p:to>
+                                        <p:strVal val="visible"/>
+                                      </p:to>
+                                    </p:set>
+                                    <p:animEffect transition="in" filter="fade">
+                                      <p:cBhvr>
+                                        <p:cTn id="22" dur="500"/>
+                                        <p:tgtEl>
+                                          <p:spTgt spid="3">
+                                            <p:txEl>
+                                              <p:pRg st="3" end="3"/>
+                                            </p:txEl>
+                                          </p:spTgt>
+                                        </p:tgtEl>
+                                      </p:cBhvr>
+                                    </p:animEffect>
+                                  </p:childTnLst>
+                                </p:cTn>
+                              </p:par>
+                            </p:childTnLst>
+                          </p:cTn>
+                        </p:par>
+                      </p:childTnLst>
+                    </p:cTn>
+                  </p:par>
+                  <p:par>
+                    <p:cTn id="23" fill="hold">
+                      <p:stCondLst>
+                        <p:cond delay="indefinite"/>
+                      </p:stCondLst>
+                      <p:childTnLst>
+                        <p:par>
+                          <p:cTn id="24" fill="hold">
+                            <p:stCondLst>
+                              <p:cond delay="0"/>
+                            </p:stCondLst>
+                            <p:childTnLst>
+                              <p:par>
+                                <p:cTn id="25" presetID="10" presetClass="entr" presetSubtype="0" fill="hold" grpId="0" nodeType="clickEffect">
+                                  <p:stCondLst>
+                                    <p:cond delay="0"/>
+                                  </p:stCondLst>
+                                  <p:childTnLst>
+                                    <p:set>
+                                      <p:cBhvr>
+                                        <p:cTn id="26" dur="1" fill="hold">
+                                          <p:stCondLst>
+                                            <p:cond delay="0"/>
+                                          </p:stCondLst>
+                                        </p:cTn>
+                                        <p:tgtEl>
+                                          <p:spTgt spid="3">
+                                            <p:txEl>
+                                              <p:pRg st="4" end="4"/>
+                                            </p:txEl>
+                                          </p:spTgt>
+                                        </p:tgtEl>
+                                        <p:attrNameLst>
+                                          <p:attrName>style.visibility</p:attrName>
+                                        </p:attrNameLst>
+                                      </p:cBhvr>
+                                      <p:to>
+                                        <p:strVal val="visible"/>
+                                      </p:to>
+                                    </p:set>
+                                    <p:animEffect transition="in" filter="fade">
+                                      <p:cBhvr>
+                                        <p:cTn id="27" dur="500"/>
+                                        <p:tgtEl>
+                                          <p:spTgt spid="3">
+                                            <p:txEl>
+                                              <p:pRg st="4" end="4"/>
+                                            </p:txEl>
+                                          </p:spTgt>
+                                        </p:tgtEl>
+                                      </p:cBhvr>
+                                    </p:animEffect>
+                                  </p:childTnLst>
+                                </p:cTn>
+                              </p:par>
+                            </p:childTnLst>
+                          </p:cTn>
+                        </p:par>
+                      </p:childTnLst>
+                    </p:cTn>
+                  </p:par>
+                </p:childTnLst>
+              </p:cTn>
+              <p:prevCondLst>
+                <p:cond evt="onPrev" delay="0">
+                  <p:tgtEl>
+                    <p:sldTgt/>
+                  </p:tgtEl>
+                </p:cond>
+              </p:prevCondLst>
+              <p:nextCondLst>
+                <p:cond evt="onNext" delay="0">
+                  <p:tgtEl>
+                    <p:sldTgt/>
+                  </p:tgtEl>
+                </p:cond>
+              </p:nextCondLst>
+            </p:seq>
+          </p:childTnLst>
+        </p:cTn>
+      </p:par>
+    </p:tnLst>
+    <p:bldLst>
+      <p:bldP spid="3" grpId="0" build="p"/>
+    </p:bldLst>
+  </p:timing>
+</p:sld>
+</file>
+
+<file path=ppt/slides/slide26.xml><?xml version="1.0" encoding="utf-8"?>
+<p:sld xmlns:a="http://schemas.openxmlformats.org/drawingml/2006/main" xmlns:r="http://schemas.openxmlformats.org/officeDocument/2006/relationships" xmlns:p="http://schemas.openxmlformats.org/presentationml/2006/main">
+  <p:cSld>
+    <p:spTree>
+      <p:nvGrpSpPr>
+        <p:cNvPr id="1" name=""/>
+        <p:cNvGrpSpPr/>
+        <p:nvPr/>
+      </p:nvGrpSpPr>
+      <p:grpSpPr>
+        <a:xfrm>
+          <a:off x="0" y="0"/>
+          <a:ext cx="0" cy="0"/>
+          <a:chOff x="0" y="0"/>
+          <a:chExt cx="0" cy="0"/>
+        </a:xfrm>
+      </p:grpSpPr>
+      <p:sp>
+        <p:nvSpPr>
+          <p:cNvPr id="2" name="Title 1"/>
+          <p:cNvSpPr>
+            <a:spLocks noGrp="1"/>
+          </p:cNvSpPr>
+          <p:nvPr>
+            <p:ph type="title"/>
+          </p:nvPr>
+        </p:nvSpPr>
+        <p:spPr/>
+        <p:txBody>
+          <a:bodyPr>
+            <a:normAutofit/>
+          </a:bodyPr>
+          <a:lstStyle/>
+          <a:p>
+            <a:r>
+              <a:rPr lang="ru-RU" dirty="0" smtClean="0"/>
+              <a:t>Задания</a:t>
+            </a:r>
+            <a:br>
+              <a:rPr lang="ru-RU" dirty="0" smtClean="0"/>
+            </a:br>
+            <a:r>
+              <a:rPr lang="ru-RU" dirty="0" smtClean="0"/>
+              <a:t>------------------------------------------------------------</a:t>
+            </a:r>
+            <a:endParaRPr lang="en-US" dirty="0"/>
+          </a:p>
+        </p:txBody>
+      </p:sp>
+      <p:sp>
+        <p:nvSpPr>
+          <p:cNvPr id="3" name="Content Placeholder 2"/>
+          <p:cNvSpPr>
+            <a:spLocks noGrp="1"/>
+          </p:cNvSpPr>
+          <p:nvPr>
+            <p:ph idx="1"/>
+          </p:nvPr>
+        </p:nvSpPr>
+        <p:spPr>
+          <a:xfrm>
+            <a:off x="1835150" y="2735847"/>
+            <a:ext cx="8521700" cy="2171701"/>
+          </a:xfrm>
+        </p:spPr>
+        <p:txBody>
+          <a:bodyPr>
+            <a:normAutofit/>
+          </a:bodyPr>
+          <a:lstStyle/>
+          <a:p>
+            <a:pPr>
+              <a:buFont typeface="Wingdings" charset="2"/>
+              <a:buChar char="§"/>
+            </a:pPr>
+            <a:r>
+              <a:rPr lang="ru-RU" sz="2000" dirty="0" smtClean="0"/>
+              <a:t>Оформить сортировку массива из прошлой лекции как функцию</a:t>
+            </a:r>
+          </a:p>
+          <a:p>
+            <a:pPr>
+              <a:buFont typeface="Wingdings" charset="2"/>
+              <a:buChar char="§"/>
+            </a:pPr>
+            <a:r>
+              <a:rPr lang="ru-RU" sz="2000" dirty="0" smtClean="0"/>
+              <a:t>Реализ</a:t>
+            </a:r>
+            <a:r>
+              <a:rPr lang="ru-RU" sz="2000" dirty="0" smtClean="0"/>
+              <a:t>овать</a:t>
+            </a:r>
+            <a:r>
+              <a:rPr lang="ru-RU" sz="2000" dirty="0" smtClean="0"/>
+              <a:t> функцию </a:t>
+            </a:r>
+            <a:r>
+              <a:rPr lang="en-US" sz="2000" dirty="0" err="1" smtClean="0"/>
+              <a:t>sqrt</a:t>
+            </a:r>
+            <a:r>
+              <a:rPr lang="ru-RU" sz="2000" dirty="0" smtClean="0"/>
+              <a:t>, которая вычисляет квадратный корень числа</a:t>
+            </a:r>
+          </a:p>
+          <a:p>
+            <a:pPr>
+              <a:buFont typeface="Wingdings" charset="2"/>
+              <a:buChar char="§"/>
+            </a:pPr>
+            <a:r>
+              <a:rPr lang="ru-RU" sz="2000" dirty="0" smtClean="0"/>
+              <a:t>Написать функцию, которая выдает индекс второго максимума в массиве</a:t>
+            </a:r>
+            <a:endParaRPr lang="en-US" sz="2000" dirty="0" smtClean="0"/>
+          </a:p>
+          <a:p>
+            <a:pPr>
+              <a:buFont typeface="Wingdings" charset="2"/>
+              <a:buChar char="§"/>
+            </a:pPr>
+            <a:r>
+              <a:rPr lang="ru-RU" sz="2000" dirty="0" smtClean="0"/>
+              <a:t>Написать функцию </a:t>
+            </a:r>
+            <a:r>
+              <a:rPr lang="en-US" sz="2000" dirty="0" err="1" smtClean="0"/>
+              <a:t>itoa</a:t>
+            </a:r>
+            <a:r>
+              <a:rPr lang="ru-RU" sz="2000" dirty="0" smtClean="0"/>
+              <a:t>, которая переводит целое число в Си строку</a:t>
+            </a:r>
+          </a:p>
+          <a:p>
+            <a:pPr>
+              <a:buFont typeface="Wingdings" charset="2"/>
+              <a:buChar char="§"/>
+            </a:pPr>
+            <a:endParaRPr lang="ru-RU" sz="2000" dirty="0" smtClean="0"/>
+          </a:p>
+          <a:p>
+            <a:pPr>
+              <a:buFont typeface="Wingdings" charset="2"/>
+              <a:buChar char="§"/>
+            </a:pPr>
+            <a:endParaRPr lang="ru-RU" sz="2000" dirty="0" smtClean="0"/>
+          </a:p>
+        </p:txBody>
+      </p:sp>
+    </p:spTree>
+    <p:extLst>
+      <p:ext uri="{BB962C8B-B14F-4D97-AF65-F5344CB8AC3E}">
+        <p14:creationId xmlns:p14="http://schemas.microsoft.com/office/powerpoint/2010/main" val="2073355834"/>
+      </p:ext>
+    </p:extLst>
+  </p:cSld>
+  <p:clrMapOvr>
+    <a:masterClrMapping/>
+  </p:clrMapOvr>
+  <p:timing>
+    <p:tnLst>
+      <p:par>
+        <p:cTn id="1" dur="indefinite" restart="never" nodeType="tmRoot"/>
+      </p:par>
+    </p:tnLst>
   </p:timing>
 </p:sld>
 </file>

--- a/lec3/lec3.pptx
+++ b/lec3/lec3.pptx
@@ -259,7 +259,7 @@
           <a:p>
             <a:fld id="{583A7FF4-BA10-584F-BDF9-B94398A4CBAE}" type="datetimeFigureOut">
               <a:rPr lang="en-US" smtClean="0"/>
-              <a:t>9/24/16</a:t>
+              <a:t>10/28/16</a:t>
             </a:fld>
             <a:endParaRPr lang="en-US"/>
           </a:p>
@@ -910,7 +910,7 @@
           <a:p>
             <a:fld id="{CB12401C-CFD5-B54A-B2A8-512DBFD35870}" type="datetimeFigureOut">
               <a:rPr lang="en-US" smtClean="0"/>
-              <a:t>9/24/16</a:t>
+              <a:t>10/28/16</a:t>
             </a:fld>
             <a:endParaRPr lang="en-US"/>
           </a:p>
@@ -1080,7 +1080,7 @@
           <a:p>
             <a:fld id="{CB12401C-CFD5-B54A-B2A8-512DBFD35870}" type="datetimeFigureOut">
               <a:rPr lang="en-US" smtClean="0"/>
-              <a:t>9/24/16</a:t>
+              <a:t>10/28/16</a:t>
             </a:fld>
             <a:endParaRPr lang="en-US"/>
           </a:p>
@@ -1260,7 +1260,7 @@
           <a:p>
             <a:fld id="{CB12401C-CFD5-B54A-B2A8-512DBFD35870}" type="datetimeFigureOut">
               <a:rPr lang="en-US" smtClean="0"/>
-              <a:t>9/24/16</a:t>
+              <a:t>10/28/16</a:t>
             </a:fld>
             <a:endParaRPr lang="en-US"/>
           </a:p>
@@ -1430,7 +1430,7 @@
           <a:p>
             <a:fld id="{CB12401C-CFD5-B54A-B2A8-512DBFD35870}" type="datetimeFigureOut">
               <a:rPr lang="en-US" smtClean="0"/>
-              <a:t>9/24/16</a:t>
+              <a:t>10/28/16</a:t>
             </a:fld>
             <a:endParaRPr lang="en-US"/>
           </a:p>
@@ -1683,7 +1683,7 @@
           <a:p>
             <a:fld id="{CB12401C-CFD5-B54A-B2A8-512DBFD35870}" type="datetimeFigureOut">
               <a:rPr lang="en-US" smtClean="0"/>
-              <a:t>9/24/16</a:t>
+              <a:t>10/28/16</a:t>
             </a:fld>
             <a:endParaRPr lang="en-US"/>
           </a:p>
@@ -1915,7 +1915,7 @@
           <a:p>
             <a:fld id="{CB12401C-CFD5-B54A-B2A8-512DBFD35870}" type="datetimeFigureOut">
               <a:rPr lang="en-US" smtClean="0"/>
-              <a:t>9/24/16</a:t>
+              <a:t>10/28/16</a:t>
             </a:fld>
             <a:endParaRPr lang="en-US"/>
           </a:p>
@@ -2282,7 +2282,7 @@
           <a:p>
             <a:fld id="{CB12401C-CFD5-B54A-B2A8-512DBFD35870}" type="datetimeFigureOut">
               <a:rPr lang="en-US" smtClean="0"/>
-              <a:t>9/24/16</a:t>
+              <a:t>10/28/16</a:t>
             </a:fld>
             <a:endParaRPr lang="en-US"/>
           </a:p>
@@ -2400,7 +2400,7 @@
           <a:p>
             <a:fld id="{CB12401C-CFD5-B54A-B2A8-512DBFD35870}" type="datetimeFigureOut">
               <a:rPr lang="en-US" smtClean="0"/>
-              <a:t>9/24/16</a:t>
+              <a:t>10/28/16</a:t>
             </a:fld>
             <a:endParaRPr lang="en-US"/>
           </a:p>
@@ -2495,7 +2495,7 @@
           <a:p>
             <a:fld id="{CB12401C-CFD5-B54A-B2A8-512DBFD35870}" type="datetimeFigureOut">
               <a:rPr lang="en-US" smtClean="0"/>
-              <a:t>9/24/16</a:t>
+              <a:t>10/28/16</a:t>
             </a:fld>
             <a:endParaRPr lang="en-US"/>
           </a:p>
@@ -2772,7 +2772,7 @@
           <a:p>
             <a:fld id="{CB12401C-CFD5-B54A-B2A8-512DBFD35870}" type="datetimeFigureOut">
               <a:rPr lang="en-US" smtClean="0"/>
-              <a:t>9/24/16</a:t>
+              <a:t>10/28/16</a:t>
             </a:fld>
             <a:endParaRPr lang="en-US"/>
           </a:p>
@@ -3025,7 +3025,7 @@
           <a:p>
             <a:fld id="{CB12401C-CFD5-B54A-B2A8-512DBFD35870}" type="datetimeFigureOut">
               <a:rPr lang="en-US" smtClean="0"/>
-              <a:t>9/24/16</a:t>
+              <a:t>10/28/16</a:t>
             </a:fld>
             <a:endParaRPr lang="en-US"/>
           </a:p>
@@ -3238,7 +3238,7 @@
           <a:p>
             <a:fld id="{CB12401C-CFD5-B54A-B2A8-512DBFD35870}" type="datetimeFigureOut">
               <a:rPr lang="en-US" smtClean="0"/>
-              <a:t>9/24/16</a:t>
+              <a:t>10/28/16</a:t>
             </a:fld>
             <a:endParaRPr lang="en-US"/>
           </a:p>
@@ -3966,23 +3966,7 @@
                 <a:ea typeface="Lucida Console" charset="0"/>
                 <a:cs typeface="Lucida Console" charset="0"/>
               </a:rPr>
-              <a:t>*p </a:t>
-            </a:r>
-            <a:r>
-              <a:rPr lang="en-US" dirty="0" smtClean="0">
-                <a:latin typeface="Lucida Console" charset="0"/>
-                <a:ea typeface="Lucida Console" charset="0"/>
-                <a:cs typeface="Lucida Console" charset="0"/>
-              </a:rPr>
-              <a:t>= </a:t>
-            </a:r>
-            <a:r>
-              <a:rPr lang="en-US" dirty="0" smtClean="0">
-                <a:latin typeface="Lucida Console" charset="0"/>
-                <a:ea typeface="Lucida Console" charset="0"/>
-                <a:cs typeface="Lucida Console" charset="0"/>
-              </a:rPr>
-              <a:t>1024;</a:t>
+              <a:t>*p = 1024;</a:t>
             </a:r>
             <a:endParaRPr lang="ru-RU" dirty="0" smtClean="0">
               <a:latin typeface="Lucida Console" charset="0"/>
@@ -5145,19 +5129,7 @@
             </a:r>
             <a:r>
               <a:rPr lang="ru-RU" dirty="0" smtClean="0"/>
-              <a:t> </a:t>
-            </a:r>
-            <a:r>
-              <a:rPr lang="ru-RU" dirty="0" smtClean="0"/>
-              <a:t> тип для обозначения отсутствия </a:t>
-            </a:r>
-            <a:r>
-              <a:rPr lang="ru-RU" dirty="0" smtClean="0"/>
-              <a:t>значения</a:t>
-            </a:r>
-            <a:r>
-              <a:rPr lang="ru-RU" dirty="0" smtClean="0"/>
-              <a:t>.</a:t>
+              <a:t>  тип для обозначения отсутствия значения.</a:t>
             </a:r>
           </a:p>
           <a:p>
@@ -5588,11 +5560,7 @@
             </a:r>
             <a:r>
               <a:rPr lang="en-US" dirty="0" smtClean="0"/>
-              <a:t>::</a:t>
-            </a:r>
-            <a:r>
-              <a:rPr lang="en-US" dirty="0" smtClean="0"/>
-              <a:t>NULL</a:t>
+              <a:t>::NULL</a:t>
             </a:r>
             <a:r>
               <a:rPr lang="ru-RU" dirty="0" smtClean="0"/>
@@ -5965,15 +5933,7 @@
                 <a:ea typeface="Lucida Console" charset="0"/>
                 <a:cs typeface="Lucida Console" charset="0"/>
               </a:rPr>
-              <a:t>main</a:t>
-            </a:r>
-            <a:r>
-              <a:rPr lang="en-US" sz="2400" dirty="0" smtClean="0">
-                <a:latin typeface="Lucida Console" charset="0"/>
-                <a:ea typeface="Lucida Console" charset="0"/>
-                <a:cs typeface="Lucida Console" charset="0"/>
-              </a:rPr>
-              <a:t>()</a:t>
+              <a:t>main()</a:t>
             </a:r>
           </a:p>
           <a:p>
@@ -6982,11 +6942,23 @@
             </a:r>
             <a:r>
               <a:rPr lang="ru-RU" sz="2400" dirty="0" err="1" smtClean="0"/>
-              <a:t>переиспользовать</a:t>
+              <a:t>пер</a:t>
+            </a:r>
+            <a:r>
+              <a:rPr lang="ru-RU" sz="2400" dirty="0" err="1" smtClean="0"/>
+              <a:t>еи</a:t>
+            </a:r>
+            <a:r>
+              <a:rPr lang="ru-RU" sz="2400" dirty="0" err="1" smtClean="0"/>
+              <a:t>спользовать</a:t>
             </a:r>
             <a:r>
               <a:rPr lang="ru-RU" sz="2400" dirty="0" smtClean="0"/>
-              <a:t> код</a:t>
+              <a:t> </a:t>
+            </a:r>
+            <a:r>
+              <a:rPr lang="ru-RU" sz="2400" dirty="0" smtClean="0"/>
+              <a:t>код</a:t>
             </a:r>
           </a:p>
           <a:p>
@@ -7673,10 +7645,6 @@
               <a:rPr lang="ru-RU" dirty="0" smtClean="0"/>
               <a:t>аргументы</a:t>
             </a:r>
-            <a:r>
-              <a:rPr lang="ru-RU" dirty="0" smtClean="0"/>
-              <a:t/>
-            </a:r>
             <a:br>
               <a:rPr lang="ru-RU" dirty="0" smtClean="0"/>
             </a:br>
@@ -8164,19 +8132,7 @@
             </a:r>
             <a:r>
               <a:rPr lang="ru-RU" dirty="0" smtClean="0"/>
-              <a:t>а</a:t>
-            </a:r>
-            <a:r>
-              <a:rPr lang="ru-RU" dirty="0" smtClean="0"/>
-              <a:t>рг</a:t>
-            </a:r>
-            <a:r>
-              <a:rPr lang="ru-RU" dirty="0" smtClean="0"/>
-              <a:t>ументы</a:t>
-            </a:r>
-            <a:r>
-              <a:rPr lang="ru-RU" dirty="0" smtClean="0"/>
-              <a:t/>
+              <a:t>аргументы</a:t>
             </a:r>
             <a:br>
               <a:rPr lang="ru-RU" dirty="0" smtClean="0"/>
@@ -9377,10 +9333,6 @@
               <a:rPr lang="ru-RU" dirty="0" smtClean="0"/>
               <a:t>аргументы</a:t>
             </a:r>
-            <a:r>
-              <a:rPr lang="ru-RU" dirty="0" smtClean="0"/>
-              <a:t/>
-            </a:r>
             <a:br>
               <a:rPr lang="ru-RU" dirty="0" smtClean="0"/>
             </a:br>
@@ -10057,10 +10009,6 @@
               <a:rPr lang="ru-RU" dirty="0" smtClean="0"/>
               <a:t>аргументы</a:t>
             </a:r>
-            <a:r>
-              <a:rPr lang="ru-RU" dirty="0" smtClean="0"/>
-              <a:t/>
-            </a:r>
             <a:br>
               <a:rPr lang="ru-RU" dirty="0" smtClean="0"/>
             </a:br>
@@ -11310,10 +11258,6 @@
               <a:rPr lang="ru-RU" dirty="0" smtClean="0"/>
               <a:t>указатели на функцию</a:t>
             </a:r>
-            <a:r>
-              <a:rPr lang="ru-RU" dirty="0" smtClean="0"/>
-              <a:t/>
-            </a:r>
             <a:br>
               <a:rPr lang="ru-RU" dirty="0" smtClean="0"/>
             </a:br>
@@ -11867,10 +11811,6 @@
             <a:r>
               <a:rPr lang="ru-RU" dirty="0" smtClean="0"/>
               <a:t>указатели на функцию</a:t>
-            </a:r>
-            <a:r>
-              <a:rPr lang="ru-RU" dirty="0" smtClean="0"/>
-              <a:t/>
             </a:r>
             <a:br>
               <a:rPr lang="ru-RU" dirty="0" smtClean="0"/>
@@ -12876,15 +12816,7 @@
             </a:pPr>
             <a:r>
               <a:rPr lang="ru-RU" sz="2000" dirty="0" smtClean="0"/>
-              <a:t>Реализ</a:t>
-            </a:r>
-            <a:r>
-              <a:rPr lang="ru-RU" sz="2000" dirty="0" smtClean="0"/>
-              <a:t>овать</a:t>
-            </a:r>
-            <a:r>
-              <a:rPr lang="ru-RU" sz="2000" dirty="0" smtClean="0"/>
-              <a:t> функцию </a:t>
+              <a:t>Реализовать функцию </a:t>
             </a:r>
             <a:r>
               <a:rPr lang="en-US" sz="2000" dirty="0" err="1" smtClean="0"/>
